--- a/18-data-visualization/Contenido Semana 3/7.3. Presentación - Cómo comunicar una historia usando el Tablero de Información.pptx
+++ b/18-data-visualization/Contenido Semana 3/7.3. Presentación - Cómo comunicar una historia usando el Tablero de Información.pptx
@@ -5,35 +5,37 @@
     <p:sldMasterId id="2147483670" r:id="rId1"/>
   </p:sldMasterIdLst>
   <p:notesMasterIdLst>
-    <p:notesMasterId r:id="rId4"/>
+    <p:notesMasterId r:id="rId6"/>
   </p:notesMasterIdLst>
   <p:sldIdLst>
     <p:sldId id="282" r:id="rId2"/>
-    <p:sldId id="283" r:id="rId3"/>
+    <p:sldId id="284" r:id="rId3"/>
+    <p:sldId id="283" r:id="rId4"/>
+    <p:sldId id="285" r:id="rId5"/>
   </p:sldIdLst>
   <p:sldSz cx="9144000" cy="6858000" type="screen4x3"/>
   <p:notesSz cx="6858000" cy="9144000"/>
   <p:embeddedFontLst>
     <p:embeddedFont>
-      <p:font typeface="Montserrat" panose="020B0604020202020204" charset="0"/>
-      <p:regular r:id="rId5"/>
-      <p:bold r:id="rId6"/>
-      <p:italic r:id="rId7"/>
-      <p:boldItalic r:id="rId8"/>
+      <p:font typeface="Calibri" panose="020F0502020204030204" pitchFamily="34" charset="0"/>
+      <p:regular r:id="rId7"/>
+      <p:bold r:id="rId8"/>
+      <p:italic r:id="rId9"/>
+      <p:boldItalic r:id="rId10"/>
     </p:embeddedFont>
     <p:embeddedFont>
       <p:font typeface="Raleway" panose="020B0604020202020204" charset="0"/>
-      <p:regular r:id="rId9"/>
-      <p:bold r:id="rId10"/>
-      <p:italic r:id="rId11"/>
-      <p:boldItalic r:id="rId12"/>
+      <p:regular r:id="rId11"/>
+      <p:bold r:id="rId12"/>
+      <p:italic r:id="rId13"/>
+      <p:boldItalic r:id="rId14"/>
     </p:embeddedFont>
     <p:embeddedFont>
-      <p:font typeface="Calibri" panose="020F0502020204030204" pitchFamily="34" charset="0"/>
-      <p:regular r:id="rId13"/>
-      <p:bold r:id="rId14"/>
-      <p:italic r:id="rId15"/>
-      <p:boldItalic r:id="rId16"/>
+      <p:font typeface="Montserrat" panose="020B0604020202020204" charset="0"/>
+      <p:regular r:id="rId15"/>
+      <p:bold r:id="rId16"/>
+      <p:italic r:id="rId17"/>
+      <p:boldItalic r:id="rId18"/>
     </p:embeddedFont>
   </p:embeddedFontLst>
   <p:defaultTextStyle>
@@ -250,6 +252,3479 @@
 <p1510:revInfo xmlns:a="http://schemas.openxmlformats.org/drawingml/2006/main" xmlns:r="http://schemas.openxmlformats.org/officeDocument/2006/relationships" xmlns:p1510="http://schemas.microsoft.com/office/powerpoint/2015/10/main"/>
 </file>
 
+<file path=ppt/diagrams/colors1.xml><?xml version="1.0" encoding="utf-8"?>
+<dgm:colorsDef xmlns:dgm="http://schemas.openxmlformats.org/drawingml/2006/diagram" xmlns:a="http://schemas.openxmlformats.org/drawingml/2006/main" uniqueId="urn:microsoft.com/office/officeart/2005/8/colors/accent0_1">
+  <dgm:title val=""/>
+  <dgm:desc val=""/>
+  <dgm:catLst>
+    <dgm:cat type="mainScheme" pri="10100"/>
+  </dgm:catLst>
+  <dgm:styleLbl name="node0">
+    <dgm:fillClrLst meth="repeat">
+      <a:schemeClr val="lt1"/>
+    </dgm:fillClrLst>
+    <dgm:linClrLst meth="repeat">
+      <a:schemeClr val="dk1">
+        <a:shade val="80000"/>
+      </a:schemeClr>
+    </dgm:linClrLst>
+    <dgm:effectClrLst/>
+    <dgm:txLinClrLst/>
+    <dgm:txFillClrLst meth="repeat">
+      <a:schemeClr val="dk1"/>
+    </dgm:txFillClrLst>
+    <dgm:txEffectClrLst/>
+  </dgm:styleLbl>
+  <dgm:styleLbl name="node1">
+    <dgm:fillClrLst meth="repeat">
+      <a:schemeClr val="lt1"/>
+    </dgm:fillClrLst>
+    <dgm:linClrLst meth="repeat">
+      <a:schemeClr val="dk1">
+        <a:shade val="80000"/>
+      </a:schemeClr>
+    </dgm:linClrLst>
+    <dgm:effectClrLst/>
+    <dgm:txLinClrLst/>
+    <dgm:txFillClrLst meth="repeat">
+      <a:schemeClr val="dk1"/>
+    </dgm:txFillClrLst>
+    <dgm:txEffectClrLst/>
+  </dgm:styleLbl>
+  <dgm:styleLbl name="alignNode1">
+    <dgm:fillClrLst meth="repeat">
+      <a:schemeClr val="lt1"/>
+    </dgm:fillClrLst>
+    <dgm:linClrLst meth="repeat">
+      <a:schemeClr val="dk1">
+        <a:shade val="80000"/>
+      </a:schemeClr>
+    </dgm:linClrLst>
+    <dgm:effectClrLst/>
+    <dgm:txLinClrLst/>
+    <dgm:txFillClrLst meth="repeat">
+      <a:schemeClr val="dk1"/>
+    </dgm:txFillClrLst>
+    <dgm:txEffectClrLst/>
+  </dgm:styleLbl>
+  <dgm:styleLbl name="lnNode1">
+    <dgm:fillClrLst meth="repeat">
+      <a:schemeClr val="lt1"/>
+    </dgm:fillClrLst>
+    <dgm:linClrLst meth="repeat">
+      <a:schemeClr val="dk1">
+        <a:shade val="80000"/>
+      </a:schemeClr>
+    </dgm:linClrLst>
+    <dgm:effectClrLst/>
+    <dgm:txLinClrLst/>
+    <dgm:txFillClrLst meth="repeat">
+      <a:schemeClr val="dk1"/>
+    </dgm:txFillClrLst>
+    <dgm:txEffectClrLst/>
+  </dgm:styleLbl>
+  <dgm:styleLbl name="vennNode1">
+    <dgm:fillClrLst meth="repeat">
+      <a:schemeClr val="lt1">
+        <a:alpha val="50000"/>
+      </a:schemeClr>
+    </dgm:fillClrLst>
+    <dgm:linClrLst meth="repeat">
+      <a:schemeClr val="dk1">
+        <a:shade val="80000"/>
+      </a:schemeClr>
+    </dgm:linClrLst>
+    <dgm:effectClrLst/>
+    <dgm:txLinClrLst/>
+    <dgm:txFillClrLst/>
+    <dgm:txEffectClrLst/>
+  </dgm:styleLbl>
+  <dgm:styleLbl name="node2">
+    <dgm:fillClrLst meth="repeat">
+      <a:schemeClr val="lt1"/>
+    </dgm:fillClrLst>
+    <dgm:linClrLst meth="repeat">
+      <a:schemeClr val="dk1">
+        <a:shade val="80000"/>
+      </a:schemeClr>
+    </dgm:linClrLst>
+    <dgm:effectClrLst/>
+    <dgm:txLinClrLst/>
+    <dgm:txFillClrLst meth="repeat">
+      <a:schemeClr val="dk1"/>
+    </dgm:txFillClrLst>
+    <dgm:txEffectClrLst/>
+  </dgm:styleLbl>
+  <dgm:styleLbl name="node3">
+    <dgm:fillClrLst meth="repeat">
+      <a:schemeClr val="lt1"/>
+    </dgm:fillClrLst>
+    <dgm:linClrLst meth="repeat">
+      <a:schemeClr val="dk1">
+        <a:shade val="80000"/>
+      </a:schemeClr>
+    </dgm:linClrLst>
+    <dgm:effectClrLst/>
+    <dgm:txLinClrLst/>
+    <dgm:txFillClrLst meth="repeat">
+      <a:schemeClr val="dk1"/>
+    </dgm:txFillClrLst>
+    <dgm:txEffectClrLst/>
+  </dgm:styleLbl>
+  <dgm:styleLbl name="node4">
+    <dgm:fillClrLst meth="repeat">
+      <a:schemeClr val="lt1"/>
+    </dgm:fillClrLst>
+    <dgm:linClrLst meth="repeat">
+      <a:schemeClr val="dk1">
+        <a:shade val="80000"/>
+      </a:schemeClr>
+    </dgm:linClrLst>
+    <dgm:effectClrLst/>
+    <dgm:txLinClrLst/>
+    <dgm:txFillClrLst meth="repeat">
+      <a:schemeClr val="dk1"/>
+    </dgm:txFillClrLst>
+    <dgm:txEffectClrLst/>
+  </dgm:styleLbl>
+  <dgm:styleLbl name="fgImgPlace1">
+    <dgm:fillClrLst meth="repeat">
+      <a:schemeClr val="dk1">
+        <a:tint val="40000"/>
+      </a:schemeClr>
+    </dgm:fillClrLst>
+    <dgm:linClrLst meth="repeat">
+      <a:schemeClr val="dk1">
+        <a:shade val="80000"/>
+      </a:schemeClr>
+    </dgm:linClrLst>
+    <dgm:effectClrLst/>
+    <dgm:txLinClrLst/>
+    <dgm:txFillClrLst meth="repeat">
+      <a:schemeClr val="lt1"/>
+    </dgm:txFillClrLst>
+    <dgm:txEffectClrLst/>
+  </dgm:styleLbl>
+  <dgm:styleLbl name="alignImgPlace1">
+    <dgm:fillClrLst meth="repeat">
+      <a:schemeClr val="dk1">
+        <a:tint val="40000"/>
+      </a:schemeClr>
+    </dgm:fillClrLst>
+    <dgm:linClrLst meth="repeat">
+      <a:schemeClr val="dk1">
+        <a:shade val="80000"/>
+      </a:schemeClr>
+    </dgm:linClrLst>
+    <dgm:effectClrLst/>
+    <dgm:txLinClrLst/>
+    <dgm:txFillClrLst meth="repeat">
+      <a:schemeClr val="lt1"/>
+    </dgm:txFillClrLst>
+    <dgm:txEffectClrLst/>
+  </dgm:styleLbl>
+  <dgm:styleLbl name="bgImgPlace1">
+    <dgm:fillClrLst meth="repeat">
+      <a:schemeClr val="dk1">
+        <a:tint val="40000"/>
+      </a:schemeClr>
+    </dgm:fillClrLst>
+    <dgm:linClrLst meth="repeat">
+      <a:schemeClr val="dk1">
+        <a:shade val="80000"/>
+      </a:schemeClr>
+    </dgm:linClrLst>
+    <dgm:effectClrLst/>
+    <dgm:txLinClrLst/>
+    <dgm:txFillClrLst meth="repeat">
+      <a:schemeClr val="lt1"/>
+    </dgm:txFillClrLst>
+    <dgm:txEffectClrLst/>
+  </dgm:styleLbl>
+  <dgm:styleLbl name="sibTrans2D1">
+    <dgm:fillClrLst meth="repeat">
+      <a:schemeClr val="dk1">
+        <a:tint val="60000"/>
+      </a:schemeClr>
+    </dgm:fillClrLst>
+    <dgm:linClrLst meth="repeat">
+      <a:schemeClr val="dk1">
+        <a:tint val="60000"/>
+      </a:schemeClr>
+    </dgm:linClrLst>
+    <dgm:effectClrLst/>
+    <dgm:txLinClrLst/>
+    <dgm:txFillClrLst meth="repeat">
+      <a:schemeClr val="dk1"/>
+    </dgm:txFillClrLst>
+    <dgm:txEffectClrLst/>
+  </dgm:styleLbl>
+  <dgm:styleLbl name="fgSibTrans2D1">
+    <dgm:fillClrLst meth="repeat">
+      <a:schemeClr val="dk1">
+        <a:tint val="60000"/>
+      </a:schemeClr>
+    </dgm:fillClrLst>
+    <dgm:linClrLst meth="repeat">
+      <a:schemeClr val="dk1">
+        <a:tint val="60000"/>
+      </a:schemeClr>
+    </dgm:linClrLst>
+    <dgm:effectClrLst/>
+    <dgm:txLinClrLst/>
+    <dgm:txFillClrLst meth="repeat">
+      <a:schemeClr val="dk1"/>
+    </dgm:txFillClrLst>
+    <dgm:txEffectClrLst/>
+  </dgm:styleLbl>
+  <dgm:styleLbl name="bgSibTrans2D1">
+    <dgm:fillClrLst meth="repeat">
+      <a:schemeClr val="dk1">
+        <a:tint val="60000"/>
+      </a:schemeClr>
+    </dgm:fillClrLst>
+    <dgm:linClrLst meth="repeat">
+      <a:schemeClr val="dk1">
+        <a:tint val="60000"/>
+      </a:schemeClr>
+    </dgm:linClrLst>
+    <dgm:effectClrLst/>
+    <dgm:txLinClrLst/>
+    <dgm:txFillClrLst meth="repeat">
+      <a:schemeClr val="dk1"/>
+    </dgm:txFillClrLst>
+    <dgm:txEffectClrLst/>
+  </dgm:styleLbl>
+  <dgm:styleLbl name="sibTrans1D1">
+    <dgm:fillClrLst meth="repeat">
+      <a:schemeClr val="dk1"/>
+    </dgm:fillClrLst>
+    <dgm:linClrLst meth="repeat">
+      <a:schemeClr val="dk1"/>
+    </dgm:linClrLst>
+    <dgm:effectClrLst/>
+    <dgm:txLinClrLst/>
+    <dgm:txFillClrLst meth="repeat">
+      <a:schemeClr val="tx1"/>
+    </dgm:txFillClrLst>
+    <dgm:txEffectClrLst/>
+  </dgm:styleLbl>
+  <dgm:styleLbl name="callout">
+    <dgm:fillClrLst meth="repeat">
+      <a:schemeClr val="dk1"/>
+    </dgm:fillClrLst>
+    <dgm:linClrLst meth="repeat">
+      <a:schemeClr val="dk1"/>
+    </dgm:linClrLst>
+    <dgm:effectClrLst/>
+    <dgm:txLinClrLst/>
+    <dgm:txFillClrLst meth="repeat">
+      <a:schemeClr val="tx1"/>
+    </dgm:txFillClrLst>
+    <dgm:txEffectClrLst/>
+  </dgm:styleLbl>
+  <dgm:styleLbl name="asst0">
+    <dgm:fillClrLst meth="repeat">
+      <a:schemeClr val="lt1"/>
+    </dgm:fillClrLst>
+    <dgm:linClrLst meth="repeat">
+      <a:schemeClr val="dk1">
+        <a:shade val="80000"/>
+      </a:schemeClr>
+    </dgm:linClrLst>
+    <dgm:effectClrLst/>
+    <dgm:txLinClrLst/>
+    <dgm:txFillClrLst meth="repeat">
+      <a:schemeClr val="dk1"/>
+    </dgm:txFillClrLst>
+    <dgm:txEffectClrLst/>
+  </dgm:styleLbl>
+  <dgm:styleLbl name="asst1">
+    <dgm:fillClrLst meth="repeat">
+      <a:schemeClr val="lt1"/>
+    </dgm:fillClrLst>
+    <dgm:linClrLst meth="repeat">
+      <a:schemeClr val="dk1">
+        <a:shade val="80000"/>
+      </a:schemeClr>
+    </dgm:linClrLst>
+    <dgm:effectClrLst/>
+    <dgm:txLinClrLst/>
+    <dgm:txFillClrLst meth="repeat">
+      <a:schemeClr val="dk1"/>
+    </dgm:txFillClrLst>
+    <dgm:txEffectClrLst/>
+  </dgm:styleLbl>
+  <dgm:styleLbl name="asst2">
+    <dgm:fillClrLst meth="repeat">
+      <a:schemeClr val="lt1"/>
+    </dgm:fillClrLst>
+    <dgm:linClrLst meth="repeat">
+      <a:schemeClr val="dk1">
+        <a:shade val="80000"/>
+      </a:schemeClr>
+    </dgm:linClrLst>
+    <dgm:effectClrLst/>
+    <dgm:txLinClrLst/>
+    <dgm:txFillClrLst meth="repeat">
+      <a:schemeClr val="dk1"/>
+    </dgm:txFillClrLst>
+    <dgm:txEffectClrLst/>
+  </dgm:styleLbl>
+  <dgm:styleLbl name="asst3">
+    <dgm:fillClrLst meth="repeat">
+      <a:schemeClr val="lt1"/>
+    </dgm:fillClrLst>
+    <dgm:linClrLst meth="repeat">
+      <a:schemeClr val="dk1">
+        <a:shade val="80000"/>
+      </a:schemeClr>
+    </dgm:linClrLst>
+    <dgm:effectClrLst/>
+    <dgm:txLinClrLst/>
+    <dgm:txFillClrLst meth="repeat">
+      <a:schemeClr val="dk1"/>
+    </dgm:txFillClrLst>
+    <dgm:txEffectClrLst/>
+  </dgm:styleLbl>
+  <dgm:styleLbl name="asst4">
+    <dgm:fillClrLst meth="repeat">
+      <a:schemeClr val="lt1"/>
+    </dgm:fillClrLst>
+    <dgm:linClrLst meth="repeat">
+      <a:schemeClr val="dk1">
+        <a:shade val="80000"/>
+      </a:schemeClr>
+    </dgm:linClrLst>
+    <dgm:effectClrLst/>
+    <dgm:txLinClrLst/>
+    <dgm:txFillClrLst meth="repeat">
+      <a:schemeClr val="dk1"/>
+    </dgm:txFillClrLst>
+    <dgm:txEffectClrLst/>
+  </dgm:styleLbl>
+  <dgm:styleLbl name="parChTrans2D1">
+    <dgm:fillClrLst meth="repeat">
+      <a:schemeClr val="dk1">
+        <a:tint val="60000"/>
+      </a:schemeClr>
+    </dgm:fillClrLst>
+    <dgm:linClrLst meth="repeat">
+      <a:schemeClr val="dk1">
+        <a:tint val="60000"/>
+      </a:schemeClr>
+    </dgm:linClrLst>
+    <dgm:effectClrLst/>
+    <dgm:txLinClrLst/>
+    <dgm:txFillClrLst/>
+    <dgm:txEffectClrLst/>
+  </dgm:styleLbl>
+  <dgm:styleLbl name="parChTrans2D2">
+    <dgm:fillClrLst meth="repeat">
+      <a:schemeClr val="dk1"/>
+    </dgm:fillClrLst>
+    <dgm:linClrLst meth="repeat">
+      <a:schemeClr val="dk1"/>
+    </dgm:linClrLst>
+    <dgm:effectClrLst/>
+    <dgm:txLinClrLst/>
+    <dgm:txFillClrLst/>
+    <dgm:txEffectClrLst/>
+  </dgm:styleLbl>
+  <dgm:styleLbl name="parChTrans2D3">
+    <dgm:fillClrLst meth="repeat">
+      <a:schemeClr val="dk1"/>
+    </dgm:fillClrLst>
+    <dgm:linClrLst meth="repeat">
+      <a:schemeClr val="dk1"/>
+    </dgm:linClrLst>
+    <dgm:effectClrLst/>
+    <dgm:txLinClrLst/>
+    <dgm:txFillClrLst/>
+    <dgm:txEffectClrLst/>
+  </dgm:styleLbl>
+  <dgm:styleLbl name="parChTrans2D4">
+    <dgm:fillClrLst meth="repeat">
+      <a:schemeClr val="dk1"/>
+    </dgm:fillClrLst>
+    <dgm:linClrLst meth="repeat">
+      <a:schemeClr val="dk1"/>
+    </dgm:linClrLst>
+    <dgm:effectClrLst/>
+    <dgm:txLinClrLst/>
+    <dgm:txFillClrLst meth="repeat">
+      <a:schemeClr val="lt1"/>
+    </dgm:txFillClrLst>
+    <dgm:txEffectClrLst/>
+  </dgm:styleLbl>
+  <dgm:styleLbl name="parChTrans1D1">
+    <dgm:fillClrLst meth="repeat">
+      <a:schemeClr val="dk1"/>
+    </dgm:fillClrLst>
+    <dgm:linClrLst meth="repeat">
+      <a:schemeClr val="dk1">
+        <a:shade val="60000"/>
+      </a:schemeClr>
+    </dgm:linClrLst>
+    <dgm:effectClrLst/>
+    <dgm:txLinClrLst/>
+    <dgm:txFillClrLst meth="repeat">
+      <a:schemeClr val="tx1"/>
+    </dgm:txFillClrLst>
+    <dgm:txEffectClrLst/>
+  </dgm:styleLbl>
+  <dgm:styleLbl name="parChTrans1D2">
+    <dgm:fillClrLst meth="repeat">
+      <a:schemeClr val="dk1"/>
+    </dgm:fillClrLst>
+    <dgm:linClrLst meth="repeat">
+      <a:schemeClr val="dk1">
+        <a:shade val="60000"/>
+      </a:schemeClr>
+    </dgm:linClrLst>
+    <dgm:effectClrLst/>
+    <dgm:txLinClrLst/>
+    <dgm:txFillClrLst meth="repeat">
+      <a:schemeClr val="tx1"/>
+    </dgm:txFillClrLst>
+    <dgm:txEffectClrLst/>
+  </dgm:styleLbl>
+  <dgm:styleLbl name="parChTrans1D3">
+    <dgm:fillClrLst meth="repeat">
+      <a:schemeClr val="dk1"/>
+    </dgm:fillClrLst>
+    <dgm:linClrLst meth="repeat">
+      <a:schemeClr val="dk1">
+        <a:shade val="80000"/>
+      </a:schemeClr>
+    </dgm:linClrLst>
+    <dgm:effectClrLst/>
+    <dgm:txLinClrLst/>
+    <dgm:txFillClrLst meth="repeat">
+      <a:schemeClr val="tx1"/>
+    </dgm:txFillClrLst>
+    <dgm:txEffectClrLst/>
+  </dgm:styleLbl>
+  <dgm:styleLbl name="parChTrans1D4">
+    <dgm:fillClrLst meth="repeat">
+      <a:schemeClr val="dk1"/>
+    </dgm:fillClrLst>
+    <dgm:linClrLst meth="repeat">
+      <a:schemeClr val="dk1">
+        <a:shade val="80000"/>
+      </a:schemeClr>
+    </dgm:linClrLst>
+    <dgm:effectClrLst/>
+    <dgm:txLinClrLst/>
+    <dgm:txFillClrLst meth="repeat">
+      <a:schemeClr val="tx1"/>
+    </dgm:txFillClrLst>
+    <dgm:txEffectClrLst/>
+  </dgm:styleLbl>
+  <dgm:styleLbl name="fgAcc1">
+    <dgm:fillClrLst meth="repeat">
+      <a:schemeClr val="dk1">
+        <a:alpha val="90000"/>
+        <a:tint val="40000"/>
+      </a:schemeClr>
+    </dgm:fillClrLst>
+    <dgm:linClrLst meth="repeat">
+      <a:schemeClr val="dk1"/>
+    </dgm:linClrLst>
+    <dgm:effectClrLst/>
+    <dgm:txLinClrLst/>
+    <dgm:txFillClrLst meth="repeat">
+      <a:schemeClr val="dk1"/>
+    </dgm:txFillClrLst>
+    <dgm:txEffectClrLst/>
+  </dgm:styleLbl>
+  <dgm:styleLbl name="conFgAcc1">
+    <dgm:fillClrLst meth="repeat">
+      <a:schemeClr val="dk1">
+        <a:alpha val="90000"/>
+        <a:tint val="40000"/>
+      </a:schemeClr>
+    </dgm:fillClrLst>
+    <dgm:linClrLst meth="repeat">
+      <a:schemeClr val="dk1"/>
+    </dgm:linClrLst>
+    <dgm:effectClrLst/>
+    <dgm:txLinClrLst/>
+    <dgm:txFillClrLst meth="repeat">
+      <a:schemeClr val="dk1"/>
+    </dgm:txFillClrLst>
+    <dgm:txEffectClrLst/>
+  </dgm:styleLbl>
+  <dgm:styleLbl name="alignAcc1">
+    <dgm:fillClrLst meth="repeat">
+      <a:schemeClr val="dk1">
+        <a:alpha val="90000"/>
+        <a:tint val="40000"/>
+      </a:schemeClr>
+    </dgm:fillClrLst>
+    <dgm:linClrLst meth="repeat">
+      <a:schemeClr val="dk1"/>
+    </dgm:linClrLst>
+    <dgm:effectClrLst/>
+    <dgm:txLinClrLst/>
+    <dgm:txFillClrLst meth="repeat">
+      <a:schemeClr val="dk1"/>
+    </dgm:txFillClrLst>
+    <dgm:txEffectClrLst/>
+  </dgm:styleLbl>
+  <dgm:styleLbl name="trAlignAcc1">
+    <dgm:fillClrLst meth="repeat">
+      <a:schemeClr val="dk1">
+        <a:alpha val="40000"/>
+        <a:tint val="40000"/>
+      </a:schemeClr>
+    </dgm:fillClrLst>
+    <dgm:linClrLst meth="repeat">
+      <a:schemeClr val="dk1"/>
+    </dgm:linClrLst>
+    <dgm:effectClrLst/>
+    <dgm:txLinClrLst/>
+    <dgm:txFillClrLst meth="repeat">
+      <a:schemeClr val="dk1"/>
+    </dgm:txFillClrLst>
+    <dgm:txEffectClrLst/>
+  </dgm:styleLbl>
+  <dgm:styleLbl name="bgAcc1">
+    <dgm:fillClrLst meth="repeat">
+      <a:schemeClr val="dk1">
+        <a:alpha val="90000"/>
+        <a:tint val="40000"/>
+      </a:schemeClr>
+    </dgm:fillClrLst>
+    <dgm:linClrLst meth="repeat">
+      <a:schemeClr val="dk1"/>
+    </dgm:linClrLst>
+    <dgm:effectClrLst/>
+    <dgm:txLinClrLst/>
+    <dgm:txFillClrLst meth="repeat">
+      <a:schemeClr val="dk1"/>
+    </dgm:txFillClrLst>
+    <dgm:txEffectClrLst/>
+  </dgm:styleLbl>
+  <dgm:styleLbl name="solidFgAcc1">
+    <dgm:fillClrLst meth="repeat">
+      <a:schemeClr val="lt1"/>
+    </dgm:fillClrLst>
+    <dgm:linClrLst meth="repeat">
+      <a:schemeClr val="dk1"/>
+    </dgm:linClrLst>
+    <dgm:effectClrLst/>
+    <dgm:txLinClrLst/>
+    <dgm:txFillClrLst meth="repeat">
+      <a:schemeClr val="dk1"/>
+    </dgm:txFillClrLst>
+    <dgm:txEffectClrLst/>
+  </dgm:styleLbl>
+  <dgm:styleLbl name="solidAlignAcc1">
+    <dgm:fillClrLst meth="repeat">
+      <a:schemeClr val="lt1"/>
+    </dgm:fillClrLst>
+    <dgm:linClrLst meth="repeat">
+      <a:schemeClr val="dk1"/>
+    </dgm:linClrLst>
+    <dgm:effectClrLst/>
+    <dgm:txLinClrLst/>
+    <dgm:txFillClrLst meth="repeat">
+      <a:schemeClr val="dk1"/>
+    </dgm:txFillClrLst>
+    <dgm:txEffectClrLst/>
+  </dgm:styleLbl>
+  <dgm:styleLbl name="solidBgAcc1">
+    <dgm:fillClrLst meth="repeat">
+      <a:schemeClr val="lt1"/>
+    </dgm:fillClrLst>
+    <dgm:linClrLst meth="repeat">
+      <a:schemeClr val="dk1"/>
+    </dgm:linClrLst>
+    <dgm:effectClrLst/>
+    <dgm:txLinClrLst/>
+    <dgm:txFillClrLst meth="repeat">
+      <a:schemeClr val="dk1"/>
+    </dgm:txFillClrLst>
+    <dgm:txEffectClrLst/>
+  </dgm:styleLbl>
+  <dgm:styleLbl name="fgAccFollowNode1">
+    <dgm:fillClrLst meth="repeat">
+      <a:schemeClr val="lt1">
+        <a:alpha val="90000"/>
+        <a:tint val="40000"/>
+      </a:schemeClr>
+    </dgm:fillClrLst>
+    <dgm:linClrLst meth="repeat">
+      <a:schemeClr val="dk1">
+        <a:alpha val="90000"/>
+      </a:schemeClr>
+    </dgm:linClrLst>
+    <dgm:effectClrLst/>
+    <dgm:txLinClrLst/>
+    <dgm:txFillClrLst meth="repeat">
+      <a:schemeClr val="dk1"/>
+    </dgm:txFillClrLst>
+    <dgm:txEffectClrLst/>
+  </dgm:styleLbl>
+  <dgm:styleLbl name="alignAccFollowNode1">
+    <dgm:fillClrLst meth="repeat">
+      <a:schemeClr val="lt1">
+        <a:alpha val="90000"/>
+        <a:tint val="40000"/>
+      </a:schemeClr>
+    </dgm:fillClrLst>
+    <dgm:linClrLst meth="repeat">
+      <a:schemeClr val="dk1">
+        <a:alpha val="90000"/>
+      </a:schemeClr>
+    </dgm:linClrLst>
+    <dgm:effectClrLst/>
+    <dgm:txLinClrLst/>
+    <dgm:txFillClrLst meth="repeat">
+      <a:schemeClr val="dk1"/>
+    </dgm:txFillClrLst>
+    <dgm:txEffectClrLst/>
+  </dgm:styleLbl>
+  <dgm:styleLbl name="bgAccFollowNode1">
+    <dgm:fillClrLst meth="repeat">
+      <a:schemeClr val="lt1">
+        <a:alpha val="90000"/>
+        <a:tint val="40000"/>
+      </a:schemeClr>
+    </dgm:fillClrLst>
+    <dgm:linClrLst meth="repeat">
+      <a:schemeClr val="dk1">
+        <a:alpha val="90000"/>
+      </a:schemeClr>
+    </dgm:linClrLst>
+    <dgm:effectClrLst/>
+    <dgm:txLinClrLst/>
+    <dgm:txFillClrLst meth="repeat">
+      <a:schemeClr val="dk1"/>
+    </dgm:txFillClrLst>
+    <dgm:txEffectClrLst/>
+  </dgm:styleLbl>
+  <dgm:styleLbl name="fgAcc0">
+    <dgm:fillClrLst meth="repeat">
+      <a:schemeClr val="dk1">
+        <a:alpha val="90000"/>
+        <a:tint val="40000"/>
+      </a:schemeClr>
+    </dgm:fillClrLst>
+    <dgm:linClrLst meth="repeat">
+      <a:schemeClr val="dk1"/>
+    </dgm:linClrLst>
+    <dgm:effectClrLst/>
+    <dgm:txLinClrLst/>
+    <dgm:txFillClrLst meth="repeat">
+      <a:schemeClr val="dk1"/>
+    </dgm:txFillClrLst>
+    <dgm:txEffectClrLst/>
+  </dgm:styleLbl>
+  <dgm:styleLbl name="fgAcc2">
+    <dgm:fillClrLst meth="repeat">
+      <a:schemeClr val="dk1">
+        <a:alpha val="90000"/>
+        <a:tint val="40000"/>
+      </a:schemeClr>
+    </dgm:fillClrLst>
+    <dgm:linClrLst meth="repeat">
+      <a:schemeClr val="dk1"/>
+    </dgm:linClrLst>
+    <dgm:effectClrLst/>
+    <dgm:txLinClrLst/>
+    <dgm:txFillClrLst meth="repeat">
+      <a:schemeClr val="dk1"/>
+    </dgm:txFillClrLst>
+    <dgm:txEffectClrLst/>
+  </dgm:styleLbl>
+  <dgm:styleLbl name="fgAcc3">
+    <dgm:fillClrLst meth="repeat">
+      <a:schemeClr val="dk1">
+        <a:alpha val="90000"/>
+        <a:tint val="40000"/>
+      </a:schemeClr>
+    </dgm:fillClrLst>
+    <dgm:linClrLst meth="repeat">
+      <a:schemeClr val="dk1"/>
+    </dgm:linClrLst>
+    <dgm:effectClrLst/>
+    <dgm:txLinClrLst/>
+    <dgm:txFillClrLst meth="repeat">
+      <a:schemeClr val="dk1"/>
+    </dgm:txFillClrLst>
+    <dgm:txEffectClrLst/>
+  </dgm:styleLbl>
+  <dgm:styleLbl name="fgAcc4">
+    <dgm:fillClrLst meth="repeat">
+      <a:schemeClr val="dk1">
+        <a:alpha val="90000"/>
+        <a:tint val="40000"/>
+      </a:schemeClr>
+    </dgm:fillClrLst>
+    <dgm:linClrLst meth="repeat">
+      <a:schemeClr val="dk1"/>
+    </dgm:linClrLst>
+    <dgm:effectClrLst/>
+    <dgm:txLinClrLst/>
+    <dgm:txFillClrLst meth="repeat">
+      <a:schemeClr val="dk1"/>
+    </dgm:txFillClrLst>
+    <dgm:txEffectClrLst/>
+  </dgm:styleLbl>
+  <dgm:styleLbl name="bgShp">
+    <dgm:fillClrLst meth="repeat">
+      <a:schemeClr val="dk1">
+        <a:tint val="40000"/>
+      </a:schemeClr>
+    </dgm:fillClrLst>
+    <dgm:linClrLst meth="repeat">
+      <a:schemeClr val="dk1"/>
+    </dgm:linClrLst>
+    <dgm:effectClrLst/>
+    <dgm:txLinClrLst/>
+    <dgm:txFillClrLst meth="repeat">
+      <a:schemeClr val="dk1"/>
+    </dgm:txFillClrLst>
+    <dgm:txEffectClrLst/>
+  </dgm:styleLbl>
+  <dgm:styleLbl name="dkBgShp">
+    <dgm:fillClrLst meth="repeat">
+      <a:schemeClr val="dk1">
+        <a:shade val="80000"/>
+      </a:schemeClr>
+    </dgm:fillClrLst>
+    <dgm:linClrLst meth="repeat">
+      <a:schemeClr val="dk1"/>
+    </dgm:linClrLst>
+    <dgm:effectClrLst/>
+    <dgm:txLinClrLst/>
+    <dgm:txFillClrLst meth="repeat">
+      <a:schemeClr val="lt1"/>
+    </dgm:txFillClrLst>
+    <dgm:txEffectClrLst/>
+  </dgm:styleLbl>
+  <dgm:styleLbl name="trBgShp">
+    <dgm:fillClrLst meth="repeat">
+      <a:schemeClr val="dk1">
+        <a:tint val="50000"/>
+        <a:alpha val="40000"/>
+      </a:schemeClr>
+    </dgm:fillClrLst>
+    <dgm:linClrLst meth="repeat">
+      <a:schemeClr val="dk1"/>
+    </dgm:linClrLst>
+    <dgm:effectClrLst/>
+    <dgm:txLinClrLst/>
+    <dgm:txFillClrLst meth="repeat">
+      <a:schemeClr val="lt1"/>
+    </dgm:txFillClrLst>
+    <dgm:txEffectClrLst/>
+  </dgm:styleLbl>
+  <dgm:styleLbl name="fgShp">
+    <dgm:fillClrLst meth="repeat">
+      <a:schemeClr val="dk1">
+        <a:tint val="60000"/>
+      </a:schemeClr>
+    </dgm:fillClrLst>
+    <dgm:linClrLst meth="repeat">
+      <a:schemeClr val="lt1"/>
+    </dgm:linClrLst>
+    <dgm:effectClrLst/>
+    <dgm:txLinClrLst/>
+    <dgm:txFillClrLst meth="repeat">
+      <a:schemeClr val="dk1"/>
+    </dgm:txFillClrLst>
+    <dgm:txEffectClrLst/>
+  </dgm:styleLbl>
+  <dgm:styleLbl name="revTx">
+    <dgm:fillClrLst meth="repeat">
+      <a:schemeClr val="lt1">
+        <a:alpha val="0"/>
+      </a:schemeClr>
+    </dgm:fillClrLst>
+    <dgm:linClrLst meth="repeat">
+      <a:schemeClr val="dk1">
+        <a:alpha val="0"/>
+      </a:schemeClr>
+    </dgm:linClrLst>
+    <dgm:effectClrLst/>
+    <dgm:txLinClrLst/>
+    <dgm:txFillClrLst meth="repeat">
+      <a:schemeClr val="tx1"/>
+    </dgm:txFillClrLst>
+    <dgm:txEffectClrLst/>
+  </dgm:styleLbl>
+</dgm:colorsDef>
+</file>
+
+<file path=ppt/diagrams/data1.xml><?xml version="1.0" encoding="utf-8"?>
+<dgm:dataModel xmlns:dgm="http://schemas.openxmlformats.org/drawingml/2006/diagram" xmlns:a="http://schemas.openxmlformats.org/drawingml/2006/main">
+  <dgm:ptLst>
+    <dgm:pt modelId="{3DE7F3AC-E1F2-4337-A4A8-A85D9AB0BA19}" type="doc">
+      <dgm:prSet loTypeId="urn:microsoft.com/office/officeart/2005/8/layout/process5" loCatId="process" qsTypeId="urn:microsoft.com/office/officeart/2005/8/quickstyle/simple1" qsCatId="simple" csTypeId="urn:microsoft.com/office/officeart/2005/8/colors/accent0_1" csCatId="mainScheme" phldr="1"/>
+      <dgm:spPr/>
+    </dgm:pt>
+    <dgm:pt modelId="{6723C835-989A-4169-B2AF-983A12365066}">
+      <dgm:prSet phldrT="[Text]"/>
+      <dgm:spPr/>
+      <dgm:t>
+        <a:bodyPr/>
+        <a:lstStyle/>
+        <a:p>
+          <a:r>
+            <a:rPr lang="es-VE" dirty="0"/>
+            <a:t>Conoce a tu audiencia</a:t>
+          </a:r>
+          <a:endParaRPr lang="en-US" dirty="0"/>
+        </a:p>
+      </dgm:t>
+    </dgm:pt>
+    <dgm:pt modelId="{0E2D1173-4119-48AC-97B8-94238861A807}" type="parTrans" cxnId="{B1F66493-8870-49BB-8514-E7FD182E3AE0}">
+      <dgm:prSet/>
+      <dgm:spPr/>
+      <dgm:t>
+        <a:bodyPr/>
+        <a:lstStyle/>
+        <a:p>
+          <a:endParaRPr lang="en-US"/>
+        </a:p>
+      </dgm:t>
+    </dgm:pt>
+    <dgm:pt modelId="{9248BC39-0A31-405F-BC34-7137D6D4B28E}" type="sibTrans" cxnId="{B1F66493-8870-49BB-8514-E7FD182E3AE0}">
+      <dgm:prSet/>
+      <dgm:spPr/>
+      <dgm:t>
+        <a:bodyPr/>
+        <a:lstStyle/>
+        <a:p>
+          <a:endParaRPr lang="en-US"/>
+        </a:p>
+      </dgm:t>
+    </dgm:pt>
+    <dgm:pt modelId="{43F76907-EEA6-435E-A6B1-4846639C3E71}">
+      <dgm:prSet phldrT="[Text]"/>
+      <dgm:spPr/>
+      <dgm:t>
+        <a:bodyPr/>
+        <a:lstStyle/>
+        <a:p>
+          <a:r>
+            <a:rPr lang="es-VE" dirty="0"/>
+            <a:t>Conecta a tu audiencia con tu tema</a:t>
+          </a:r>
+          <a:endParaRPr lang="en-US" dirty="0"/>
+        </a:p>
+      </dgm:t>
+    </dgm:pt>
+    <dgm:pt modelId="{85AAFF9F-D37C-43E7-B34E-D386DB753146}" type="parTrans" cxnId="{D02D6A8A-77B1-4668-BCB7-60023EE7871F}">
+      <dgm:prSet/>
+      <dgm:spPr/>
+      <dgm:t>
+        <a:bodyPr/>
+        <a:lstStyle/>
+        <a:p>
+          <a:endParaRPr lang="en-US"/>
+        </a:p>
+      </dgm:t>
+    </dgm:pt>
+    <dgm:pt modelId="{DFB3120C-5C75-4FF2-9FD5-58B33CA76B8C}" type="sibTrans" cxnId="{D02D6A8A-77B1-4668-BCB7-60023EE7871F}">
+      <dgm:prSet/>
+      <dgm:spPr/>
+      <dgm:t>
+        <a:bodyPr/>
+        <a:lstStyle/>
+        <a:p>
+          <a:endParaRPr lang="en-US"/>
+        </a:p>
+      </dgm:t>
+    </dgm:pt>
+    <dgm:pt modelId="{2764C7D6-5A1B-46CD-8C39-63FC2281DC0E}">
+      <dgm:prSet phldrT="[Text]"/>
+      <dgm:spPr/>
+      <dgm:t>
+        <a:bodyPr/>
+        <a:lstStyle/>
+        <a:p>
+          <a:r>
+            <a:rPr lang="es-VE" dirty="0"/>
+            <a:t>Escoge tus palabras claves</a:t>
+          </a:r>
+          <a:endParaRPr lang="en-US" dirty="0"/>
+        </a:p>
+      </dgm:t>
+    </dgm:pt>
+    <dgm:pt modelId="{A08574AC-230F-4DAE-A9D0-D3F4A43CD449}" type="parTrans" cxnId="{9FF1AFA6-7CD6-4AD6-ADE8-4EC3F19A6658}">
+      <dgm:prSet/>
+      <dgm:spPr/>
+      <dgm:t>
+        <a:bodyPr/>
+        <a:lstStyle/>
+        <a:p>
+          <a:endParaRPr lang="en-US"/>
+        </a:p>
+      </dgm:t>
+    </dgm:pt>
+    <dgm:pt modelId="{E945A2C8-3581-40B5-A32B-1DA7D99FCA5A}" type="sibTrans" cxnId="{9FF1AFA6-7CD6-4AD6-ADE8-4EC3F19A6658}">
+      <dgm:prSet/>
+      <dgm:spPr/>
+      <dgm:t>
+        <a:bodyPr/>
+        <a:lstStyle/>
+        <a:p>
+          <a:endParaRPr lang="en-US"/>
+        </a:p>
+      </dgm:t>
+    </dgm:pt>
+    <dgm:pt modelId="{AFE52429-597E-415A-8E84-C9EAF646E8AC}">
+      <dgm:prSet phldrT="[Text]"/>
+      <dgm:spPr/>
+      <dgm:t>
+        <a:bodyPr/>
+        <a:lstStyle/>
+        <a:p>
+          <a:r>
+            <a:rPr lang="es-VE" dirty="0"/>
+            <a:t>Escoge las visualizaciones que te acompañen</a:t>
+          </a:r>
+          <a:endParaRPr lang="en-US" dirty="0"/>
+        </a:p>
+      </dgm:t>
+    </dgm:pt>
+    <dgm:pt modelId="{2C318CCD-9C31-4594-BD74-814875DA01D0}" type="parTrans" cxnId="{9E9D3F1C-7337-41A5-82D3-00E04B907DC0}">
+      <dgm:prSet/>
+      <dgm:spPr/>
+      <dgm:t>
+        <a:bodyPr/>
+        <a:lstStyle/>
+        <a:p>
+          <a:endParaRPr lang="en-US"/>
+        </a:p>
+      </dgm:t>
+    </dgm:pt>
+    <dgm:pt modelId="{F3DD0EC4-C90C-47D0-BFED-D982C4F7FE7B}" type="sibTrans" cxnId="{9E9D3F1C-7337-41A5-82D3-00E04B907DC0}">
+      <dgm:prSet/>
+      <dgm:spPr/>
+      <dgm:t>
+        <a:bodyPr/>
+        <a:lstStyle/>
+        <a:p>
+          <a:endParaRPr lang="en-US"/>
+        </a:p>
+      </dgm:t>
+    </dgm:pt>
+    <dgm:pt modelId="{56FD37AD-C4E4-4142-BC16-B9827DED3736}">
+      <dgm:prSet phldrT="[Text]"/>
+      <dgm:spPr/>
+      <dgm:t>
+        <a:bodyPr/>
+        <a:lstStyle/>
+        <a:p>
+          <a:r>
+            <a:rPr lang="es-VE" dirty="0"/>
+            <a:t>Practica el “Flow” en voz alta </a:t>
+          </a:r>
+        </a:p>
+        <a:p>
+          <a:r>
+            <a:rPr lang="es-VE" u="sng" dirty="0"/>
+            <a:t>VARIAS VECES</a:t>
+          </a:r>
+          <a:endParaRPr lang="en-US" u="sng" dirty="0"/>
+        </a:p>
+      </dgm:t>
+    </dgm:pt>
+    <dgm:pt modelId="{E55E09FF-2D7F-4C7A-9416-6D409857BCE1}" type="parTrans" cxnId="{EC5C4BF4-84C9-4B7F-8926-2B468C7790BF}">
+      <dgm:prSet/>
+      <dgm:spPr/>
+      <dgm:t>
+        <a:bodyPr/>
+        <a:lstStyle/>
+        <a:p>
+          <a:endParaRPr lang="en-US"/>
+        </a:p>
+      </dgm:t>
+    </dgm:pt>
+    <dgm:pt modelId="{84877F78-AEF4-4EE4-A336-445D3554B248}" type="sibTrans" cxnId="{EC5C4BF4-84C9-4B7F-8926-2B468C7790BF}">
+      <dgm:prSet/>
+      <dgm:spPr/>
+      <dgm:t>
+        <a:bodyPr/>
+        <a:lstStyle/>
+        <a:p>
+          <a:endParaRPr lang="en-US"/>
+        </a:p>
+      </dgm:t>
+    </dgm:pt>
+    <dgm:pt modelId="{62F9C787-88C2-43C8-90B4-66DF2FE9EF65}">
+      <dgm:prSet phldrT="[Text]"/>
+      <dgm:spPr/>
+      <dgm:t>
+        <a:bodyPr/>
+        <a:lstStyle/>
+        <a:p>
+          <a:r>
+            <a:rPr lang="es-VE" dirty="0"/>
+            <a:t>Escribe tu historia en un papel</a:t>
+          </a:r>
+          <a:endParaRPr lang="en-US" dirty="0"/>
+        </a:p>
+      </dgm:t>
+    </dgm:pt>
+    <dgm:pt modelId="{B35B0810-C812-4ABB-B30D-CC08BE87AFFB}" type="parTrans" cxnId="{22698B08-722B-4BDB-B2A2-14779B454C2A}">
+      <dgm:prSet/>
+      <dgm:spPr/>
+      <dgm:t>
+        <a:bodyPr/>
+        <a:lstStyle/>
+        <a:p>
+          <a:endParaRPr lang="en-US"/>
+        </a:p>
+      </dgm:t>
+    </dgm:pt>
+    <dgm:pt modelId="{C9BBB7D3-70B2-4591-A7E4-074500C4FC84}" type="sibTrans" cxnId="{22698B08-722B-4BDB-B2A2-14779B454C2A}">
+      <dgm:prSet/>
+      <dgm:spPr/>
+      <dgm:t>
+        <a:bodyPr/>
+        <a:lstStyle/>
+        <a:p>
+          <a:endParaRPr lang="en-US"/>
+        </a:p>
+      </dgm:t>
+    </dgm:pt>
+    <dgm:pt modelId="{6FAC4709-024A-46D0-9086-D00461DA65F5}">
+      <dgm:prSet phldrT="[Text]"/>
+      <dgm:spPr/>
+      <dgm:t>
+        <a:bodyPr/>
+        <a:lstStyle/>
+        <a:p>
+          <a:r>
+            <a:rPr lang="es-VE" dirty="0"/>
+            <a:t>Escoge tu enfoque</a:t>
+          </a:r>
+          <a:endParaRPr lang="en-US" dirty="0"/>
+        </a:p>
+      </dgm:t>
+    </dgm:pt>
+    <dgm:pt modelId="{CE942266-B9A2-4F4D-A92D-EA349D09FD99}" type="parTrans" cxnId="{808929A3-A395-4F9F-8CF1-188CA75E746C}">
+      <dgm:prSet/>
+      <dgm:spPr/>
+      <dgm:t>
+        <a:bodyPr/>
+        <a:lstStyle/>
+        <a:p>
+          <a:endParaRPr lang="en-US"/>
+        </a:p>
+      </dgm:t>
+    </dgm:pt>
+    <dgm:pt modelId="{9900A2FE-2127-4977-9088-5610697306A7}" type="sibTrans" cxnId="{808929A3-A395-4F9F-8CF1-188CA75E746C}">
+      <dgm:prSet/>
+      <dgm:spPr/>
+      <dgm:t>
+        <a:bodyPr/>
+        <a:lstStyle/>
+        <a:p>
+          <a:endParaRPr lang="en-US"/>
+        </a:p>
+      </dgm:t>
+    </dgm:pt>
+    <dgm:pt modelId="{7D3F273F-CFD0-40C8-9F8E-121285BEE6B1}" type="pres">
+      <dgm:prSet presAssocID="{3DE7F3AC-E1F2-4337-A4A8-A85D9AB0BA19}" presName="diagram" presStyleCnt="0">
+        <dgm:presLayoutVars>
+          <dgm:dir/>
+          <dgm:resizeHandles val="exact"/>
+        </dgm:presLayoutVars>
+      </dgm:prSet>
+      <dgm:spPr/>
+    </dgm:pt>
+    <dgm:pt modelId="{F1F37D3D-ED54-44E6-98E1-057D006EC7A1}" type="pres">
+      <dgm:prSet presAssocID="{6723C835-989A-4169-B2AF-983A12365066}" presName="node" presStyleLbl="node1" presStyleIdx="0" presStyleCnt="7">
+        <dgm:presLayoutVars>
+          <dgm:bulletEnabled val="1"/>
+        </dgm:presLayoutVars>
+      </dgm:prSet>
+      <dgm:spPr/>
+    </dgm:pt>
+    <dgm:pt modelId="{0B5FF350-8FC9-4C56-A505-F1B8C571B954}" type="pres">
+      <dgm:prSet presAssocID="{9248BC39-0A31-405F-BC34-7137D6D4B28E}" presName="sibTrans" presStyleLbl="sibTrans2D1" presStyleIdx="0" presStyleCnt="6"/>
+      <dgm:spPr/>
+    </dgm:pt>
+    <dgm:pt modelId="{96FE47FB-5E56-4C33-8A5D-C1D6A0DEEF3D}" type="pres">
+      <dgm:prSet presAssocID="{9248BC39-0A31-405F-BC34-7137D6D4B28E}" presName="connectorText" presStyleLbl="sibTrans2D1" presStyleIdx="0" presStyleCnt="6"/>
+      <dgm:spPr/>
+    </dgm:pt>
+    <dgm:pt modelId="{B7EC3347-6323-4DA5-946E-8ED3B3617BA0}" type="pres">
+      <dgm:prSet presAssocID="{43F76907-EEA6-435E-A6B1-4846639C3E71}" presName="node" presStyleLbl="node1" presStyleIdx="1" presStyleCnt="7">
+        <dgm:presLayoutVars>
+          <dgm:bulletEnabled val="1"/>
+        </dgm:presLayoutVars>
+      </dgm:prSet>
+      <dgm:spPr/>
+    </dgm:pt>
+    <dgm:pt modelId="{32B624A2-50D0-40D5-9F36-9555BF90BBEB}" type="pres">
+      <dgm:prSet presAssocID="{DFB3120C-5C75-4FF2-9FD5-58B33CA76B8C}" presName="sibTrans" presStyleLbl="sibTrans2D1" presStyleIdx="1" presStyleCnt="6"/>
+      <dgm:spPr/>
+    </dgm:pt>
+    <dgm:pt modelId="{8E762E71-0A64-485F-AF8D-0B4425F4CE2B}" type="pres">
+      <dgm:prSet presAssocID="{DFB3120C-5C75-4FF2-9FD5-58B33CA76B8C}" presName="connectorText" presStyleLbl="sibTrans2D1" presStyleIdx="1" presStyleCnt="6"/>
+      <dgm:spPr/>
+    </dgm:pt>
+    <dgm:pt modelId="{90A3DBFC-BC09-46BE-8EEB-8E65DC203ECB}" type="pres">
+      <dgm:prSet presAssocID="{6FAC4709-024A-46D0-9086-D00461DA65F5}" presName="node" presStyleLbl="node1" presStyleIdx="2" presStyleCnt="7">
+        <dgm:presLayoutVars>
+          <dgm:bulletEnabled val="1"/>
+        </dgm:presLayoutVars>
+      </dgm:prSet>
+      <dgm:spPr/>
+    </dgm:pt>
+    <dgm:pt modelId="{481AF2D1-4231-4906-8C3A-82E1E8F87939}" type="pres">
+      <dgm:prSet presAssocID="{9900A2FE-2127-4977-9088-5610697306A7}" presName="sibTrans" presStyleLbl="sibTrans2D1" presStyleIdx="2" presStyleCnt="6"/>
+      <dgm:spPr/>
+    </dgm:pt>
+    <dgm:pt modelId="{AB27B6FF-198E-48B5-BD94-088B7357EA66}" type="pres">
+      <dgm:prSet presAssocID="{9900A2FE-2127-4977-9088-5610697306A7}" presName="connectorText" presStyleLbl="sibTrans2D1" presStyleIdx="2" presStyleCnt="6"/>
+      <dgm:spPr/>
+    </dgm:pt>
+    <dgm:pt modelId="{DB049CF9-CC06-42CA-A4FD-1875CE7D231B}" type="pres">
+      <dgm:prSet presAssocID="{2764C7D6-5A1B-46CD-8C39-63FC2281DC0E}" presName="node" presStyleLbl="node1" presStyleIdx="3" presStyleCnt="7">
+        <dgm:presLayoutVars>
+          <dgm:bulletEnabled val="1"/>
+        </dgm:presLayoutVars>
+      </dgm:prSet>
+      <dgm:spPr/>
+    </dgm:pt>
+    <dgm:pt modelId="{4FAB94F4-671A-429A-A467-912B3E65C9D7}" type="pres">
+      <dgm:prSet presAssocID="{E945A2C8-3581-40B5-A32B-1DA7D99FCA5A}" presName="sibTrans" presStyleLbl="sibTrans2D1" presStyleIdx="3" presStyleCnt="6"/>
+      <dgm:spPr/>
+    </dgm:pt>
+    <dgm:pt modelId="{87B397E2-E240-4A24-8AA3-37D029BDBDFC}" type="pres">
+      <dgm:prSet presAssocID="{E945A2C8-3581-40B5-A32B-1DA7D99FCA5A}" presName="connectorText" presStyleLbl="sibTrans2D1" presStyleIdx="3" presStyleCnt="6"/>
+      <dgm:spPr/>
+    </dgm:pt>
+    <dgm:pt modelId="{446109A7-AECD-4727-8539-3AFD4FD94D6E}" type="pres">
+      <dgm:prSet presAssocID="{AFE52429-597E-415A-8E84-C9EAF646E8AC}" presName="node" presStyleLbl="node1" presStyleIdx="4" presStyleCnt="7">
+        <dgm:presLayoutVars>
+          <dgm:bulletEnabled val="1"/>
+        </dgm:presLayoutVars>
+      </dgm:prSet>
+      <dgm:spPr/>
+    </dgm:pt>
+    <dgm:pt modelId="{7F0FB339-0551-4348-B8F7-52338F02BC28}" type="pres">
+      <dgm:prSet presAssocID="{F3DD0EC4-C90C-47D0-BFED-D982C4F7FE7B}" presName="sibTrans" presStyleLbl="sibTrans2D1" presStyleIdx="4" presStyleCnt="6"/>
+      <dgm:spPr/>
+    </dgm:pt>
+    <dgm:pt modelId="{FD3FCC72-A570-4B19-8894-8030D72A1EA2}" type="pres">
+      <dgm:prSet presAssocID="{F3DD0EC4-C90C-47D0-BFED-D982C4F7FE7B}" presName="connectorText" presStyleLbl="sibTrans2D1" presStyleIdx="4" presStyleCnt="6"/>
+      <dgm:spPr/>
+    </dgm:pt>
+    <dgm:pt modelId="{07DF76B6-D9AE-4443-B398-27B97BFD4F87}" type="pres">
+      <dgm:prSet presAssocID="{62F9C787-88C2-43C8-90B4-66DF2FE9EF65}" presName="node" presStyleLbl="node1" presStyleIdx="5" presStyleCnt="7">
+        <dgm:presLayoutVars>
+          <dgm:bulletEnabled val="1"/>
+        </dgm:presLayoutVars>
+      </dgm:prSet>
+      <dgm:spPr/>
+    </dgm:pt>
+    <dgm:pt modelId="{AFCE39E6-AD67-441A-B227-F2D05CEE2962}" type="pres">
+      <dgm:prSet presAssocID="{C9BBB7D3-70B2-4591-A7E4-074500C4FC84}" presName="sibTrans" presStyleLbl="sibTrans2D1" presStyleIdx="5" presStyleCnt="6"/>
+      <dgm:spPr/>
+    </dgm:pt>
+    <dgm:pt modelId="{ACEA6BFB-DCE8-478E-A577-D333A9C219A2}" type="pres">
+      <dgm:prSet presAssocID="{C9BBB7D3-70B2-4591-A7E4-074500C4FC84}" presName="connectorText" presStyleLbl="sibTrans2D1" presStyleIdx="5" presStyleCnt="6"/>
+      <dgm:spPr/>
+    </dgm:pt>
+    <dgm:pt modelId="{6A44A34B-E8A8-47DE-9D41-325F584F17F0}" type="pres">
+      <dgm:prSet presAssocID="{56FD37AD-C4E4-4142-BC16-B9827DED3736}" presName="node" presStyleLbl="node1" presStyleIdx="6" presStyleCnt="7">
+        <dgm:presLayoutVars>
+          <dgm:bulletEnabled val="1"/>
+        </dgm:presLayoutVars>
+      </dgm:prSet>
+      <dgm:spPr/>
+    </dgm:pt>
+  </dgm:ptLst>
+  <dgm:cxnLst>
+    <dgm:cxn modelId="{3016B400-BFA2-43A2-A13B-A616D3DDBE3D}" type="presOf" srcId="{F3DD0EC4-C90C-47D0-BFED-D982C4F7FE7B}" destId="{FD3FCC72-A570-4B19-8894-8030D72A1EA2}" srcOrd="1" destOrd="0" presId="urn:microsoft.com/office/officeart/2005/8/layout/process5"/>
+    <dgm:cxn modelId="{22698B08-722B-4BDB-B2A2-14779B454C2A}" srcId="{3DE7F3AC-E1F2-4337-A4A8-A85D9AB0BA19}" destId="{62F9C787-88C2-43C8-90B4-66DF2FE9EF65}" srcOrd="5" destOrd="0" parTransId="{B35B0810-C812-4ABB-B30D-CC08BE87AFFB}" sibTransId="{C9BBB7D3-70B2-4591-A7E4-074500C4FC84}"/>
+    <dgm:cxn modelId="{2CFEEE15-B45B-4AD1-A6AA-23122B9C101B}" type="presOf" srcId="{DFB3120C-5C75-4FF2-9FD5-58B33CA76B8C}" destId="{8E762E71-0A64-485F-AF8D-0B4425F4CE2B}" srcOrd="1" destOrd="0" presId="urn:microsoft.com/office/officeart/2005/8/layout/process5"/>
+    <dgm:cxn modelId="{C38C8419-9B8C-4A43-9635-A7F6AD4480F2}" type="presOf" srcId="{9248BC39-0A31-405F-BC34-7137D6D4B28E}" destId="{0B5FF350-8FC9-4C56-A505-F1B8C571B954}" srcOrd="0" destOrd="0" presId="urn:microsoft.com/office/officeart/2005/8/layout/process5"/>
+    <dgm:cxn modelId="{9E9D3F1C-7337-41A5-82D3-00E04B907DC0}" srcId="{3DE7F3AC-E1F2-4337-A4A8-A85D9AB0BA19}" destId="{AFE52429-597E-415A-8E84-C9EAF646E8AC}" srcOrd="4" destOrd="0" parTransId="{2C318CCD-9C31-4594-BD74-814875DA01D0}" sibTransId="{F3DD0EC4-C90C-47D0-BFED-D982C4F7FE7B}"/>
+    <dgm:cxn modelId="{EEC73A1D-2C67-4B2B-A3B4-ECA5CE42ADC7}" type="presOf" srcId="{E945A2C8-3581-40B5-A32B-1DA7D99FCA5A}" destId="{4FAB94F4-671A-429A-A467-912B3E65C9D7}" srcOrd="0" destOrd="0" presId="urn:microsoft.com/office/officeart/2005/8/layout/process5"/>
+    <dgm:cxn modelId="{CBCA6320-2F20-4C05-83EA-DA6EC56DE38E}" type="presOf" srcId="{E945A2C8-3581-40B5-A32B-1DA7D99FCA5A}" destId="{87B397E2-E240-4A24-8AA3-37D029BDBDFC}" srcOrd="1" destOrd="0" presId="urn:microsoft.com/office/officeart/2005/8/layout/process5"/>
+    <dgm:cxn modelId="{32E55A25-B6FE-4DDE-A2C1-593DD951452F}" type="presOf" srcId="{9900A2FE-2127-4977-9088-5610697306A7}" destId="{481AF2D1-4231-4906-8C3A-82E1E8F87939}" srcOrd="0" destOrd="0" presId="urn:microsoft.com/office/officeart/2005/8/layout/process5"/>
+    <dgm:cxn modelId="{E7A45C35-2F89-4732-8286-0AF69B989146}" type="presOf" srcId="{9900A2FE-2127-4977-9088-5610697306A7}" destId="{AB27B6FF-198E-48B5-BD94-088B7357EA66}" srcOrd="1" destOrd="0" presId="urn:microsoft.com/office/officeart/2005/8/layout/process5"/>
+    <dgm:cxn modelId="{E3E6CC60-F614-4BA1-A975-EEB150DC3799}" type="presOf" srcId="{6FAC4709-024A-46D0-9086-D00461DA65F5}" destId="{90A3DBFC-BC09-46BE-8EEB-8E65DC203ECB}" srcOrd="0" destOrd="0" presId="urn:microsoft.com/office/officeart/2005/8/layout/process5"/>
+    <dgm:cxn modelId="{3D1EA966-67B4-4EB0-9A0B-020B506954F2}" type="presOf" srcId="{9248BC39-0A31-405F-BC34-7137D6D4B28E}" destId="{96FE47FB-5E56-4C33-8A5D-C1D6A0DEEF3D}" srcOrd="1" destOrd="0" presId="urn:microsoft.com/office/officeart/2005/8/layout/process5"/>
+    <dgm:cxn modelId="{F7F4394B-D3EC-45E8-BDBB-49EC3EC79AEB}" type="presOf" srcId="{3DE7F3AC-E1F2-4337-A4A8-A85D9AB0BA19}" destId="{7D3F273F-CFD0-40C8-9F8E-121285BEE6B1}" srcOrd="0" destOrd="0" presId="urn:microsoft.com/office/officeart/2005/8/layout/process5"/>
+    <dgm:cxn modelId="{5107694D-5ACB-47E1-8F87-721F9619D839}" type="presOf" srcId="{C9BBB7D3-70B2-4591-A7E4-074500C4FC84}" destId="{ACEA6BFB-DCE8-478E-A577-D333A9C219A2}" srcOrd="1" destOrd="0" presId="urn:microsoft.com/office/officeart/2005/8/layout/process5"/>
+    <dgm:cxn modelId="{AFF96A6D-6624-401C-8579-0C847D839FF0}" type="presOf" srcId="{C9BBB7D3-70B2-4591-A7E4-074500C4FC84}" destId="{AFCE39E6-AD67-441A-B227-F2D05CEE2962}" srcOrd="0" destOrd="0" presId="urn:microsoft.com/office/officeart/2005/8/layout/process5"/>
+    <dgm:cxn modelId="{CD875450-3B71-404C-AD94-952BF5A4AE28}" type="presOf" srcId="{F3DD0EC4-C90C-47D0-BFED-D982C4F7FE7B}" destId="{7F0FB339-0551-4348-B8F7-52338F02BC28}" srcOrd="0" destOrd="0" presId="urn:microsoft.com/office/officeart/2005/8/layout/process5"/>
+    <dgm:cxn modelId="{9B56D352-433C-4972-AD01-77B39DF14D90}" type="presOf" srcId="{AFE52429-597E-415A-8E84-C9EAF646E8AC}" destId="{446109A7-AECD-4727-8539-3AFD4FD94D6E}" srcOrd="0" destOrd="0" presId="urn:microsoft.com/office/officeart/2005/8/layout/process5"/>
+    <dgm:cxn modelId="{FC466484-818A-4DE6-99FC-182B69A9FCE9}" type="presOf" srcId="{6723C835-989A-4169-B2AF-983A12365066}" destId="{F1F37D3D-ED54-44E6-98E1-057D006EC7A1}" srcOrd="0" destOrd="0" presId="urn:microsoft.com/office/officeart/2005/8/layout/process5"/>
+    <dgm:cxn modelId="{D02D6A8A-77B1-4668-BCB7-60023EE7871F}" srcId="{3DE7F3AC-E1F2-4337-A4A8-A85D9AB0BA19}" destId="{43F76907-EEA6-435E-A6B1-4846639C3E71}" srcOrd="1" destOrd="0" parTransId="{85AAFF9F-D37C-43E7-B34E-D386DB753146}" sibTransId="{DFB3120C-5C75-4FF2-9FD5-58B33CA76B8C}"/>
+    <dgm:cxn modelId="{B1F66493-8870-49BB-8514-E7FD182E3AE0}" srcId="{3DE7F3AC-E1F2-4337-A4A8-A85D9AB0BA19}" destId="{6723C835-989A-4169-B2AF-983A12365066}" srcOrd="0" destOrd="0" parTransId="{0E2D1173-4119-48AC-97B8-94238861A807}" sibTransId="{9248BC39-0A31-405F-BC34-7137D6D4B28E}"/>
+    <dgm:cxn modelId="{424A8395-146A-41B0-9A4C-89878E349470}" type="presOf" srcId="{43F76907-EEA6-435E-A6B1-4846639C3E71}" destId="{B7EC3347-6323-4DA5-946E-8ED3B3617BA0}" srcOrd="0" destOrd="0" presId="urn:microsoft.com/office/officeart/2005/8/layout/process5"/>
+    <dgm:cxn modelId="{808929A3-A395-4F9F-8CF1-188CA75E746C}" srcId="{3DE7F3AC-E1F2-4337-A4A8-A85D9AB0BA19}" destId="{6FAC4709-024A-46D0-9086-D00461DA65F5}" srcOrd="2" destOrd="0" parTransId="{CE942266-B9A2-4F4D-A92D-EA349D09FD99}" sibTransId="{9900A2FE-2127-4977-9088-5610697306A7}"/>
+    <dgm:cxn modelId="{9FF1AFA6-7CD6-4AD6-ADE8-4EC3F19A6658}" srcId="{3DE7F3AC-E1F2-4337-A4A8-A85D9AB0BA19}" destId="{2764C7D6-5A1B-46CD-8C39-63FC2281DC0E}" srcOrd="3" destOrd="0" parTransId="{A08574AC-230F-4DAE-A9D0-D3F4A43CD449}" sibTransId="{E945A2C8-3581-40B5-A32B-1DA7D99FCA5A}"/>
+    <dgm:cxn modelId="{A3E022CC-0B74-4A0E-8D06-2D0E301A4B72}" type="presOf" srcId="{2764C7D6-5A1B-46CD-8C39-63FC2281DC0E}" destId="{DB049CF9-CC06-42CA-A4FD-1875CE7D231B}" srcOrd="0" destOrd="0" presId="urn:microsoft.com/office/officeart/2005/8/layout/process5"/>
+    <dgm:cxn modelId="{AEBF0FD7-B806-4923-820D-BF6494D650EC}" type="presOf" srcId="{62F9C787-88C2-43C8-90B4-66DF2FE9EF65}" destId="{07DF76B6-D9AE-4443-B398-27B97BFD4F87}" srcOrd="0" destOrd="0" presId="urn:microsoft.com/office/officeart/2005/8/layout/process5"/>
+    <dgm:cxn modelId="{83419BE8-99CD-4E0A-AAFF-AF1AFE851FF8}" type="presOf" srcId="{56FD37AD-C4E4-4142-BC16-B9827DED3736}" destId="{6A44A34B-E8A8-47DE-9D41-325F584F17F0}" srcOrd="0" destOrd="0" presId="urn:microsoft.com/office/officeart/2005/8/layout/process5"/>
+    <dgm:cxn modelId="{A1C6BAEF-43C7-4C35-B708-9BACF99F3F02}" type="presOf" srcId="{DFB3120C-5C75-4FF2-9FD5-58B33CA76B8C}" destId="{32B624A2-50D0-40D5-9F36-9555BF90BBEB}" srcOrd="0" destOrd="0" presId="urn:microsoft.com/office/officeart/2005/8/layout/process5"/>
+    <dgm:cxn modelId="{EC5C4BF4-84C9-4B7F-8926-2B468C7790BF}" srcId="{3DE7F3AC-E1F2-4337-A4A8-A85D9AB0BA19}" destId="{56FD37AD-C4E4-4142-BC16-B9827DED3736}" srcOrd="6" destOrd="0" parTransId="{E55E09FF-2D7F-4C7A-9416-6D409857BCE1}" sibTransId="{84877F78-AEF4-4EE4-A336-445D3554B248}"/>
+    <dgm:cxn modelId="{F4268656-74E2-40B5-BE0C-879F9F14E708}" type="presParOf" srcId="{7D3F273F-CFD0-40C8-9F8E-121285BEE6B1}" destId="{F1F37D3D-ED54-44E6-98E1-057D006EC7A1}" srcOrd="0" destOrd="0" presId="urn:microsoft.com/office/officeart/2005/8/layout/process5"/>
+    <dgm:cxn modelId="{1D87DD23-B53D-48DF-BCF2-CDCD374B5FB5}" type="presParOf" srcId="{7D3F273F-CFD0-40C8-9F8E-121285BEE6B1}" destId="{0B5FF350-8FC9-4C56-A505-F1B8C571B954}" srcOrd="1" destOrd="0" presId="urn:microsoft.com/office/officeart/2005/8/layout/process5"/>
+    <dgm:cxn modelId="{999C0E3E-8E01-4133-8BEF-0BAE7BFD4FE2}" type="presParOf" srcId="{0B5FF350-8FC9-4C56-A505-F1B8C571B954}" destId="{96FE47FB-5E56-4C33-8A5D-C1D6A0DEEF3D}" srcOrd="0" destOrd="0" presId="urn:microsoft.com/office/officeart/2005/8/layout/process5"/>
+    <dgm:cxn modelId="{13188559-B892-40C3-8CBD-98020443A85C}" type="presParOf" srcId="{7D3F273F-CFD0-40C8-9F8E-121285BEE6B1}" destId="{B7EC3347-6323-4DA5-946E-8ED3B3617BA0}" srcOrd="2" destOrd="0" presId="urn:microsoft.com/office/officeart/2005/8/layout/process5"/>
+    <dgm:cxn modelId="{CA2B3959-3203-4C4F-B58F-1E069EF8FDB2}" type="presParOf" srcId="{7D3F273F-CFD0-40C8-9F8E-121285BEE6B1}" destId="{32B624A2-50D0-40D5-9F36-9555BF90BBEB}" srcOrd="3" destOrd="0" presId="urn:microsoft.com/office/officeart/2005/8/layout/process5"/>
+    <dgm:cxn modelId="{8718AF2D-7CD0-467F-B9C7-89A27606C4E0}" type="presParOf" srcId="{32B624A2-50D0-40D5-9F36-9555BF90BBEB}" destId="{8E762E71-0A64-485F-AF8D-0B4425F4CE2B}" srcOrd="0" destOrd="0" presId="urn:microsoft.com/office/officeart/2005/8/layout/process5"/>
+    <dgm:cxn modelId="{B19DF84E-FFEF-4239-9F5B-974AF2854D3E}" type="presParOf" srcId="{7D3F273F-CFD0-40C8-9F8E-121285BEE6B1}" destId="{90A3DBFC-BC09-46BE-8EEB-8E65DC203ECB}" srcOrd="4" destOrd="0" presId="urn:microsoft.com/office/officeart/2005/8/layout/process5"/>
+    <dgm:cxn modelId="{4A8E9768-04D0-4BC7-8755-66E42A0C0A8C}" type="presParOf" srcId="{7D3F273F-CFD0-40C8-9F8E-121285BEE6B1}" destId="{481AF2D1-4231-4906-8C3A-82E1E8F87939}" srcOrd="5" destOrd="0" presId="urn:microsoft.com/office/officeart/2005/8/layout/process5"/>
+    <dgm:cxn modelId="{ED791702-1A06-464B-BF57-3692769C8F1C}" type="presParOf" srcId="{481AF2D1-4231-4906-8C3A-82E1E8F87939}" destId="{AB27B6FF-198E-48B5-BD94-088B7357EA66}" srcOrd="0" destOrd="0" presId="urn:microsoft.com/office/officeart/2005/8/layout/process5"/>
+    <dgm:cxn modelId="{6C7A0017-2DE1-4F7B-A0A6-06AF71EB52A2}" type="presParOf" srcId="{7D3F273F-CFD0-40C8-9F8E-121285BEE6B1}" destId="{DB049CF9-CC06-42CA-A4FD-1875CE7D231B}" srcOrd="6" destOrd="0" presId="urn:microsoft.com/office/officeart/2005/8/layout/process5"/>
+    <dgm:cxn modelId="{0A3971F4-8DF1-4E84-A80F-28C7BA041547}" type="presParOf" srcId="{7D3F273F-CFD0-40C8-9F8E-121285BEE6B1}" destId="{4FAB94F4-671A-429A-A467-912B3E65C9D7}" srcOrd="7" destOrd="0" presId="urn:microsoft.com/office/officeart/2005/8/layout/process5"/>
+    <dgm:cxn modelId="{C564B3BF-408A-41F4-B609-6664FF13A228}" type="presParOf" srcId="{4FAB94F4-671A-429A-A467-912B3E65C9D7}" destId="{87B397E2-E240-4A24-8AA3-37D029BDBDFC}" srcOrd="0" destOrd="0" presId="urn:microsoft.com/office/officeart/2005/8/layout/process5"/>
+    <dgm:cxn modelId="{42B1B2DA-34C1-48E0-82B6-1C9F4E418A46}" type="presParOf" srcId="{7D3F273F-CFD0-40C8-9F8E-121285BEE6B1}" destId="{446109A7-AECD-4727-8539-3AFD4FD94D6E}" srcOrd="8" destOrd="0" presId="urn:microsoft.com/office/officeart/2005/8/layout/process5"/>
+    <dgm:cxn modelId="{C60721DF-0A6D-4FA9-8274-4288DA158F02}" type="presParOf" srcId="{7D3F273F-CFD0-40C8-9F8E-121285BEE6B1}" destId="{7F0FB339-0551-4348-B8F7-52338F02BC28}" srcOrd="9" destOrd="0" presId="urn:microsoft.com/office/officeart/2005/8/layout/process5"/>
+    <dgm:cxn modelId="{E435C7BF-E7AE-4D98-940F-16BB05E81EFE}" type="presParOf" srcId="{7F0FB339-0551-4348-B8F7-52338F02BC28}" destId="{FD3FCC72-A570-4B19-8894-8030D72A1EA2}" srcOrd="0" destOrd="0" presId="urn:microsoft.com/office/officeart/2005/8/layout/process5"/>
+    <dgm:cxn modelId="{FFA5E742-0BC7-4966-B979-8501CDB63892}" type="presParOf" srcId="{7D3F273F-CFD0-40C8-9F8E-121285BEE6B1}" destId="{07DF76B6-D9AE-4443-B398-27B97BFD4F87}" srcOrd="10" destOrd="0" presId="urn:microsoft.com/office/officeart/2005/8/layout/process5"/>
+    <dgm:cxn modelId="{1D362A73-7558-4347-84B6-6A787B7882BF}" type="presParOf" srcId="{7D3F273F-CFD0-40C8-9F8E-121285BEE6B1}" destId="{AFCE39E6-AD67-441A-B227-F2D05CEE2962}" srcOrd="11" destOrd="0" presId="urn:microsoft.com/office/officeart/2005/8/layout/process5"/>
+    <dgm:cxn modelId="{E764D87A-6010-43E0-AAAB-6D368443D3AE}" type="presParOf" srcId="{AFCE39E6-AD67-441A-B227-F2D05CEE2962}" destId="{ACEA6BFB-DCE8-478E-A577-D333A9C219A2}" srcOrd="0" destOrd="0" presId="urn:microsoft.com/office/officeart/2005/8/layout/process5"/>
+    <dgm:cxn modelId="{DC3E6F52-1C7B-4EE8-A326-FBF4704E05A0}" type="presParOf" srcId="{7D3F273F-CFD0-40C8-9F8E-121285BEE6B1}" destId="{6A44A34B-E8A8-47DE-9D41-325F584F17F0}" srcOrd="12" destOrd="0" presId="urn:microsoft.com/office/officeart/2005/8/layout/process5"/>
+  </dgm:cxnLst>
+  <dgm:bg/>
+  <dgm:whole/>
+  <dgm:extLst>
+    <a:ext uri="http://schemas.microsoft.com/office/drawing/2008/diagram">
+      <dsp:dataModelExt xmlns:dsp="http://schemas.microsoft.com/office/drawing/2008/diagram" relId="rId8" minVer="http://schemas.openxmlformats.org/drawingml/2006/diagram"/>
+    </a:ext>
+  </dgm:extLst>
+</dgm:dataModel>
+</file>
+
+<file path=ppt/diagrams/drawing1.xml><?xml version="1.0" encoding="utf-8"?>
+<dsp:drawing xmlns:dgm="http://schemas.openxmlformats.org/drawingml/2006/diagram" xmlns:dsp="http://schemas.microsoft.com/office/drawing/2008/diagram" xmlns:a="http://schemas.openxmlformats.org/drawingml/2006/main">
+  <dsp:spTree>
+    <dsp:nvGrpSpPr>
+      <dsp:cNvPr id="0" name=""/>
+      <dsp:cNvGrpSpPr/>
+    </dsp:nvGrpSpPr>
+    <dsp:grpSpPr/>
+    <dsp:sp modelId="{F1F37D3D-ED54-44E6-98E1-057D006EC7A1}">
+      <dsp:nvSpPr>
+        <dsp:cNvPr id="0" name=""/>
+        <dsp:cNvSpPr/>
+      </dsp:nvSpPr>
+      <dsp:spPr>
+        <a:xfrm>
+          <a:off x="776708" y="1604"/>
+          <a:ext cx="1720970" cy="1032582"/>
+        </a:xfrm>
+        <a:prstGeom prst="roundRect">
+          <a:avLst>
+            <a:gd name="adj" fmla="val 10000"/>
+          </a:avLst>
+        </a:prstGeom>
+        <a:solidFill>
+          <a:schemeClr val="lt1">
+            <a:hueOff val="0"/>
+            <a:satOff val="0"/>
+            <a:lumOff val="0"/>
+            <a:alphaOff val="0"/>
+          </a:schemeClr>
+        </a:solidFill>
+        <a:ln w="25400" cap="flat" cmpd="sng" algn="ctr">
+          <a:solidFill>
+            <a:schemeClr val="dk1">
+              <a:shade val="80000"/>
+              <a:hueOff val="0"/>
+              <a:satOff val="0"/>
+              <a:lumOff val="0"/>
+              <a:alphaOff val="0"/>
+            </a:schemeClr>
+          </a:solidFill>
+          <a:prstDash val="solid"/>
+        </a:ln>
+        <a:effectLst/>
+      </dsp:spPr>
+      <dsp:style>
+        <a:lnRef idx="2">
+          <a:scrgbClr r="0" g="0" b="0"/>
+        </a:lnRef>
+        <a:fillRef idx="1">
+          <a:scrgbClr r="0" g="0" b="0"/>
+        </a:fillRef>
+        <a:effectRef idx="0">
+          <a:scrgbClr r="0" g="0" b="0"/>
+        </a:effectRef>
+        <a:fontRef idx="minor">
+          <a:schemeClr val="lt1"/>
+        </a:fontRef>
+      </dsp:style>
+      <dsp:txBody>
+        <a:bodyPr spcFirstLastPara="0" vert="horz" wrap="square" lIns="57150" tIns="57150" rIns="57150" bIns="57150" numCol="1" spcCol="1270" anchor="ctr" anchorCtr="0">
+          <a:noAutofit/>
+        </a:bodyPr>
+        <a:lstStyle/>
+        <a:p>
+          <a:pPr marL="0" lvl="0" indent="0" algn="ctr" defTabSz="666750">
+            <a:lnSpc>
+              <a:spcPct val="90000"/>
+            </a:lnSpc>
+            <a:spcBef>
+              <a:spcPct val="0"/>
+            </a:spcBef>
+            <a:spcAft>
+              <a:spcPct val="35000"/>
+            </a:spcAft>
+            <a:buNone/>
+          </a:pPr>
+          <a:r>
+            <a:rPr lang="es-VE" sz="1500" kern="1200" dirty="0"/>
+            <a:t>Conoce a tu audiencia</a:t>
+          </a:r>
+          <a:endParaRPr lang="en-US" sz="1500" kern="1200" dirty="0"/>
+        </a:p>
+      </dsp:txBody>
+      <dsp:txXfrm>
+        <a:off x="806951" y="31847"/>
+        <a:ext cx="1660484" cy="972096"/>
+      </dsp:txXfrm>
+    </dsp:sp>
+    <dsp:sp modelId="{0B5FF350-8FC9-4C56-A505-F1B8C571B954}">
+      <dsp:nvSpPr>
+        <dsp:cNvPr id="0" name=""/>
+        <dsp:cNvSpPr/>
+      </dsp:nvSpPr>
+      <dsp:spPr>
+        <a:xfrm>
+          <a:off x="2649124" y="304495"/>
+          <a:ext cx="364845" cy="426800"/>
+        </a:xfrm>
+        <a:prstGeom prst="rightArrow">
+          <a:avLst>
+            <a:gd name="adj1" fmla="val 60000"/>
+            <a:gd name="adj2" fmla="val 50000"/>
+          </a:avLst>
+        </a:prstGeom>
+        <a:solidFill>
+          <a:schemeClr val="dk1">
+            <a:tint val="60000"/>
+            <a:hueOff val="0"/>
+            <a:satOff val="0"/>
+            <a:lumOff val="0"/>
+            <a:alphaOff val="0"/>
+          </a:schemeClr>
+        </a:solidFill>
+        <a:ln>
+          <a:noFill/>
+        </a:ln>
+        <a:effectLst/>
+      </dsp:spPr>
+      <dsp:style>
+        <a:lnRef idx="0">
+          <a:scrgbClr r="0" g="0" b="0"/>
+        </a:lnRef>
+        <a:fillRef idx="1">
+          <a:scrgbClr r="0" g="0" b="0"/>
+        </a:fillRef>
+        <a:effectRef idx="0">
+          <a:scrgbClr r="0" g="0" b="0"/>
+        </a:effectRef>
+        <a:fontRef idx="minor">
+          <a:schemeClr val="lt1"/>
+        </a:fontRef>
+      </dsp:style>
+      <dsp:txBody>
+        <a:bodyPr spcFirstLastPara="0" vert="horz" wrap="square" lIns="0" tIns="0" rIns="0" bIns="0" numCol="1" spcCol="1270" anchor="ctr" anchorCtr="0">
+          <a:noAutofit/>
+        </a:bodyPr>
+        <a:lstStyle/>
+        <a:p>
+          <a:pPr marL="0" lvl="0" indent="0" algn="ctr" defTabSz="533400">
+            <a:lnSpc>
+              <a:spcPct val="90000"/>
+            </a:lnSpc>
+            <a:spcBef>
+              <a:spcPct val="0"/>
+            </a:spcBef>
+            <a:spcAft>
+              <a:spcPct val="35000"/>
+            </a:spcAft>
+            <a:buNone/>
+          </a:pPr>
+          <a:endParaRPr lang="en-US" sz="1200" kern="1200"/>
+        </a:p>
+      </dsp:txBody>
+      <dsp:txXfrm>
+        <a:off x="2649124" y="389855"/>
+        <a:ext cx="255392" cy="256080"/>
+      </dsp:txXfrm>
+    </dsp:sp>
+    <dsp:sp modelId="{B7EC3347-6323-4DA5-946E-8ED3B3617BA0}">
+      <dsp:nvSpPr>
+        <dsp:cNvPr id="0" name=""/>
+        <dsp:cNvSpPr/>
+      </dsp:nvSpPr>
+      <dsp:spPr>
+        <a:xfrm>
+          <a:off x="3186067" y="1604"/>
+          <a:ext cx="1720970" cy="1032582"/>
+        </a:xfrm>
+        <a:prstGeom prst="roundRect">
+          <a:avLst>
+            <a:gd name="adj" fmla="val 10000"/>
+          </a:avLst>
+        </a:prstGeom>
+        <a:solidFill>
+          <a:schemeClr val="lt1">
+            <a:hueOff val="0"/>
+            <a:satOff val="0"/>
+            <a:lumOff val="0"/>
+            <a:alphaOff val="0"/>
+          </a:schemeClr>
+        </a:solidFill>
+        <a:ln w="25400" cap="flat" cmpd="sng" algn="ctr">
+          <a:solidFill>
+            <a:schemeClr val="dk1">
+              <a:shade val="80000"/>
+              <a:hueOff val="0"/>
+              <a:satOff val="0"/>
+              <a:lumOff val="0"/>
+              <a:alphaOff val="0"/>
+            </a:schemeClr>
+          </a:solidFill>
+          <a:prstDash val="solid"/>
+        </a:ln>
+        <a:effectLst/>
+      </dsp:spPr>
+      <dsp:style>
+        <a:lnRef idx="2">
+          <a:scrgbClr r="0" g="0" b="0"/>
+        </a:lnRef>
+        <a:fillRef idx="1">
+          <a:scrgbClr r="0" g="0" b="0"/>
+        </a:fillRef>
+        <a:effectRef idx="0">
+          <a:scrgbClr r="0" g="0" b="0"/>
+        </a:effectRef>
+        <a:fontRef idx="minor">
+          <a:schemeClr val="lt1"/>
+        </a:fontRef>
+      </dsp:style>
+      <dsp:txBody>
+        <a:bodyPr spcFirstLastPara="0" vert="horz" wrap="square" lIns="57150" tIns="57150" rIns="57150" bIns="57150" numCol="1" spcCol="1270" anchor="ctr" anchorCtr="0">
+          <a:noAutofit/>
+        </a:bodyPr>
+        <a:lstStyle/>
+        <a:p>
+          <a:pPr marL="0" lvl="0" indent="0" algn="ctr" defTabSz="666750">
+            <a:lnSpc>
+              <a:spcPct val="90000"/>
+            </a:lnSpc>
+            <a:spcBef>
+              <a:spcPct val="0"/>
+            </a:spcBef>
+            <a:spcAft>
+              <a:spcPct val="35000"/>
+            </a:spcAft>
+            <a:buNone/>
+          </a:pPr>
+          <a:r>
+            <a:rPr lang="es-VE" sz="1500" kern="1200" dirty="0"/>
+            <a:t>Conecta a tu audiencia con tu tema</a:t>
+          </a:r>
+          <a:endParaRPr lang="en-US" sz="1500" kern="1200" dirty="0"/>
+        </a:p>
+      </dsp:txBody>
+      <dsp:txXfrm>
+        <a:off x="3216310" y="31847"/>
+        <a:ext cx="1660484" cy="972096"/>
+      </dsp:txXfrm>
+    </dsp:sp>
+    <dsp:sp modelId="{32B624A2-50D0-40D5-9F36-9555BF90BBEB}">
+      <dsp:nvSpPr>
+        <dsp:cNvPr id="0" name=""/>
+        <dsp:cNvSpPr/>
+      </dsp:nvSpPr>
+      <dsp:spPr>
+        <a:xfrm>
+          <a:off x="5058483" y="304495"/>
+          <a:ext cx="364845" cy="426800"/>
+        </a:xfrm>
+        <a:prstGeom prst="rightArrow">
+          <a:avLst>
+            <a:gd name="adj1" fmla="val 60000"/>
+            <a:gd name="adj2" fmla="val 50000"/>
+          </a:avLst>
+        </a:prstGeom>
+        <a:solidFill>
+          <a:schemeClr val="dk1">
+            <a:tint val="60000"/>
+            <a:hueOff val="0"/>
+            <a:satOff val="0"/>
+            <a:lumOff val="0"/>
+            <a:alphaOff val="0"/>
+          </a:schemeClr>
+        </a:solidFill>
+        <a:ln>
+          <a:noFill/>
+        </a:ln>
+        <a:effectLst/>
+      </dsp:spPr>
+      <dsp:style>
+        <a:lnRef idx="0">
+          <a:scrgbClr r="0" g="0" b="0"/>
+        </a:lnRef>
+        <a:fillRef idx="1">
+          <a:scrgbClr r="0" g="0" b="0"/>
+        </a:fillRef>
+        <a:effectRef idx="0">
+          <a:scrgbClr r="0" g="0" b="0"/>
+        </a:effectRef>
+        <a:fontRef idx="minor">
+          <a:schemeClr val="lt1"/>
+        </a:fontRef>
+      </dsp:style>
+      <dsp:txBody>
+        <a:bodyPr spcFirstLastPara="0" vert="horz" wrap="square" lIns="0" tIns="0" rIns="0" bIns="0" numCol="1" spcCol="1270" anchor="ctr" anchorCtr="0">
+          <a:noAutofit/>
+        </a:bodyPr>
+        <a:lstStyle/>
+        <a:p>
+          <a:pPr marL="0" lvl="0" indent="0" algn="ctr" defTabSz="533400">
+            <a:lnSpc>
+              <a:spcPct val="90000"/>
+            </a:lnSpc>
+            <a:spcBef>
+              <a:spcPct val="0"/>
+            </a:spcBef>
+            <a:spcAft>
+              <a:spcPct val="35000"/>
+            </a:spcAft>
+            <a:buNone/>
+          </a:pPr>
+          <a:endParaRPr lang="en-US" sz="1200" kern="1200"/>
+        </a:p>
+      </dsp:txBody>
+      <dsp:txXfrm>
+        <a:off x="5058483" y="389855"/>
+        <a:ext cx="255392" cy="256080"/>
+      </dsp:txXfrm>
+    </dsp:sp>
+    <dsp:sp modelId="{90A3DBFC-BC09-46BE-8EEB-8E65DC203ECB}">
+      <dsp:nvSpPr>
+        <dsp:cNvPr id="0" name=""/>
+        <dsp:cNvSpPr/>
+      </dsp:nvSpPr>
+      <dsp:spPr>
+        <a:xfrm>
+          <a:off x="5595426" y="1604"/>
+          <a:ext cx="1720970" cy="1032582"/>
+        </a:xfrm>
+        <a:prstGeom prst="roundRect">
+          <a:avLst>
+            <a:gd name="adj" fmla="val 10000"/>
+          </a:avLst>
+        </a:prstGeom>
+        <a:solidFill>
+          <a:schemeClr val="lt1">
+            <a:hueOff val="0"/>
+            <a:satOff val="0"/>
+            <a:lumOff val="0"/>
+            <a:alphaOff val="0"/>
+          </a:schemeClr>
+        </a:solidFill>
+        <a:ln w="25400" cap="flat" cmpd="sng" algn="ctr">
+          <a:solidFill>
+            <a:schemeClr val="dk1">
+              <a:shade val="80000"/>
+              <a:hueOff val="0"/>
+              <a:satOff val="0"/>
+              <a:lumOff val="0"/>
+              <a:alphaOff val="0"/>
+            </a:schemeClr>
+          </a:solidFill>
+          <a:prstDash val="solid"/>
+        </a:ln>
+        <a:effectLst/>
+      </dsp:spPr>
+      <dsp:style>
+        <a:lnRef idx="2">
+          <a:scrgbClr r="0" g="0" b="0"/>
+        </a:lnRef>
+        <a:fillRef idx="1">
+          <a:scrgbClr r="0" g="0" b="0"/>
+        </a:fillRef>
+        <a:effectRef idx="0">
+          <a:scrgbClr r="0" g="0" b="0"/>
+        </a:effectRef>
+        <a:fontRef idx="minor">
+          <a:schemeClr val="lt1"/>
+        </a:fontRef>
+      </dsp:style>
+      <dsp:txBody>
+        <a:bodyPr spcFirstLastPara="0" vert="horz" wrap="square" lIns="57150" tIns="57150" rIns="57150" bIns="57150" numCol="1" spcCol="1270" anchor="ctr" anchorCtr="0">
+          <a:noAutofit/>
+        </a:bodyPr>
+        <a:lstStyle/>
+        <a:p>
+          <a:pPr marL="0" lvl="0" indent="0" algn="ctr" defTabSz="666750">
+            <a:lnSpc>
+              <a:spcPct val="90000"/>
+            </a:lnSpc>
+            <a:spcBef>
+              <a:spcPct val="0"/>
+            </a:spcBef>
+            <a:spcAft>
+              <a:spcPct val="35000"/>
+            </a:spcAft>
+            <a:buNone/>
+          </a:pPr>
+          <a:r>
+            <a:rPr lang="es-VE" sz="1500" kern="1200" dirty="0"/>
+            <a:t>Escoge tu enfoque</a:t>
+          </a:r>
+          <a:endParaRPr lang="en-US" sz="1500" kern="1200" dirty="0"/>
+        </a:p>
+      </dsp:txBody>
+      <dsp:txXfrm>
+        <a:off x="5625669" y="31847"/>
+        <a:ext cx="1660484" cy="972096"/>
+      </dsp:txXfrm>
+    </dsp:sp>
+    <dsp:sp modelId="{481AF2D1-4231-4906-8C3A-82E1E8F87939}">
+      <dsp:nvSpPr>
+        <dsp:cNvPr id="0" name=""/>
+        <dsp:cNvSpPr/>
+      </dsp:nvSpPr>
+      <dsp:spPr>
+        <a:xfrm rot="5400000">
+          <a:off x="6273488" y="1154654"/>
+          <a:ext cx="364845" cy="426800"/>
+        </a:xfrm>
+        <a:prstGeom prst="rightArrow">
+          <a:avLst>
+            <a:gd name="adj1" fmla="val 60000"/>
+            <a:gd name="adj2" fmla="val 50000"/>
+          </a:avLst>
+        </a:prstGeom>
+        <a:solidFill>
+          <a:schemeClr val="dk1">
+            <a:tint val="60000"/>
+            <a:hueOff val="0"/>
+            <a:satOff val="0"/>
+            <a:lumOff val="0"/>
+            <a:alphaOff val="0"/>
+          </a:schemeClr>
+        </a:solidFill>
+        <a:ln>
+          <a:noFill/>
+        </a:ln>
+        <a:effectLst/>
+      </dsp:spPr>
+      <dsp:style>
+        <a:lnRef idx="0">
+          <a:scrgbClr r="0" g="0" b="0"/>
+        </a:lnRef>
+        <a:fillRef idx="1">
+          <a:scrgbClr r="0" g="0" b="0"/>
+        </a:fillRef>
+        <a:effectRef idx="0">
+          <a:scrgbClr r="0" g="0" b="0"/>
+        </a:effectRef>
+        <a:fontRef idx="minor">
+          <a:schemeClr val="lt1"/>
+        </a:fontRef>
+      </dsp:style>
+      <dsp:txBody>
+        <a:bodyPr spcFirstLastPara="0" vert="horz" wrap="square" lIns="0" tIns="0" rIns="0" bIns="0" numCol="1" spcCol="1270" anchor="ctr" anchorCtr="0">
+          <a:noAutofit/>
+        </a:bodyPr>
+        <a:lstStyle/>
+        <a:p>
+          <a:pPr marL="0" lvl="0" indent="0" algn="ctr" defTabSz="533400">
+            <a:lnSpc>
+              <a:spcPct val="90000"/>
+            </a:lnSpc>
+            <a:spcBef>
+              <a:spcPct val="0"/>
+            </a:spcBef>
+            <a:spcAft>
+              <a:spcPct val="35000"/>
+            </a:spcAft>
+            <a:buNone/>
+          </a:pPr>
+          <a:endParaRPr lang="en-US" sz="1200" kern="1200"/>
+        </a:p>
+      </dsp:txBody>
+      <dsp:txXfrm rot="-5400000">
+        <a:off x="6327871" y="1185632"/>
+        <a:ext cx="256080" cy="255392"/>
+      </dsp:txXfrm>
+    </dsp:sp>
+    <dsp:sp modelId="{DB049CF9-CC06-42CA-A4FD-1875CE7D231B}">
+      <dsp:nvSpPr>
+        <dsp:cNvPr id="0" name=""/>
+        <dsp:cNvSpPr/>
+      </dsp:nvSpPr>
+      <dsp:spPr>
+        <a:xfrm>
+          <a:off x="5595426" y="1722574"/>
+          <a:ext cx="1720970" cy="1032582"/>
+        </a:xfrm>
+        <a:prstGeom prst="roundRect">
+          <a:avLst>
+            <a:gd name="adj" fmla="val 10000"/>
+          </a:avLst>
+        </a:prstGeom>
+        <a:solidFill>
+          <a:schemeClr val="lt1">
+            <a:hueOff val="0"/>
+            <a:satOff val="0"/>
+            <a:lumOff val="0"/>
+            <a:alphaOff val="0"/>
+          </a:schemeClr>
+        </a:solidFill>
+        <a:ln w="25400" cap="flat" cmpd="sng" algn="ctr">
+          <a:solidFill>
+            <a:schemeClr val="dk1">
+              <a:shade val="80000"/>
+              <a:hueOff val="0"/>
+              <a:satOff val="0"/>
+              <a:lumOff val="0"/>
+              <a:alphaOff val="0"/>
+            </a:schemeClr>
+          </a:solidFill>
+          <a:prstDash val="solid"/>
+        </a:ln>
+        <a:effectLst/>
+      </dsp:spPr>
+      <dsp:style>
+        <a:lnRef idx="2">
+          <a:scrgbClr r="0" g="0" b="0"/>
+        </a:lnRef>
+        <a:fillRef idx="1">
+          <a:scrgbClr r="0" g="0" b="0"/>
+        </a:fillRef>
+        <a:effectRef idx="0">
+          <a:scrgbClr r="0" g="0" b="0"/>
+        </a:effectRef>
+        <a:fontRef idx="minor">
+          <a:schemeClr val="lt1"/>
+        </a:fontRef>
+      </dsp:style>
+      <dsp:txBody>
+        <a:bodyPr spcFirstLastPara="0" vert="horz" wrap="square" lIns="57150" tIns="57150" rIns="57150" bIns="57150" numCol="1" spcCol="1270" anchor="ctr" anchorCtr="0">
+          <a:noAutofit/>
+        </a:bodyPr>
+        <a:lstStyle/>
+        <a:p>
+          <a:pPr marL="0" lvl="0" indent="0" algn="ctr" defTabSz="666750">
+            <a:lnSpc>
+              <a:spcPct val="90000"/>
+            </a:lnSpc>
+            <a:spcBef>
+              <a:spcPct val="0"/>
+            </a:spcBef>
+            <a:spcAft>
+              <a:spcPct val="35000"/>
+            </a:spcAft>
+            <a:buNone/>
+          </a:pPr>
+          <a:r>
+            <a:rPr lang="es-VE" sz="1500" kern="1200" dirty="0"/>
+            <a:t>Escoge tus palabras claves</a:t>
+          </a:r>
+          <a:endParaRPr lang="en-US" sz="1500" kern="1200" dirty="0"/>
+        </a:p>
+      </dsp:txBody>
+      <dsp:txXfrm>
+        <a:off x="5625669" y="1752817"/>
+        <a:ext cx="1660484" cy="972096"/>
+      </dsp:txXfrm>
+    </dsp:sp>
+    <dsp:sp modelId="{4FAB94F4-671A-429A-A467-912B3E65C9D7}">
+      <dsp:nvSpPr>
+        <dsp:cNvPr id="0" name=""/>
+        <dsp:cNvSpPr/>
+      </dsp:nvSpPr>
+      <dsp:spPr>
+        <a:xfrm rot="10800000">
+          <a:off x="5079135" y="2025465"/>
+          <a:ext cx="364845" cy="426800"/>
+        </a:xfrm>
+        <a:prstGeom prst="rightArrow">
+          <a:avLst>
+            <a:gd name="adj1" fmla="val 60000"/>
+            <a:gd name="adj2" fmla="val 50000"/>
+          </a:avLst>
+        </a:prstGeom>
+        <a:solidFill>
+          <a:schemeClr val="dk1">
+            <a:tint val="60000"/>
+            <a:hueOff val="0"/>
+            <a:satOff val="0"/>
+            <a:lumOff val="0"/>
+            <a:alphaOff val="0"/>
+          </a:schemeClr>
+        </a:solidFill>
+        <a:ln>
+          <a:noFill/>
+        </a:ln>
+        <a:effectLst/>
+      </dsp:spPr>
+      <dsp:style>
+        <a:lnRef idx="0">
+          <a:scrgbClr r="0" g="0" b="0"/>
+        </a:lnRef>
+        <a:fillRef idx="1">
+          <a:scrgbClr r="0" g="0" b="0"/>
+        </a:fillRef>
+        <a:effectRef idx="0">
+          <a:scrgbClr r="0" g="0" b="0"/>
+        </a:effectRef>
+        <a:fontRef idx="minor">
+          <a:schemeClr val="lt1"/>
+        </a:fontRef>
+      </dsp:style>
+      <dsp:txBody>
+        <a:bodyPr spcFirstLastPara="0" vert="horz" wrap="square" lIns="0" tIns="0" rIns="0" bIns="0" numCol="1" spcCol="1270" anchor="ctr" anchorCtr="0">
+          <a:noAutofit/>
+        </a:bodyPr>
+        <a:lstStyle/>
+        <a:p>
+          <a:pPr marL="0" lvl="0" indent="0" algn="ctr" defTabSz="533400">
+            <a:lnSpc>
+              <a:spcPct val="90000"/>
+            </a:lnSpc>
+            <a:spcBef>
+              <a:spcPct val="0"/>
+            </a:spcBef>
+            <a:spcAft>
+              <a:spcPct val="35000"/>
+            </a:spcAft>
+            <a:buNone/>
+          </a:pPr>
+          <a:endParaRPr lang="en-US" sz="1200" kern="1200"/>
+        </a:p>
+      </dsp:txBody>
+      <dsp:txXfrm rot="10800000">
+        <a:off x="5188588" y="2110825"/>
+        <a:ext cx="255392" cy="256080"/>
+      </dsp:txXfrm>
+    </dsp:sp>
+    <dsp:sp modelId="{446109A7-AECD-4727-8539-3AFD4FD94D6E}">
+      <dsp:nvSpPr>
+        <dsp:cNvPr id="0" name=""/>
+        <dsp:cNvSpPr/>
+      </dsp:nvSpPr>
+      <dsp:spPr>
+        <a:xfrm>
+          <a:off x="3186067" y="1722574"/>
+          <a:ext cx="1720970" cy="1032582"/>
+        </a:xfrm>
+        <a:prstGeom prst="roundRect">
+          <a:avLst>
+            <a:gd name="adj" fmla="val 10000"/>
+          </a:avLst>
+        </a:prstGeom>
+        <a:solidFill>
+          <a:schemeClr val="lt1">
+            <a:hueOff val="0"/>
+            <a:satOff val="0"/>
+            <a:lumOff val="0"/>
+            <a:alphaOff val="0"/>
+          </a:schemeClr>
+        </a:solidFill>
+        <a:ln w="25400" cap="flat" cmpd="sng" algn="ctr">
+          <a:solidFill>
+            <a:schemeClr val="dk1">
+              <a:shade val="80000"/>
+              <a:hueOff val="0"/>
+              <a:satOff val="0"/>
+              <a:lumOff val="0"/>
+              <a:alphaOff val="0"/>
+            </a:schemeClr>
+          </a:solidFill>
+          <a:prstDash val="solid"/>
+        </a:ln>
+        <a:effectLst/>
+      </dsp:spPr>
+      <dsp:style>
+        <a:lnRef idx="2">
+          <a:scrgbClr r="0" g="0" b="0"/>
+        </a:lnRef>
+        <a:fillRef idx="1">
+          <a:scrgbClr r="0" g="0" b="0"/>
+        </a:fillRef>
+        <a:effectRef idx="0">
+          <a:scrgbClr r="0" g="0" b="0"/>
+        </a:effectRef>
+        <a:fontRef idx="minor">
+          <a:schemeClr val="lt1"/>
+        </a:fontRef>
+      </dsp:style>
+      <dsp:txBody>
+        <a:bodyPr spcFirstLastPara="0" vert="horz" wrap="square" lIns="57150" tIns="57150" rIns="57150" bIns="57150" numCol="1" spcCol="1270" anchor="ctr" anchorCtr="0">
+          <a:noAutofit/>
+        </a:bodyPr>
+        <a:lstStyle/>
+        <a:p>
+          <a:pPr marL="0" lvl="0" indent="0" algn="ctr" defTabSz="666750">
+            <a:lnSpc>
+              <a:spcPct val="90000"/>
+            </a:lnSpc>
+            <a:spcBef>
+              <a:spcPct val="0"/>
+            </a:spcBef>
+            <a:spcAft>
+              <a:spcPct val="35000"/>
+            </a:spcAft>
+            <a:buNone/>
+          </a:pPr>
+          <a:r>
+            <a:rPr lang="es-VE" sz="1500" kern="1200" dirty="0"/>
+            <a:t>Escoge las visualizaciones que te acompañen</a:t>
+          </a:r>
+          <a:endParaRPr lang="en-US" sz="1500" kern="1200" dirty="0"/>
+        </a:p>
+      </dsp:txBody>
+      <dsp:txXfrm>
+        <a:off x="3216310" y="1752817"/>
+        <a:ext cx="1660484" cy="972096"/>
+      </dsp:txXfrm>
+    </dsp:sp>
+    <dsp:sp modelId="{7F0FB339-0551-4348-B8F7-52338F02BC28}">
+      <dsp:nvSpPr>
+        <dsp:cNvPr id="0" name=""/>
+        <dsp:cNvSpPr/>
+      </dsp:nvSpPr>
+      <dsp:spPr>
+        <a:xfrm rot="10800000">
+          <a:off x="2669776" y="2025465"/>
+          <a:ext cx="364845" cy="426800"/>
+        </a:xfrm>
+        <a:prstGeom prst="rightArrow">
+          <a:avLst>
+            <a:gd name="adj1" fmla="val 60000"/>
+            <a:gd name="adj2" fmla="val 50000"/>
+          </a:avLst>
+        </a:prstGeom>
+        <a:solidFill>
+          <a:schemeClr val="dk1">
+            <a:tint val="60000"/>
+            <a:hueOff val="0"/>
+            <a:satOff val="0"/>
+            <a:lumOff val="0"/>
+            <a:alphaOff val="0"/>
+          </a:schemeClr>
+        </a:solidFill>
+        <a:ln>
+          <a:noFill/>
+        </a:ln>
+        <a:effectLst/>
+      </dsp:spPr>
+      <dsp:style>
+        <a:lnRef idx="0">
+          <a:scrgbClr r="0" g="0" b="0"/>
+        </a:lnRef>
+        <a:fillRef idx="1">
+          <a:scrgbClr r="0" g="0" b="0"/>
+        </a:fillRef>
+        <a:effectRef idx="0">
+          <a:scrgbClr r="0" g="0" b="0"/>
+        </a:effectRef>
+        <a:fontRef idx="minor">
+          <a:schemeClr val="lt1"/>
+        </a:fontRef>
+      </dsp:style>
+      <dsp:txBody>
+        <a:bodyPr spcFirstLastPara="0" vert="horz" wrap="square" lIns="0" tIns="0" rIns="0" bIns="0" numCol="1" spcCol="1270" anchor="ctr" anchorCtr="0">
+          <a:noAutofit/>
+        </a:bodyPr>
+        <a:lstStyle/>
+        <a:p>
+          <a:pPr marL="0" lvl="0" indent="0" algn="ctr" defTabSz="533400">
+            <a:lnSpc>
+              <a:spcPct val="90000"/>
+            </a:lnSpc>
+            <a:spcBef>
+              <a:spcPct val="0"/>
+            </a:spcBef>
+            <a:spcAft>
+              <a:spcPct val="35000"/>
+            </a:spcAft>
+            <a:buNone/>
+          </a:pPr>
+          <a:endParaRPr lang="en-US" sz="1200" kern="1200"/>
+        </a:p>
+      </dsp:txBody>
+      <dsp:txXfrm rot="10800000">
+        <a:off x="2779229" y="2110825"/>
+        <a:ext cx="255392" cy="256080"/>
+      </dsp:txXfrm>
+    </dsp:sp>
+    <dsp:sp modelId="{07DF76B6-D9AE-4443-B398-27B97BFD4F87}">
+      <dsp:nvSpPr>
+        <dsp:cNvPr id="0" name=""/>
+        <dsp:cNvSpPr/>
+      </dsp:nvSpPr>
+      <dsp:spPr>
+        <a:xfrm>
+          <a:off x="776708" y="1722574"/>
+          <a:ext cx="1720970" cy="1032582"/>
+        </a:xfrm>
+        <a:prstGeom prst="roundRect">
+          <a:avLst>
+            <a:gd name="adj" fmla="val 10000"/>
+          </a:avLst>
+        </a:prstGeom>
+        <a:solidFill>
+          <a:schemeClr val="lt1">
+            <a:hueOff val="0"/>
+            <a:satOff val="0"/>
+            <a:lumOff val="0"/>
+            <a:alphaOff val="0"/>
+          </a:schemeClr>
+        </a:solidFill>
+        <a:ln w="25400" cap="flat" cmpd="sng" algn="ctr">
+          <a:solidFill>
+            <a:schemeClr val="dk1">
+              <a:shade val="80000"/>
+              <a:hueOff val="0"/>
+              <a:satOff val="0"/>
+              <a:lumOff val="0"/>
+              <a:alphaOff val="0"/>
+            </a:schemeClr>
+          </a:solidFill>
+          <a:prstDash val="solid"/>
+        </a:ln>
+        <a:effectLst/>
+      </dsp:spPr>
+      <dsp:style>
+        <a:lnRef idx="2">
+          <a:scrgbClr r="0" g="0" b="0"/>
+        </a:lnRef>
+        <a:fillRef idx="1">
+          <a:scrgbClr r="0" g="0" b="0"/>
+        </a:fillRef>
+        <a:effectRef idx="0">
+          <a:scrgbClr r="0" g="0" b="0"/>
+        </a:effectRef>
+        <a:fontRef idx="minor">
+          <a:schemeClr val="lt1"/>
+        </a:fontRef>
+      </dsp:style>
+      <dsp:txBody>
+        <a:bodyPr spcFirstLastPara="0" vert="horz" wrap="square" lIns="57150" tIns="57150" rIns="57150" bIns="57150" numCol="1" spcCol="1270" anchor="ctr" anchorCtr="0">
+          <a:noAutofit/>
+        </a:bodyPr>
+        <a:lstStyle/>
+        <a:p>
+          <a:pPr marL="0" lvl="0" indent="0" algn="ctr" defTabSz="666750">
+            <a:lnSpc>
+              <a:spcPct val="90000"/>
+            </a:lnSpc>
+            <a:spcBef>
+              <a:spcPct val="0"/>
+            </a:spcBef>
+            <a:spcAft>
+              <a:spcPct val="35000"/>
+            </a:spcAft>
+            <a:buNone/>
+          </a:pPr>
+          <a:r>
+            <a:rPr lang="es-VE" sz="1500" kern="1200" dirty="0"/>
+            <a:t>Escribe tu historia en un papel</a:t>
+          </a:r>
+          <a:endParaRPr lang="en-US" sz="1500" kern="1200" dirty="0"/>
+        </a:p>
+      </dsp:txBody>
+      <dsp:txXfrm>
+        <a:off x="806951" y="1752817"/>
+        <a:ext cx="1660484" cy="972096"/>
+      </dsp:txXfrm>
+    </dsp:sp>
+    <dsp:sp modelId="{AFCE39E6-AD67-441A-B227-F2D05CEE2962}">
+      <dsp:nvSpPr>
+        <dsp:cNvPr id="0" name=""/>
+        <dsp:cNvSpPr/>
+      </dsp:nvSpPr>
+      <dsp:spPr>
+        <a:xfrm rot="5400000">
+          <a:off x="1454771" y="2875625"/>
+          <a:ext cx="364845" cy="426800"/>
+        </a:xfrm>
+        <a:prstGeom prst="rightArrow">
+          <a:avLst>
+            <a:gd name="adj1" fmla="val 60000"/>
+            <a:gd name="adj2" fmla="val 50000"/>
+          </a:avLst>
+        </a:prstGeom>
+        <a:solidFill>
+          <a:schemeClr val="dk1">
+            <a:tint val="60000"/>
+            <a:hueOff val="0"/>
+            <a:satOff val="0"/>
+            <a:lumOff val="0"/>
+            <a:alphaOff val="0"/>
+          </a:schemeClr>
+        </a:solidFill>
+        <a:ln>
+          <a:noFill/>
+        </a:ln>
+        <a:effectLst/>
+      </dsp:spPr>
+      <dsp:style>
+        <a:lnRef idx="0">
+          <a:scrgbClr r="0" g="0" b="0"/>
+        </a:lnRef>
+        <a:fillRef idx="1">
+          <a:scrgbClr r="0" g="0" b="0"/>
+        </a:fillRef>
+        <a:effectRef idx="0">
+          <a:scrgbClr r="0" g="0" b="0"/>
+        </a:effectRef>
+        <a:fontRef idx="minor">
+          <a:schemeClr val="lt1"/>
+        </a:fontRef>
+      </dsp:style>
+      <dsp:txBody>
+        <a:bodyPr spcFirstLastPara="0" vert="horz" wrap="square" lIns="0" tIns="0" rIns="0" bIns="0" numCol="1" spcCol="1270" anchor="ctr" anchorCtr="0">
+          <a:noAutofit/>
+        </a:bodyPr>
+        <a:lstStyle/>
+        <a:p>
+          <a:pPr marL="0" lvl="0" indent="0" algn="ctr" defTabSz="533400">
+            <a:lnSpc>
+              <a:spcPct val="90000"/>
+            </a:lnSpc>
+            <a:spcBef>
+              <a:spcPct val="0"/>
+            </a:spcBef>
+            <a:spcAft>
+              <a:spcPct val="35000"/>
+            </a:spcAft>
+            <a:buNone/>
+          </a:pPr>
+          <a:endParaRPr lang="en-US" sz="1200" kern="1200"/>
+        </a:p>
+      </dsp:txBody>
+      <dsp:txXfrm rot="-5400000">
+        <a:off x="1509154" y="2906603"/>
+        <a:ext cx="256080" cy="255392"/>
+      </dsp:txXfrm>
+    </dsp:sp>
+    <dsp:sp modelId="{6A44A34B-E8A8-47DE-9D41-325F584F17F0}">
+      <dsp:nvSpPr>
+        <dsp:cNvPr id="0" name=""/>
+        <dsp:cNvSpPr/>
+      </dsp:nvSpPr>
+      <dsp:spPr>
+        <a:xfrm>
+          <a:off x="776708" y="3443545"/>
+          <a:ext cx="1720970" cy="1032582"/>
+        </a:xfrm>
+        <a:prstGeom prst="roundRect">
+          <a:avLst>
+            <a:gd name="adj" fmla="val 10000"/>
+          </a:avLst>
+        </a:prstGeom>
+        <a:solidFill>
+          <a:schemeClr val="lt1">
+            <a:hueOff val="0"/>
+            <a:satOff val="0"/>
+            <a:lumOff val="0"/>
+            <a:alphaOff val="0"/>
+          </a:schemeClr>
+        </a:solidFill>
+        <a:ln w="25400" cap="flat" cmpd="sng" algn="ctr">
+          <a:solidFill>
+            <a:schemeClr val="dk1">
+              <a:shade val="80000"/>
+              <a:hueOff val="0"/>
+              <a:satOff val="0"/>
+              <a:lumOff val="0"/>
+              <a:alphaOff val="0"/>
+            </a:schemeClr>
+          </a:solidFill>
+          <a:prstDash val="solid"/>
+        </a:ln>
+        <a:effectLst/>
+      </dsp:spPr>
+      <dsp:style>
+        <a:lnRef idx="2">
+          <a:scrgbClr r="0" g="0" b="0"/>
+        </a:lnRef>
+        <a:fillRef idx="1">
+          <a:scrgbClr r="0" g="0" b="0"/>
+        </a:fillRef>
+        <a:effectRef idx="0">
+          <a:scrgbClr r="0" g="0" b="0"/>
+        </a:effectRef>
+        <a:fontRef idx="minor">
+          <a:schemeClr val="lt1"/>
+        </a:fontRef>
+      </dsp:style>
+      <dsp:txBody>
+        <a:bodyPr spcFirstLastPara="0" vert="horz" wrap="square" lIns="57150" tIns="57150" rIns="57150" bIns="57150" numCol="1" spcCol="1270" anchor="ctr" anchorCtr="0">
+          <a:noAutofit/>
+        </a:bodyPr>
+        <a:lstStyle/>
+        <a:p>
+          <a:pPr marL="0" lvl="0" indent="0" algn="ctr" defTabSz="666750">
+            <a:lnSpc>
+              <a:spcPct val="90000"/>
+            </a:lnSpc>
+            <a:spcBef>
+              <a:spcPct val="0"/>
+            </a:spcBef>
+            <a:spcAft>
+              <a:spcPct val="35000"/>
+            </a:spcAft>
+            <a:buNone/>
+          </a:pPr>
+          <a:r>
+            <a:rPr lang="es-VE" sz="1500" kern="1200" dirty="0"/>
+            <a:t>Practica el “Flow” en voz alta </a:t>
+          </a:r>
+        </a:p>
+        <a:p>
+          <a:pPr marL="0" lvl="0" indent="0" algn="ctr" defTabSz="666750">
+            <a:lnSpc>
+              <a:spcPct val="90000"/>
+            </a:lnSpc>
+            <a:spcBef>
+              <a:spcPct val="0"/>
+            </a:spcBef>
+            <a:spcAft>
+              <a:spcPct val="35000"/>
+            </a:spcAft>
+            <a:buNone/>
+          </a:pPr>
+          <a:r>
+            <a:rPr lang="es-VE" sz="1500" u="sng" kern="1200" dirty="0"/>
+            <a:t>VARIAS VECES</a:t>
+          </a:r>
+          <a:endParaRPr lang="en-US" sz="1500" u="sng" kern="1200" dirty="0"/>
+        </a:p>
+      </dsp:txBody>
+      <dsp:txXfrm>
+        <a:off x="806951" y="3473788"/>
+        <a:ext cx="1660484" cy="972096"/>
+      </dsp:txXfrm>
+    </dsp:sp>
+  </dsp:spTree>
+</dsp:drawing>
+</file>
+
+<file path=ppt/diagrams/layout1.xml><?xml version="1.0" encoding="utf-8"?>
+<dgm:layoutDef xmlns:dgm="http://schemas.openxmlformats.org/drawingml/2006/diagram" xmlns:a="http://schemas.openxmlformats.org/drawingml/2006/main" uniqueId="urn:microsoft.com/office/officeart/2005/8/layout/process5">
+  <dgm:title val=""/>
+  <dgm:desc val=""/>
+  <dgm:catLst>
+    <dgm:cat type="process" pri="17000"/>
+  </dgm:catLst>
+  <dgm:sampData>
+    <dgm:dataModel>
+      <dgm:ptLst>
+        <dgm:pt modelId="0" type="doc"/>
+        <dgm:pt modelId="1">
+          <dgm:prSet phldr="1"/>
+        </dgm:pt>
+        <dgm:pt modelId="2">
+          <dgm:prSet phldr="1"/>
+        </dgm:pt>
+        <dgm:pt modelId="3">
+          <dgm:prSet phldr="1"/>
+        </dgm:pt>
+        <dgm:pt modelId="4">
+          <dgm:prSet phldr="1"/>
+        </dgm:pt>
+        <dgm:pt modelId="5">
+          <dgm:prSet phldr="1"/>
+        </dgm:pt>
+      </dgm:ptLst>
+      <dgm:cxnLst>
+        <dgm:cxn modelId="7" srcId="0" destId="1" srcOrd="0" destOrd="0"/>
+        <dgm:cxn modelId="8" srcId="0" destId="2" srcOrd="1" destOrd="0"/>
+        <dgm:cxn modelId="9" srcId="0" destId="3" srcOrd="2" destOrd="0"/>
+        <dgm:cxn modelId="10" srcId="0" destId="4" srcOrd="3" destOrd="0"/>
+        <dgm:cxn modelId="11" srcId="0" destId="5" srcOrd="4" destOrd="0"/>
+      </dgm:cxnLst>
+      <dgm:bg/>
+      <dgm:whole/>
+    </dgm:dataModel>
+  </dgm:sampData>
+  <dgm:styleData>
+    <dgm:dataModel>
+      <dgm:ptLst>
+        <dgm:pt modelId="0" type="doc"/>
+        <dgm:pt modelId="1"/>
+        <dgm:pt modelId="2"/>
+      </dgm:ptLst>
+      <dgm:cxnLst>
+        <dgm:cxn modelId="3" srcId="0" destId="1" srcOrd="0" destOrd="0"/>
+        <dgm:cxn modelId="4" srcId="0" destId="2" srcOrd="1" destOrd="0"/>
+      </dgm:cxnLst>
+      <dgm:bg/>
+      <dgm:whole/>
+    </dgm:dataModel>
+  </dgm:styleData>
+  <dgm:clrData>
+    <dgm:dataModel>
+      <dgm:ptLst>
+        <dgm:pt modelId="0" type="doc"/>
+        <dgm:pt modelId="1"/>
+        <dgm:pt modelId="2"/>
+        <dgm:pt modelId="3"/>
+        <dgm:pt modelId="4"/>
+      </dgm:ptLst>
+      <dgm:cxnLst>
+        <dgm:cxn modelId="5" srcId="0" destId="1" srcOrd="0" destOrd="0"/>
+        <dgm:cxn modelId="6" srcId="0" destId="2" srcOrd="1" destOrd="0"/>
+        <dgm:cxn modelId="7" srcId="0" destId="3" srcOrd="2" destOrd="0"/>
+        <dgm:cxn modelId="8" srcId="0" destId="4" srcOrd="3" destOrd="0"/>
+      </dgm:cxnLst>
+      <dgm:bg/>
+      <dgm:whole/>
+    </dgm:dataModel>
+  </dgm:clrData>
+  <dgm:layoutNode name="diagram">
+    <dgm:varLst>
+      <dgm:dir/>
+      <dgm:resizeHandles val="exact"/>
+    </dgm:varLst>
+    <dgm:choose name="Name0">
+      <dgm:if name="Name1" axis="self" func="var" arg="dir" op="equ" val="norm">
+        <dgm:alg type="snake">
+          <dgm:param type="grDir" val="tL"/>
+          <dgm:param type="flowDir" val="row"/>
+          <dgm:param type="contDir" val="revDir"/>
+          <dgm:param type="bkpt" val="endCnv"/>
+        </dgm:alg>
+      </dgm:if>
+      <dgm:else name="Name2">
+        <dgm:alg type="snake">
+          <dgm:param type="grDir" val="tR"/>
+          <dgm:param type="flowDir" val="row"/>
+          <dgm:param type="contDir" val="revDir"/>
+          <dgm:param type="bkpt" val="endCnv"/>
+        </dgm:alg>
+      </dgm:else>
+    </dgm:choose>
+    <dgm:shape xmlns:r="http://schemas.openxmlformats.org/officeDocument/2006/relationships" r:blip="">
+      <dgm:adjLst/>
+    </dgm:shape>
+    <dgm:presOf/>
+    <dgm:constrLst>
+      <dgm:constr type="w" for="ch" ptType="node" refType="w"/>
+      <dgm:constr type="w" for="ch" forName="sibTrans" refType="w" refFor="ch" refPtType="node" op="equ" fact="0.4"/>
+      <dgm:constr type="sp" refType="w" refFor="ch" refForName="sibTrans" op="equ"/>
+      <dgm:constr type="primFontSz" for="ch" ptType="node" op="equ" val="65"/>
+      <dgm:constr type="primFontSz" for="des" forName="connectorText" op="equ" val="55"/>
+      <dgm:constr type="primFontSz" for="des" forName="connectorText" refType="primFontSz" refFor="ch" refPtType="node" op="lte" fact="0.8"/>
+    </dgm:constrLst>
+    <dgm:ruleLst/>
+    <dgm:forEach name="nodesForEach" axis="ch" ptType="node">
+      <dgm:layoutNode name="node">
+        <dgm:varLst>
+          <dgm:bulletEnabled val="1"/>
+        </dgm:varLst>
+        <dgm:alg type="tx"/>
+        <dgm:shape xmlns:r="http://schemas.openxmlformats.org/officeDocument/2006/relationships" type="roundRect" r:blip="">
+          <dgm:adjLst>
+            <dgm:adj idx="1" val="0.1"/>
+          </dgm:adjLst>
+        </dgm:shape>
+        <dgm:presOf axis="desOrSelf" ptType="node"/>
+        <dgm:constrLst>
+          <dgm:constr type="h" refType="w" fact="0.6"/>
+          <dgm:constr type="tMarg" refType="primFontSz" fact="0.3"/>
+          <dgm:constr type="bMarg" refType="primFontSz" fact="0.3"/>
+          <dgm:constr type="lMarg" refType="primFontSz" fact="0.3"/>
+          <dgm:constr type="rMarg" refType="primFontSz" fact="0.3"/>
+        </dgm:constrLst>
+        <dgm:ruleLst>
+          <dgm:rule type="primFontSz" val="5" fact="NaN" max="NaN"/>
+        </dgm:ruleLst>
+      </dgm:layoutNode>
+      <dgm:forEach name="sibTransForEach" axis="followSib" ptType="sibTrans" cnt="1">
+        <dgm:layoutNode name="sibTrans">
+          <dgm:alg type="conn">
+            <dgm:param type="begPts" val="auto"/>
+            <dgm:param type="endPts" val="auto"/>
+          </dgm:alg>
+          <dgm:shape xmlns:r="http://schemas.openxmlformats.org/officeDocument/2006/relationships" type="conn" r:blip="">
+            <dgm:adjLst/>
+          </dgm:shape>
+          <dgm:presOf axis="self"/>
+          <dgm:constrLst>
+            <dgm:constr type="h" refType="w" fact="0.62"/>
+            <dgm:constr type="connDist"/>
+          </dgm:constrLst>
+          <dgm:ruleLst/>
+          <dgm:layoutNode name="connectorText">
+            <dgm:alg type="tx">
+              <dgm:param type="autoTxRot" val="upr"/>
+            </dgm:alg>
+            <dgm:shape xmlns:r="http://schemas.openxmlformats.org/officeDocument/2006/relationships" type="conn" r:blip="" hideGeom="1">
+              <dgm:adjLst/>
+            </dgm:shape>
+            <dgm:presOf axis="self"/>
+            <dgm:constrLst>
+              <dgm:constr type="lMarg"/>
+              <dgm:constr type="rMarg"/>
+              <dgm:constr type="tMarg"/>
+              <dgm:constr type="bMarg"/>
+            </dgm:constrLst>
+            <dgm:ruleLst>
+              <dgm:rule type="primFontSz" val="5" fact="NaN" max="NaN"/>
+            </dgm:ruleLst>
+          </dgm:layoutNode>
+        </dgm:layoutNode>
+      </dgm:forEach>
+    </dgm:forEach>
+  </dgm:layoutNode>
+</dgm:layoutDef>
+</file>
+
+<file path=ppt/diagrams/quickStyle1.xml><?xml version="1.0" encoding="utf-8"?>
+<dgm:styleDef xmlns:dgm="http://schemas.openxmlformats.org/drawingml/2006/diagram" xmlns:a="http://schemas.openxmlformats.org/drawingml/2006/main" uniqueId="urn:microsoft.com/office/officeart/2005/8/quickstyle/simple1">
+  <dgm:title val=""/>
+  <dgm:desc val=""/>
+  <dgm:catLst>
+    <dgm:cat type="simple" pri="10100"/>
+  </dgm:catLst>
+  <dgm:scene3d>
+    <a:camera prst="orthographicFront"/>
+    <a:lightRig rig="threePt" dir="t"/>
+  </dgm:scene3d>
+  <dgm:styleLbl name="node0">
+    <dgm:scene3d>
+      <a:camera prst="orthographicFront"/>
+      <a:lightRig rig="threePt" dir="t"/>
+    </dgm:scene3d>
+    <dgm:sp3d/>
+    <dgm:txPr/>
+    <dgm:style>
+      <a:lnRef idx="2">
+        <a:scrgbClr r="0" g="0" b="0"/>
+      </a:lnRef>
+      <a:fillRef idx="1">
+        <a:scrgbClr r="0" g="0" b="0"/>
+      </a:fillRef>
+      <a:effectRef idx="0">
+        <a:scrgbClr r="0" g="0" b="0"/>
+      </a:effectRef>
+      <a:fontRef idx="minor">
+        <a:schemeClr val="lt1"/>
+      </a:fontRef>
+    </dgm:style>
+  </dgm:styleLbl>
+  <dgm:styleLbl name="lnNode1">
+    <dgm:scene3d>
+      <a:camera prst="orthographicFront"/>
+      <a:lightRig rig="threePt" dir="t"/>
+    </dgm:scene3d>
+    <dgm:sp3d/>
+    <dgm:txPr/>
+    <dgm:style>
+      <a:lnRef idx="2">
+        <a:scrgbClr r="0" g="0" b="0"/>
+      </a:lnRef>
+      <a:fillRef idx="1">
+        <a:scrgbClr r="0" g="0" b="0"/>
+      </a:fillRef>
+      <a:effectRef idx="0">
+        <a:scrgbClr r="0" g="0" b="0"/>
+      </a:effectRef>
+      <a:fontRef idx="minor">
+        <a:schemeClr val="lt1"/>
+      </a:fontRef>
+    </dgm:style>
+  </dgm:styleLbl>
+  <dgm:styleLbl name="vennNode1">
+    <dgm:scene3d>
+      <a:camera prst="orthographicFront"/>
+      <a:lightRig rig="threePt" dir="t"/>
+    </dgm:scene3d>
+    <dgm:sp3d/>
+    <dgm:txPr/>
+    <dgm:style>
+      <a:lnRef idx="2">
+        <a:scrgbClr r="0" g="0" b="0"/>
+      </a:lnRef>
+      <a:fillRef idx="1">
+        <a:scrgbClr r="0" g="0" b="0"/>
+      </a:fillRef>
+      <a:effectRef idx="0">
+        <a:scrgbClr r="0" g="0" b="0"/>
+      </a:effectRef>
+      <a:fontRef idx="minor">
+        <a:schemeClr val="tx1"/>
+      </a:fontRef>
+    </dgm:style>
+  </dgm:styleLbl>
+  <dgm:styleLbl name="alignNode1">
+    <dgm:scene3d>
+      <a:camera prst="orthographicFront"/>
+      <a:lightRig rig="threePt" dir="t"/>
+    </dgm:scene3d>
+    <dgm:sp3d/>
+    <dgm:txPr/>
+    <dgm:style>
+      <a:lnRef idx="2">
+        <a:scrgbClr r="0" g="0" b="0"/>
+      </a:lnRef>
+      <a:fillRef idx="1">
+        <a:scrgbClr r="0" g="0" b="0"/>
+      </a:fillRef>
+      <a:effectRef idx="0">
+        <a:scrgbClr r="0" g="0" b="0"/>
+      </a:effectRef>
+      <a:fontRef idx="minor">
+        <a:schemeClr val="lt1"/>
+      </a:fontRef>
+    </dgm:style>
+  </dgm:styleLbl>
+  <dgm:styleLbl name="node1">
+    <dgm:scene3d>
+      <a:camera prst="orthographicFront"/>
+      <a:lightRig rig="threePt" dir="t"/>
+    </dgm:scene3d>
+    <dgm:sp3d/>
+    <dgm:txPr/>
+    <dgm:style>
+      <a:lnRef idx="2">
+        <a:scrgbClr r="0" g="0" b="0"/>
+      </a:lnRef>
+      <a:fillRef idx="1">
+        <a:scrgbClr r="0" g="0" b="0"/>
+      </a:fillRef>
+      <a:effectRef idx="0">
+        <a:scrgbClr r="0" g="0" b="0"/>
+      </a:effectRef>
+      <a:fontRef idx="minor">
+        <a:schemeClr val="lt1"/>
+      </a:fontRef>
+    </dgm:style>
+  </dgm:styleLbl>
+  <dgm:styleLbl name="node2">
+    <dgm:scene3d>
+      <a:camera prst="orthographicFront"/>
+      <a:lightRig rig="threePt" dir="t"/>
+    </dgm:scene3d>
+    <dgm:sp3d/>
+    <dgm:txPr/>
+    <dgm:style>
+      <a:lnRef idx="2">
+        <a:scrgbClr r="0" g="0" b="0"/>
+      </a:lnRef>
+      <a:fillRef idx="1">
+        <a:scrgbClr r="0" g="0" b="0"/>
+      </a:fillRef>
+      <a:effectRef idx="0">
+        <a:scrgbClr r="0" g="0" b="0"/>
+      </a:effectRef>
+      <a:fontRef idx="minor">
+        <a:schemeClr val="lt1"/>
+      </a:fontRef>
+    </dgm:style>
+  </dgm:styleLbl>
+  <dgm:styleLbl name="node3">
+    <dgm:scene3d>
+      <a:camera prst="orthographicFront"/>
+      <a:lightRig rig="threePt" dir="t"/>
+    </dgm:scene3d>
+    <dgm:sp3d/>
+    <dgm:txPr/>
+    <dgm:style>
+      <a:lnRef idx="2">
+        <a:scrgbClr r="0" g="0" b="0"/>
+      </a:lnRef>
+      <a:fillRef idx="1">
+        <a:scrgbClr r="0" g="0" b="0"/>
+      </a:fillRef>
+      <a:effectRef idx="0">
+        <a:scrgbClr r="0" g="0" b="0"/>
+      </a:effectRef>
+      <a:fontRef idx="minor">
+        <a:schemeClr val="lt1"/>
+      </a:fontRef>
+    </dgm:style>
+  </dgm:styleLbl>
+  <dgm:styleLbl name="node4">
+    <dgm:scene3d>
+      <a:camera prst="orthographicFront"/>
+      <a:lightRig rig="threePt" dir="t"/>
+    </dgm:scene3d>
+    <dgm:sp3d/>
+    <dgm:txPr/>
+    <dgm:style>
+      <a:lnRef idx="2">
+        <a:scrgbClr r="0" g="0" b="0"/>
+      </a:lnRef>
+      <a:fillRef idx="1">
+        <a:scrgbClr r="0" g="0" b="0"/>
+      </a:fillRef>
+      <a:effectRef idx="0">
+        <a:scrgbClr r="0" g="0" b="0"/>
+      </a:effectRef>
+      <a:fontRef idx="minor">
+        <a:schemeClr val="lt1"/>
+      </a:fontRef>
+    </dgm:style>
+  </dgm:styleLbl>
+  <dgm:styleLbl name="fgImgPlace1">
+    <dgm:scene3d>
+      <a:camera prst="orthographicFront"/>
+      <a:lightRig rig="threePt" dir="t"/>
+    </dgm:scene3d>
+    <dgm:sp3d/>
+    <dgm:txPr/>
+    <dgm:style>
+      <a:lnRef idx="2">
+        <a:scrgbClr r="0" g="0" b="0"/>
+      </a:lnRef>
+      <a:fillRef idx="1">
+        <a:scrgbClr r="0" g="0" b="0"/>
+      </a:fillRef>
+      <a:effectRef idx="0">
+        <a:scrgbClr r="0" g="0" b="0"/>
+      </a:effectRef>
+      <a:fontRef idx="minor"/>
+    </dgm:style>
+  </dgm:styleLbl>
+  <dgm:styleLbl name="alignImgPlace1">
+    <dgm:scene3d>
+      <a:camera prst="orthographicFront"/>
+      <a:lightRig rig="threePt" dir="t"/>
+    </dgm:scene3d>
+    <dgm:sp3d/>
+    <dgm:txPr/>
+    <dgm:style>
+      <a:lnRef idx="2">
+        <a:scrgbClr r="0" g="0" b="0"/>
+      </a:lnRef>
+      <a:fillRef idx="1">
+        <a:scrgbClr r="0" g="0" b="0"/>
+      </a:fillRef>
+      <a:effectRef idx="0">
+        <a:scrgbClr r="0" g="0" b="0"/>
+      </a:effectRef>
+      <a:fontRef idx="minor"/>
+    </dgm:style>
+  </dgm:styleLbl>
+  <dgm:styleLbl name="bgImgPlace1">
+    <dgm:scene3d>
+      <a:camera prst="orthographicFront"/>
+      <a:lightRig rig="threePt" dir="t"/>
+    </dgm:scene3d>
+    <dgm:sp3d/>
+    <dgm:txPr/>
+    <dgm:style>
+      <a:lnRef idx="2">
+        <a:scrgbClr r="0" g="0" b="0"/>
+      </a:lnRef>
+      <a:fillRef idx="1">
+        <a:scrgbClr r="0" g="0" b="0"/>
+      </a:fillRef>
+      <a:effectRef idx="0">
+        <a:scrgbClr r="0" g="0" b="0"/>
+      </a:effectRef>
+      <a:fontRef idx="minor"/>
+    </dgm:style>
+  </dgm:styleLbl>
+  <dgm:styleLbl name="sibTrans2D1">
+    <dgm:scene3d>
+      <a:camera prst="orthographicFront"/>
+      <a:lightRig rig="threePt" dir="t"/>
+    </dgm:scene3d>
+    <dgm:sp3d/>
+    <dgm:txPr/>
+    <dgm:style>
+      <a:lnRef idx="0">
+        <a:scrgbClr r="0" g="0" b="0"/>
+      </a:lnRef>
+      <a:fillRef idx="1">
+        <a:scrgbClr r="0" g="0" b="0"/>
+      </a:fillRef>
+      <a:effectRef idx="0">
+        <a:scrgbClr r="0" g="0" b="0"/>
+      </a:effectRef>
+      <a:fontRef idx="minor">
+        <a:schemeClr val="lt1"/>
+      </a:fontRef>
+    </dgm:style>
+  </dgm:styleLbl>
+  <dgm:styleLbl name="fgSibTrans2D1">
+    <dgm:scene3d>
+      <a:camera prst="orthographicFront"/>
+      <a:lightRig rig="threePt" dir="t"/>
+    </dgm:scene3d>
+    <dgm:sp3d/>
+    <dgm:txPr/>
+    <dgm:style>
+      <a:lnRef idx="0">
+        <a:scrgbClr r="0" g="0" b="0"/>
+      </a:lnRef>
+      <a:fillRef idx="1">
+        <a:scrgbClr r="0" g="0" b="0"/>
+      </a:fillRef>
+      <a:effectRef idx="0">
+        <a:scrgbClr r="0" g="0" b="0"/>
+      </a:effectRef>
+      <a:fontRef idx="minor">
+        <a:schemeClr val="lt1"/>
+      </a:fontRef>
+    </dgm:style>
+  </dgm:styleLbl>
+  <dgm:styleLbl name="bgSibTrans2D1">
+    <dgm:scene3d>
+      <a:camera prst="orthographicFront"/>
+      <a:lightRig rig="threePt" dir="t"/>
+    </dgm:scene3d>
+    <dgm:sp3d/>
+    <dgm:txPr/>
+    <dgm:style>
+      <a:lnRef idx="0">
+        <a:scrgbClr r="0" g="0" b="0"/>
+      </a:lnRef>
+      <a:fillRef idx="1">
+        <a:scrgbClr r="0" g="0" b="0"/>
+      </a:fillRef>
+      <a:effectRef idx="0">
+        <a:scrgbClr r="0" g="0" b="0"/>
+      </a:effectRef>
+      <a:fontRef idx="minor">
+        <a:schemeClr val="lt1"/>
+      </a:fontRef>
+    </dgm:style>
+  </dgm:styleLbl>
+  <dgm:styleLbl name="sibTrans1D1">
+    <dgm:scene3d>
+      <a:camera prst="orthographicFront"/>
+      <a:lightRig rig="threePt" dir="t"/>
+    </dgm:scene3d>
+    <dgm:sp3d/>
+    <dgm:txPr/>
+    <dgm:style>
+      <a:lnRef idx="1">
+        <a:scrgbClr r="0" g="0" b="0"/>
+      </a:lnRef>
+      <a:fillRef idx="0">
+        <a:scrgbClr r="0" g="0" b="0"/>
+      </a:fillRef>
+      <a:effectRef idx="0">
+        <a:scrgbClr r="0" g="0" b="0"/>
+      </a:effectRef>
+      <a:fontRef idx="minor"/>
+    </dgm:style>
+  </dgm:styleLbl>
+  <dgm:styleLbl name="callout">
+    <dgm:scene3d>
+      <a:camera prst="orthographicFront"/>
+      <a:lightRig rig="threePt" dir="t"/>
+    </dgm:scene3d>
+    <dgm:sp3d/>
+    <dgm:txPr/>
+    <dgm:style>
+      <a:lnRef idx="2">
+        <a:scrgbClr r="0" g="0" b="0"/>
+      </a:lnRef>
+      <a:fillRef idx="1">
+        <a:scrgbClr r="0" g="0" b="0"/>
+      </a:fillRef>
+      <a:effectRef idx="0">
+        <a:scrgbClr r="0" g="0" b="0"/>
+      </a:effectRef>
+      <a:fontRef idx="minor"/>
+    </dgm:style>
+  </dgm:styleLbl>
+  <dgm:styleLbl name="asst0">
+    <dgm:scene3d>
+      <a:camera prst="orthographicFront"/>
+      <a:lightRig rig="threePt" dir="t"/>
+    </dgm:scene3d>
+    <dgm:sp3d/>
+    <dgm:txPr/>
+    <dgm:style>
+      <a:lnRef idx="2">
+        <a:scrgbClr r="0" g="0" b="0"/>
+      </a:lnRef>
+      <a:fillRef idx="1">
+        <a:scrgbClr r="0" g="0" b="0"/>
+      </a:fillRef>
+      <a:effectRef idx="0">
+        <a:scrgbClr r="0" g="0" b="0"/>
+      </a:effectRef>
+      <a:fontRef idx="minor">
+        <a:schemeClr val="lt1"/>
+      </a:fontRef>
+    </dgm:style>
+  </dgm:styleLbl>
+  <dgm:styleLbl name="asst1">
+    <dgm:scene3d>
+      <a:camera prst="orthographicFront"/>
+      <a:lightRig rig="threePt" dir="t"/>
+    </dgm:scene3d>
+    <dgm:sp3d/>
+    <dgm:txPr/>
+    <dgm:style>
+      <a:lnRef idx="2">
+        <a:scrgbClr r="0" g="0" b="0"/>
+      </a:lnRef>
+      <a:fillRef idx="1">
+        <a:scrgbClr r="0" g="0" b="0"/>
+      </a:fillRef>
+      <a:effectRef idx="0">
+        <a:scrgbClr r="0" g="0" b="0"/>
+      </a:effectRef>
+      <a:fontRef idx="minor">
+        <a:schemeClr val="lt1"/>
+      </a:fontRef>
+    </dgm:style>
+  </dgm:styleLbl>
+  <dgm:styleLbl name="asst2">
+    <dgm:scene3d>
+      <a:camera prst="orthographicFront"/>
+      <a:lightRig rig="threePt" dir="t"/>
+    </dgm:scene3d>
+    <dgm:sp3d/>
+    <dgm:txPr/>
+    <dgm:style>
+      <a:lnRef idx="2">
+        <a:scrgbClr r="0" g="0" b="0"/>
+      </a:lnRef>
+      <a:fillRef idx="1">
+        <a:scrgbClr r="0" g="0" b="0"/>
+      </a:fillRef>
+      <a:effectRef idx="0">
+        <a:scrgbClr r="0" g="0" b="0"/>
+      </a:effectRef>
+      <a:fontRef idx="minor">
+        <a:schemeClr val="lt1"/>
+      </a:fontRef>
+    </dgm:style>
+  </dgm:styleLbl>
+  <dgm:styleLbl name="asst3">
+    <dgm:scene3d>
+      <a:camera prst="orthographicFront"/>
+      <a:lightRig rig="threePt" dir="t"/>
+    </dgm:scene3d>
+    <dgm:sp3d/>
+    <dgm:txPr/>
+    <dgm:style>
+      <a:lnRef idx="2">
+        <a:scrgbClr r="0" g="0" b="0"/>
+      </a:lnRef>
+      <a:fillRef idx="1">
+        <a:scrgbClr r="0" g="0" b="0"/>
+      </a:fillRef>
+      <a:effectRef idx="0">
+        <a:scrgbClr r="0" g="0" b="0"/>
+      </a:effectRef>
+      <a:fontRef idx="minor">
+        <a:schemeClr val="lt1"/>
+      </a:fontRef>
+    </dgm:style>
+  </dgm:styleLbl>
+  <dgm:styleLbl name="asst4">
+    <dgm:scene3d>
+      <a:camera prst="orthographicFront"/>
+      <a:lightRig rig="threePt" dir="t"/>
+    </dgm:scene3d>
+    <dgm:sp3d/>
+    <dgm:txPr/>
+    <dgm:style>
+      <a:lnRef idx="2">
+        <a:scrgbClr r="0" g="0" b="0"/>
+      </a:lnRef>
+      <a:fillRef idx="1">
+        <a:scrgbClr r="0" g="0" b="0"/>
+      </a:fillRef>
+      <a:effectRef idx="0">
+        <a:scrgbClr r="0" g="0" b="0"/>
+      </a:effectRef>
+      <a:fontRef idx="minor">
+        <a:schemeClr val="lt1"/>
+      </a:fontRef>
+    </dgm:style>
+  </dgm:styleLbl>
+  <dgm:styleLbl name="parChTrans2D1">
+    <dgm:scene3d>
+      <a:camera prst="orthographicFront"/>
+      <a:lightRig rig="threePt" dir="t"/>
+    </dgm:scene3d>
+    <dgm:sp3d/>
+    <dgm:txPr/>
+    <dgm:style>
+      <a:lnRef idx="2">
+        <a:scrgbClr r="0" g="0" b="0"/>
+      </a:lnRef>
+      <a:fillRef idx="1">
+        <a:scrgbClr r="0" g="0" b="0"/>
+      </a:fillRef>
+      <a:effectRef idx="0">
+        <a:scrgbClr r="0" g="0" b="0"/>
+      </a:effectRef>
+      <a:fontRef idx="minor">
+        <a:schemeClr val="lt1"/>
+      </a:fontRef>
+    </dgm:style>
+  </dgm:styleLbl>
+  <dgm:styleLbl name="parChTrans2D2">
+    <dgm:scene3d>
+      <a:camera prst="orthographicFront"/>
+      <a:lightRig rig="threePt" dir="t"/>
+    </dgm:scene3d>
+    <dgm:sp3d/>
+    <dgm:txPr/>
+    <dgm:style>
+      <a:lnRef idx="2">
+        <a:scrgbClr r="0" g="0" b="0"/>
+      </a:lnRef>
+      <a:fillRef idx="1">
+        <a:scrgbClr r="0" g="0" b="0"/>
+      </a:fillRef>
+      <a:effectRef idx="0">
+        <a:scrgbClr r="0" g="0" b="0"/>
+      </a:effectRef>
+      <a:fontRef idx="minor">
+        <a:schemeClr val="lt1"/>
+      </a:fontRef>
+    </dgm:style>
+  </dgm:styleLbl>
+  <dgm:styleLbl name="parChTrans2D3">
+    <dgm:scene3d>
+      <a:camera prst="orthographicFront"/>
+      <a:lightRig rig="threePt" dir="t"/>
+    </dgm:scene3d>
+    <dgm:sp3d/>
+    <dgm:txPr/>
+    <dgm:style>
+      <a:lnRef idx="2">
+        <a:scrgbClr r="0" g="0" b="0"/>
+      </a:lnRef>
+      <a:fillRef idx="1">
+        <a:scrgbClr r="0" g="0" b="0"/>
+      </a:fillRef>
+      <a:effectRef idx="0">
+        <a:scrgbClr r="0" g="0" b="0"/>
+      </a:effectRef>
+      <a:fontRef idx="minor">
+        <a:schemeClr val="lt1"/>
+      </a:fontRef>
+    </dgm:style>
+  </dgm:styleLbl>
+  <dgm:styleLbl name="parChTrans2D4">
+    <dgm:scene3d>
+      <a:camera prst="orthographicFront"/>
+      <a:lightRig rig="threePt" dir="t"/>
+    </dgm:scene3d>
+    <dgm:sp3d/>
+    <dgm:txPr/>
+    <dgm:style>
+      <a:lnRef idx="2">
+        <a:scrgbClr r="0" g="0" b="0"/>
+      </a:lnRef>
+      <a:fillRef idx="1">
+        <a:scrgbClr r="0" g="0" b="0"/>
+      </a:fillRef>
+      <a:effectRef idx="0">
+        <a:scrgbClr r="0" g="0" b="0"/>
+      </a:effectRef>
+      <a:fontRef idx="minor">
+        <a:schemeClr val="lt1"/>
+      </a:fontRef>
+    </dgm:style>
+  </dgm:styleLbl>
+  <dgm:styleLbl name="parChTrans1D1">
+    <dgm:scene3d>
+      <a:camera prst="orthographicFront"/>
+      <a:lightRig rig="threePt" dir="t"/>
+    </dgm:scene3d>
+    <dgm:sp3d/>
+    <dgm:txPr/>
+    <dgm:style>
+      <a:lnRef idx="2">
+        <a:scrgbClr r="0" g="0" b="0"/>
+      </a:lnRef>
+      <a:fillRef idx="0">
+        <a:scrgbClr r="0" g="0" b="0"/>
+      </a:fillRef>
+      <a:effectRef idx="0">
+        <a:scrgbClr r="0" g="0" b="0"/>
+      </a:effectRef>
+      <a:fontRef idx="minor"/>
+    </dgm:style>
+  </dgm:styleLbl>
+  <dgm:styleLbl name="parChTrans1D2">
+    <dgm:scene3d>
+      <a:camera prst="orthographicFront"/>
+      <a:lightRig rig="threePt" dir="t"/>
+    </dgm:scene3d>
+    <dgm:sp3d/>
+    <dgm:txPr/>
+    <dgm:style>
+      <a:lnRef idx="2">
+        <a:scrgbClr r="0" g="0" b="0"/>
+      </a:lnRef>
+      <a:fillRef idx="0">
+        <a:scrgbClr r="0" g="0" b="0"/>
+      </a:fillRef>
+      <a:effectRef idx="0">
+        <a:scrgbClr r="0" g="0" b="0"/>
+      </a:effectRef>
+      <a:fontRef idx="minor"/>
+    </dgm:style>
+  </dgm:styleLbl>
+  <dgm:styleLbl name="parChTrans1D3">
+    <dgm:scene3d>
+      <a:camera prst="orthographicFront"/>
+      <a:lightRig rig="threePt" dir="t"/>
+    </dgm:scene3d>
+    <dgm:sp3d/>
+    <dgm:txPr/>
+    <dgm:style>
+      <a:lnRef idx="2">
+        <a:scrgbClr r="0" g="0" b="0"/>
+      </a:lnRef>
+      <a:fillRef idx="0">
+        <a:scrgbClr r="0" g="0" b="0"/>
+      </a:fillRef>
+      <a:effectRef idx="0">
+        <a:scrgbClr r="0" g="0" b="0"/>
+      </a:effectRef>
+      <a:fontRef idx="minor"/>
+    </dgm:style>
+  </dgm:styleLbl>
+  <dgm:styleLbl name="parChTrans1D4">
+    <dgm:scene3d>
+      <a:camera prst="orthographicFront"/>
+      <a:lightRig rig="threePt" dir="t"/>
+    </dgm:scene3d>
+    <dgm:sp3d/>
+    <dgm:txPr/>
+    <dgm:style>
+      <a:lnRef idx="2">
+        <a:scrgbClr r="0" g="0" b="0"/>
+      </a:lnRef>
+      <a:fillRef idx="0">
+        <a:scrgbClr r="0" g="0" b="0"/>
+      </a:fillRef>
+      <a:effectRef idx="0">
+        <a:scrgbClr r="0" g="0" b="0"/>
+      </a:effectRef>
+      <a:fontRef idx="minor"/>
+    </dgm:style>
+  </dgm:styleLbl>
+  <dgm:styleLbl name="fgAcc1">
+    <dgm:scene3d>
+      <a:camera prst="orthographicFront"/>
+      <a:lightRig rig="threePt" dir="t"/>
+    </dgm:scene3d>
+    <dgm:sp3d/>
+    <dgm:txPr/>
+    <dgm:style>
+      <a:lnRef idx="2">
+        <a:scrgbClr r="0" g="0" b="0"/>
+      </a:lnRef>
+      <a:fillRef idx="1">
+        <a:scrgbClr r="0" g="0" b="0"/>
+      </a:fillRef>
+      <a:effectRef idx="0">
+        <a:scrgbClr r="0" g="0" b="0"/>
+      </a:effectRef>
+      <a:fontRef idx="minor"/>
+    </dgm:style>
+  </dgm:styleLbl>
+  <dgm:styleLbl name="conFgAcc1">
+    <dgm:scene3d>
+      <a:camera prst="orthographicFront"/>
+      <a:lightRig rig="threePt" dir="t"/>
+    </dgm:scene3d>
+    <dgm:sp3d/>
+    <dgm:txPr/>
+    <dgm:style>
+      <a:lnRef idx="2">
+        <a:scrgbClr r="0" g="0" b="0"/>
+      </a:lnRef>
+      <a:fillRef idx="1">
+        <a:scrgbClr r="0" g="0" b="0"/>
+      </a:fillRef>
+      <a:effectRef idx="0">
+        <a:scrgbClr r="0" g="0" b="0"/>
+      </a:effectRef>
+      <a:fontRef idx="minor"/>
+    </dgm:style>
+  </dgm:styleLbl>
+  <dgm:styleLbl name="alignAcc1">
+    <dgm:scene3d>
+      <a:camera prst="orthographicFront"/>
+      <a:lightRig rig="threePt" dir="t"/>
+    </dgm:scene3d>
+    <dgm:sp3d/>
+    <dgm:txPr/>
+    <dgm:style>
+      <a:lnRef idx="2">
+        <a:scrgbClr r="0" g="0" b="0"/>
+      </a:lnRef>
+      <a:fillRef idx="1">
+        <a:scrgbClr r="0" g="0" b="0"/>
+      </a:fillRef>
+      <a:effectRef idx="0">
+        <a:scrgbClr r="0" g="0" b="0"/>
+      </a:effectRef>
+      <a:fontRef idx="minor"/>
+    </dgm:style>
+  </dgm:styleLbl>
+  <dgm:styleLbl name="trAlignAcc1">
+    <dgm:scene3d>
+      <a:camera prst="orthographicFront"/>
+      <a:lightRig rig="threePt" dir="t"/>
+    </dgm:scene3d>
+    <dgm:sp3d/>
+    <dgm:txPr/>
+    <dgm:style>
+      <a:lnRef idx="1">
+        <a:scrgbClr r="0" g="0" b="0"/>
+      </a:lnRef>
+      <a:fillRef idx="1">
+        <a:scrgbClr r="0" g="0" b="0"/>
+      </a:fillRef>
+      <a:effectRef idx="0">
+        <a:scrgbClr r="0" g="0" b="0"/>
+      </a:effectRef>
+      <a:fontRef idx="minor"/>
+    </dgm:style>
+  </dgm:styleLbl>
+  <dgm:styleLbl name="bgAcc1">
+    <dgm:scene3d>
+      <a:camera prst="orthographicFront"/>
+      <a:lightRig rig="threePt" dir="t"/>
+    </dgm:scene3d>
+    <dgm:sp3d/>
+    <dgm:txPr/>
+    <dgm:style>
+      <a:lnRef idx="2">
+        <a:scrgbClr r="0" g="0" b="0"/>
+      </a:lnRef>
+      <a:fillRef idx="1">
+        <a:scrgbClr r="0" g="0" b="0"/>
+      </a:fillRef>
+      <a:effectRef idx="0">
+        <a:scrgbClr r="0" g="0" b="0"/>
+      </a:effectRef>
+      <a:fontRef idx="minor"/>
+    </dgm:style>
+  </dgm:styleLbl>
+  <dgm:styleLbl name="solidFgAcc1">
+    <dgm:scene3d>
+      <a:camera prst="orthographicFront"/>
+      <a:lightRig rig="threePt" dir="t"/>
+    </dgm:scene3d>
+    <dgm:sp3d/>
+    <dgm:txPr/>
+    <dgm:style>
+      <a:lnRef idx="2">
+        <a:scrgbClr r="0" g="0" b="0"/>
+      </a:lnRef>
+      <a:fillRef idx="1">
+        <a:scrgbClr r="0" g="0" b="0"/>
+      </a:fillRef>
+      <a:effectRef idx="0">
+        <a:scrgbClr r="0" g="0" b="0"/>
+      </a:effectRef>
+      <a:fontRef idx="minor"/>
+    </dgm:style>
+  </dgm:styleLbl>
+  <dgm:styleLbl name="solidAlignAcc1">
+    <dgm:scene3d>
+      <a:camera prst="orthographicFront"/>
+      <a:lightRig rig="threePt" dir="t"/>
+    </dgm:scene3d>
+    <dgm:sp3d/>
+    <dgm:txPr/>
+    <dgm:style>
+      <a:lnRef idx="2">
+        <a:scrgbClr r="0" g="0" b="0"/>
+      </a:lnRef>
+      <a:fillRef idx="1">
+        <a:scrgbClr r="0" g="0" b="0"/>
+      </a:fillRef>
+      <a:effectRef idx="0">
+        <a:scrgbClr r="0" g="0" b="0"/>
+      </a:effectRef>
+      <a:fontRef idx="minor"/>
+    </dgm:style>
+  </dgm:styleLbl>
+  <dgm:styleLbl name="solidBgAcc1">
+    <dgm:scene3d>
+      <a:camera prst="orthographicFront"/>
+      <a:lightRig rig="threePt" dir="t"/>
+    </dgm:scene3d>
+    <dgm:sp3d/>
+    <dgm:txPr/>
+    <dgm:style>
+      <a:lnRef idx="2">
+        <a:scrgbClr r="0" g="0" b="0"/>
+      </a:lnRef>
+      <a:fillRef idx="1">
+        <a:scrgbClr r="0" g="0" b="0"/>
+      </a:fillRef>
+      <a:effectRef idx="0">
+        <a:scrgbClr r="0" g="0" b="0"/>
+      </a:effectRef>
+      <a:fontRef idx="minor"/>
+    </dgm:style>
+  </dgm:styleLbl>
+  <dgm:styleLbl name="fgAccFollowNode1">
+    <dgm:scene3d>
+      <a:camera prst="orthographicFront"/>
+      <a:lightRig rig="threePt" dir="t"/>
+    </dgm:scene3d>
+    <dgm:sp3d/>
+    <dgm:txPr/>
+    <dgm:style>
+      <a:lnRef idx="2">
+        <a:scrgbClr r="0" g="0" b="0"/>
+      </a:lnRef>
+      <a:fillRef idx="1">
+        <a:scrgbClr r="0" g="0" b="0"/>
+      </a:fillRef>
+      <a:effectRef idx="0">
+        <a:scrgbClr r="0" g="0" b="0"/>
+      </a:effectRef>
+      <a:fontRef idx="minor"/>
+    </dgm:style>
+  </dgm:styleLbl>
+  <dgm:styleLbl name="alignAccFollowNode1">
+    <dgm:scene3d>
+      <a:camera prst="orthographicFront"/>
+      <a:lightRig rig="threePt" dir="t"/>
+    </dgm:scene3d>
+    <dgm:sp3d/>
+    <dgm:txPr/>
+    <dgm:style>
+      <a:lnRef idx="2">
+        <a:scrgbClr r="0" g="0" b="0"/>
+      </a:lnRef>
+      <a:fillRef idx="1">
+        <a:scrgbClr r="0" g="0" b="0"/>
+      </a:fillRef>
+      <a:effectRef idx="0">
+        <a:scrgbClr r="0" g="0" b="0"/>
+      </a:effectRef>
+      <a:fontRef idx="minor"/>
+    </dgm:style>
+  </dgm:styleLbl>
+  <dgm:styleLbl name="bgAccFollowNode1">
+    <dgm:scene3d>
+      <a:camera prst="orthographicFront"/>
+      <a:lightRig rig="threePt" dir="t"/>
+    </dgm:scene3d>
+    <dgm:sp3d/>
+    <dgm:txPr/>
+    <dgm:style>
+      <a:lnRef idx="2">
+        <a:scrgbClr r="0" g="0" b="0"/>
+      </a:lnRef>
+      <a:fillRef idx="1">
+        <a:scrgbClr r="0" g="0" b="0"/>
+      </a:fillRef>
+      <a:effectRef idx="0">
+        <a:scrgbClr r="0" g="0" b="0"/>
+      </a:effectRef>
+      <a:fontRef idx="minor"/>
+    </dgm:style>
+  </dgm:styleLbl>
+  <dgm:styleLbl name="fgAcc0">
+    <dgm:scene3d>
+      <a:camera prst="orthographicFront"/>
+      <a:lightRig rig="threePt" dir="t"/>
+    </dgm:scene3d>
+    <dgm:sp3d/>
+    <dgm:txPr/>
+    <dgm:style>
+      <a:lnRef idx="2">
+        <a:scrgbClr r="0" g="0" b="0"/>
+      </a:lnRef>
+      <a:fillRef idx="1">
+        <a:scrgbClr r="0" g="0" b="0"/>
+      </a:fillRef>
+      <a:effectRef idx="0">
+        <a:scrgbClr r="0" g="0" b="0"/>
+      </a:effectRef>
+      <a:fontRef idx="minor"/>
+    </dgm:style>
+  </dgm:styleLbl>
+  <dgm:styleLbl name="fgAcc2">
+    <dgm:scene3d>
+      <a:camera prst="orthographicFront"/>
+      <a:lightRig rig="threePt" dir="t"/>
+    </dgm:scene3d>
+    <dgm:sp3d/>
+    <dgm:txPr/>
+    <dgm:style>
+      <a:lnRef idx="2">
+        <a:scrgbClr r="0" g="0" b="0"/>
+      </a:lnRef>
+      <a:fillRef idx="1">
+        <a:scrgbClr r="0" g="0" b="0"/>
+      </a:fillRef>
+      <a:effectRef idx="0">
+        <a:scrgbClr r="0" g="0" b="0"/>
+      </a:effectRef>
+      <a:fontRef idx="minor"/>
+    </dgm:style>
+  </dgm:styleLbl>
+  <dgm:styleLbl name="fgAcc3">
+    <dgm:scene3d>
+      <a:camera prst="orthographicFront"/>
+      <a:lightRig rig="threePt" dir="t"/>
+    </dgm:scene3d>
+    <dgm:sp3d/>
+    <dgm:txPr/>
+    <dgm:style>
+      <a:lnRef idx="2">
+        <a:scrgbClr r="0" g="0" b="0"/>
+      </a:lnRef>
+      <a:fillRef idx="1">
+        <a:scrgbClr r="0" g="0" b="0"/>
+      </a:fillRef>
+      <a:effectRef idx="0">
+        <a:scrgbClr r="0" g="0" b="0"/>
+      </a:effectRef>
+      <a:fontRef idx="minor"/>
+    </dgm:style>
+  </dgm:styleLbl>
+  <dgm:styleLbl name="fgAcc4">
+    <dgm:scene3d>
+      <a:camera prst="orthographicFront"/>
+      <a:lightRig rig="threePt" dir="t"/>
+    </dgm:scene3d>
+    <dgm:sp3d/>
+    <dgm:txPr/>
+    <dgm:style>
+      <a:lnRef idx="2">
+        <a:scrgbClr r="0" g="0" b="0"/>
+      </a:lnRef>
+      <a:fillRef idx="1">
+        <a:scrgbClr r="0" g="0" b="0"/>
+      </a:fillRef>
+      <a:effectRef idx="0">
+        <a:scrgbClr r="0" g="0" b="0"/>
+      </a:effectRef>
+      <a:fontRef idx="minor"/>
+    </dgm:style>
+  </dgm:styleLbl>
+  <dgm:styleLbl name="bgShp">
+    <dgm:scene3d>
+      <a:camera prst="orthographicFront"/>
+      <a:lightRig rig="threePt" dir="t"/>
+    </dgm:scene3d>
+    <dgm:sp3d/>
+    <dgm:txPr/>
+    <dgm:style>
+      <a:lnRef idx="0">
+        <a:scrgbClr r="0" g="0" b="0"/>
+      </a:lnRef>
+      <a:fillRef idx="1">
+        <a:scrgbClr r="0" g="0" b="0"/>
+      </a:fillRef>
+      <a:effectRef idx="0">
+        <a:scrgbClr r="0" g="0" b="0"/>
+      </a:effectRef>
+      <a:fontRef idx="minor"/>
+    </dgm:style>
+  </dgm:styleLbl>
+  <dgm:styleLbl name="dkBgShp">
+    <dgm:scene3d>
+      <a:camera prst="orthographicFront"/>
+      <a:lightRig rig="threePt" dir="t"/>
+    </dgm:scene3d>
+    <dgm:sp3d/>
+    <dgm:txPr/>
+    <dgm:style>
+      <a:lnRef idx="0">
+        <a:scrgbClr r="0" g="0" b="0"/>
+      </a:lnRef>
+      <a:fillRef idx="1">
+        <a:scrgbClr r="0" g="0" b="0"/>
+      </a:fillRef>
+      <a:effectRef idx="0">
+        <a:scrgbClr r="0" g="0" b="0"/>
+      </a:effectRef>
+      <a:fontRef idx="minor"/>
+    </dgm:style>
+  </dgm:styleLbl>
+  <dgm:styleLbl name="trBgShp">
+    <dgm:scene3d>
+      <a:camera prst="orthographicFront"/>
+      <a:lightRig rig="threePt" dir="t"/>
+    </dgm:scene3d>
+    <dgm:sp3d/>
+    <dgm:txPr/>
+    <dgm:style>
+      <a:lnRef idx="0">
+        <a:scrgbClr r="0" g="0" b="0"/>
+      </a:lnRef>
+      <a:fillRef idx="1">
+        <a:scrgbClr r="0" g="0" b="0"/>
+      </a:fillRef>
+      <a:effectRef idx="0">
+        <a:scrgbClr r="0" g="0" b="0"/>
+      </a:effectRef>
+      <a:fontRef idx="minor"/>
+    </dgm:style>
+  </dgm:styleLbl>
+  <dgm:styleLbl name="fgShp">
+    <dgm:scene3d>
+      <a:camera prst="orthographicFront"/>
+      <a:lightRig rig="threePt" dir="t"/>
+    </dgm:scene3d>
+    <dgm:sp3d/>
+    <dgm:txPr/>
+    <dgm:style>
+      <a:lnRef idx="2">
+        <a:scrgbClr r="0" g="0" b="0"/>
+      </a:lnRef>
+      <a:fillRef idx="1">
+        <a:scrgbClr r="0" g="0" b="0"/>
+      </a:fillRef>
+      <a:effectRef idx="0">
+        <a:scrgbClr r="0" g="0" b="0"/>
+      </a:effectRef>
+      <a:fontRef idx="minor"/>
+    </dgm:style>
+  </dgm:styleLbl>
+  <dgm:styleLbl name="revTx">
+    <dgm:scene3d>
+      <a:camera prst="orthographicFront"/>
+      <a:lightRig rig="threePt" dir="t"/>
+    </dgm:scene3d>
+    <dgm:sp3d/>
+    <dgm:txPr/>
+    <dgm:style>
+      <a:lnRef idx="0">
+        <a:scrgbClr r="0" g="0" b="0"/>
+      </a:lnRef>
+      <a:fillRef idx="0">
+        <a:scrgbClr r="0" g="0" b="0"/>
+      </a:fillRef>
+      <a:effectRef idx="0">
+        <a:scrgbClr r="0" g="0" b="0"/>
+      </a:effectRef>
+      <a:fontRef idx="minor"/>
+    </dgm:style>
+  </dgm:styleLbl>
+</dgm:styleDef>
+</file>
+
 <file path=ppt/notesMasters/notesMaster1.xml><?xml version="1.0" encoding="utf-8"?>
 <p:notesMaster xmlns:a="http://schemas.openxmlformats.org/drawingml/2006/main" xmlns:r="http://schemas.openxmlformats.org/officeDocument/2006/relationships" xmlns:p="http://schemas.openxmlformats.org/presentationml/2006/main">
   <p:cSld>
@@ -1318,7 +4793,219 @@
     </p:spTree>
     <p:extLst>
       <p:ext uri="{BB962C8B-B14F-4D97-AF65-F5344CB8AC3E}">
+        <p14:creationId xmlns:p14="http://schemas.microsoft.com/office/powerpoint/2010/main" val="2563675895"/>
+      </p:ext>
+    </p:extLst>
+  </p:cSld>
+  <p:clrMapOvr>
+    <a:masterClrMapping/>
+  </p:clrMapOvr>
+</p:notes>
+</file>
+
+<file path=ppt/notesSlides/notesSlide3.xml><?xml version="1.0" encoding="utf-8"?>
+<p:notes xmlns:a="http://schemas.openxmlformats.org/drawingml/2006/main" xmlns:r="http://schemas.openxmlformats.org/officeDocument/2006/relationships" xmlns:p="http://schemas.openxmlformats.org/presentationml/2006/main" showMasterSp="0" showMasterPhAnim="0">
+  <p:cSld>
+    <p:spTree>
+      <p:nvGrpSpPr>
+        <p:cNvPr id="1" name="Shape 389"/>
+        <p:cNvGrpSpPr/>
+        <p:nvPr/>
+      </p:nvGrpSpPr>
+      <p:grpSpPr>
+        <a:xfrm>
+          <a:off x="0" y="0"/>
+          <a:ext cx="0" cy="0"/>
+          <a:chOff x="0" y="0"/>
+          <a:chExt cx="0" cy="0"/>
+        </a:xfrm>
+      </p:grpSpPr>
+      <p:sp>
+        <p:nvSpPr>
+          <p:cNvPr id="390" name="Shape 390"/>
+          <p:cNvSpPr txBox="1">
+            <a:spLocks noGrp="1"/>
+          </p:cNvSpPr>
+          <p:nvPr>
+            <p:ph type="body" idx="1"/>
+          </p:nvPr>
+        </p:nvSpPr>
+        <p:spPr>
+          <a:xfrm>
+            <a:off x="685800" y="4343400"/>
+            <a:ext cx="5486400" cy="4114800"/>
+          </a:xfrm>
+          <a:prstGeom prst="rect">
+            <a:avLst/>
+          </a:prstGeom>
+        </p:spPr>
+        <p:txBody>
+          <a:bodyPr lIns="91425" tIns="91425" rIns="91425" bIns="91425" anchor="t" anchorCtr="0">
+            <a:noAutofit/>
+          </a:bodyPr>
+          <a:lstStyle/>
+          <a:p>
+            <a:pPr lvl="0">
+              <a:spcBef>
+                <a:spcPts val="0"/>
+              </a:spcBef>
+              <a:buNone/>
+            </a:pPr>
+            <a:endParaRPr/>
+          </a:p>
+        </p:txBody>
+      </p:sp>
+      <p:sp>
+        <p:nvSpPr>
+          <p:cNvPr id="391" name="Shape 391"/>
+          <p:cNvSpPr>
+            <a:spLocks noGrp="1" noRot="1" noChangeAspect="1"/>
+          </p:cNvSpPr>
+          <p:nvPr>
+            <p:ph type="sldImg" idx="2"/>
+          </p:nvPr>
+        </p:nvSpPr>
+        <p:spPr>
+          <a:xfrm>
+            <a:off x="1143000" y="685800"/>
+            <a:ext cx="4572000" cy="3429000"/>
+          </a:xfrm>
+          <a:custGeom>
+            <a:avLst/>
+            <a:gdLst/>
+            <a:ahLst/>
+            <a:cxnLst/>
+            <a:rect l="0" t="0" r="0" b="0"/>
+            <a:pathLst>
+              <a:path w="120000" h="120000" extrusionOk="0">
+                <a:moveTo>
+                  <a:pt x="0" y="0"/>
+                </a:moveTo>
+                <a:lnTo>
+                  <a:pt x="120000" y="0"/>
+                </a:lnTo>
+                <a:lnTo>
+                  <a:pt x="120000" y="120000"/>
+                </a:lnTo>
+                <a:lnTo>
+                  <a:pt x="0" y="120000"/>
+                </a:lnTo>
+                <a:close/>
+              </a:path>
+            </a:pathLst>
+          </a:custGeom>
+        </p:spPr>
+      </p:sp>
+    </p:spTree>
+    <p:extLst>
+      <p:ext uri="{BB962C8B-B14F-4D97-AF65-F5344CB8AC3E}">
         <p14:creationId xmlns:p14="http://schemas.microsoft.com/office/powerpoint/2010/main" val="2401736586"/>
+      </p:ext>
+    </p:extLst>
+  </p:cSld>
+  <p:clrMapOvr>
+    <a:masterClrMapping/>
+  </p:clrMapOvr>
+</p:notes>
+</file>
+
+<file path=ppt/notesSlides/notesSlide4.xml><?xml version="1.0" encoding="utf-8"?>
+<p:notes xmlns:a="http://schemas.openxmlformats.org/drawingml/2006/main" xmlns:r="http://schemas.openxmlformats.org/officeDocument/2006/relationships" xmlns:p="http://schemas.openxmlformats.org/presentationml/2006/main" showMasterSp="0" showMasterPhAnim="0">
+  <p:cSld>
+    <p:spTree>
+      <p:nvGrpSpPr>
+        <p:cNvPr id="1" name="Shape 389"/>
+        <p:cNvGrpSpPr/>
+        <p:nvPr/>
+      </p:nvGrpSpPr>
+      <p:grpSpPr>
+        <a:xfrm>
+          <a:off x="0" y="0"/>
+          <a:ext cx="0" cy="0"/>
+          <a:chOff x="0" y="0"/>
+          <a:chExt cx="0" cy="0"/>
+        </a:xfrm>
+      </p:grpSpPr>
+      <p:sp>
+        <p:nvSpPr>
+          <p:cNvPr id="390" name="Shape 390"/>
+          <p:cNvSpPr txBox="1">
+            <a:spLocks noGrp="1"/>
+          </p:cNvSpPr>
+          <p:nvPr>
+            <p:ph type="body" idx="1"/>
+          </p:nvPr>
+        </p:nvSpPr>
+        <p:spPr>
+          <a:xfrm>
+            <a:off x="685800" y="4343400"/>
+            <a:ext cx="5486400" cy="4114800"/>
+          </a:xfrm>
+          <a:prstGeom prst="rect">
+            <a:avLst/>
+          </a:prstGeom>
+        </p:spPr>
+        <p:txBody>
+          <a:bodyPr lIns="91425" tIns="91425" rIns="91425" bIns="91425" anchor="t" anchorCtr="0">
+            <a:noAutofit/>
+          </a:bodyPr>
+          <a:lstStyle/>
+          <a:p>
+            <a:pPr lvl="0">
+              <a:spcBef>
+                <a:spcPts val="0"/>
+              </a:spcBef>
+              <a:buNone/>
+            </a:pPr>
+            <a:endParaRPr/>
+          </a:p>
+        </p:txBody>
+      </p:sp>
+      <p:sp>
+        <p:nvSpPr>
+          <p:cNvPr id="391" name="Shape 391"/>
+          <p:cNvSpPr>
+            <a:spLocks noGrp="1" noRot="1" noChangeAspect="1"/>
+          </p:cNvSpPr>
+          <p:nvPr>
+            <p:ph type="sldImg" idx="2"/>
+          </p:nvPr>
+        </p:nvSpPr>
+        <p:spPr>
+          <a:xfrm>
+            <a:off x="1143000" y="685800"/>
+            <a:ext cx="4572000" cy="3429000"/>
+          </a:xfrm>
+          <a:custGeom>
+            <a:avLst/>
+            <a:gdLst/>
+            <a:ahLst/>
+            <a:cxnLst/>
+            <a:rect l="0" t="0" r="0" b="0"/>
+            <a:pathLst>
+              <a:path w="120000" h="120000" extrusionOk="0">
+                <a:moveTo>
+                  <a:pt x="0" y="0"/>
+                </a:moveTo>
+                <a:lnTo>
+                  <a:pt x="120000" y="0"/>
+                </a:lnTo>
+                <a:lnTo>
+                  <a:pt x="120000" y="120000"/>
+                </a:lnTo>
+                <a:lnTo>
+                  <a:pt x="0" y="120000"/>
+                </a:lnTo>
+                <a:close/>
+              </a:path>
+            </a:pathLst>
+          </a:custGeom>
+        </p:spPr>
+      </p:sp>
+    </p:spTree>
+    <p:extLst>
+      <p:ext uri="{BB962C8B-B14F-4D97-AF65-F5344CB8AC3E}">
+        <p14:creationId xmlns:p14="http://schemas.microsoft.com/office/powerpoint/2010/main" val="2120252523"/>
       </p:ext>
     </p:extLst>
   </p:cSld>
@@ -10104,8 +13791,321 @@
         </p:nvSpPr>
         <p:spPr>
           <a:xfrm>
-            <a:off x="457200" y="1628481"/>
-            <a:ext cx="8229600" cy="4526100"/>
+            <a:off x="2663071" y="2434472"/>
+            <a:ext cx="6094429" cy="3047214"/>
+          </a:xfrm>
+          <a:prstGeom prst="rect">
+            <a:avLst/>
+          </a:prstGeom>
+          <a:noFill/>
+          <a:ln>
+            <a:noFill/>
+          </a:ln>
+        </p:spPr>
+        <p:txBody>
+          <a:bodyPr lIns="91425" tIns="45700" rIns="91425" bIns="45700" anchor="t" anchorCtr="0">
+            <a:noAutofit/>
+          </a:bodyPr>
+          <a:lstStyle/>
+          <a:p>
+            <a:pPr indent="-342900">
+              <a:lnSpc>
+                <a:spcPct val="90000"/>
+              </a:lnSpc>
+              <a:spcBef>
+                <a:spcPts val="0"/>
+              </a:spcBef>
+              <a:buSzPct val="25000"/>
+            </a:pPr>
+            <a:r>
+              <a:rPr lang="es-VE" sz="1850" b="0" i="0" u="none" strike="noStrike" cap="none" dirty="0">
+                <a:solidFill>
+                  <a:schemeClr val="dk1"/>
+                </a:solidFill>
+                <a:latin typeface="Raleway" panose="020B0604020202020204" charset="0"/>
+              </a:rPr>
+              <a:t>De lo general a lo específico</a:t>
+            </a:r>
+          </a:p>
+          <a:p>
+            <a:pPr indent="-342900">
+              <a:lnSpc>
+                <a:spcPct val="90000"/>
+              </a:lnSpc>
+              <a:spcBef>
+                <a:spcPts val="0"/>
+              </a:spcBef>
+              <a:buSzPct val="25000"/>
+            </a:pPr>
+            <a:endParaRPr lang="es-VE" sz="1850" b="0" i="0" u="none" strike="noStrike" cap="none" dirty="0">
+              <a:solidFill>
+                <a:schemeClr val="dk1"/>
+              </a:solidFill>
+              <a:latin typeface="Raleway" panose="020B0604020202020204" charset="0"/>
+            </a:endParaRPr>
+          </a:p>
+          <a:p>
+            <a:pPr indent="-342900">
+              <a:lnSpc>
+                <a:spcPct val="90000"/>
+              </a:lnSpc>
+              <a:spcBef>
+                <a:spcPts val="0"/>
+              </a:spcBef>
+              <a:buSzPct val="25000"/>
+            </a:pPr>
+            <a:r>
+              <a:rPr lang="es-VE" sz="1850" dirty="0">
+                <a:latin typeface="Raleway" panose="020B0604020202020204" charset="0"/>
+              </a:rPr>
+              <a:t>De lo específico a lo general</a:t>
+            </a:r>
+          </a:p>
+          <a:p>
+            <a:pPr indent="-342900">
+              <a:lnSpc>
+                <a:spcPct val="90000"/>
+              </a:lnSpc>
+              <a:spcBef>
+                <a:spcPts val="0"/>
+              </a:spcBef>
+              <a:buSzPct val="25000"/>
+            </a:pPr>
+            <a:endParaRPr lang="es-VE" sz="1850" dirty="0">
+              <a:latin typeface="Raleway" panose="020B0604020202020204" charset="0"/>
+            </a:endParaRPr>
+          </a:p>
+          <a:p>
+            <a:pPr indent="-342900">
+              <a:lnSpc>
+                <a:spcPct val="90000"/>
+              </a:lnSpc>
+              <a:spcBef>
+                <a:spcPts val="0"/>
+              </a:spcBef>
+              <a:buSzPct val="25000"/>
+            </a:pPr>
+            <a:r>
+              <a:rPr lang="es-VE" sz="1850" dirty="0">
+                <a:latin typeface="Raleway" panose="020B0604020202020204" charset="0"/>
+              </a:rPr>
+              <a:t>Contrastando opiniones</a:t>
+            </a:r>
+          </a:p>
+          <a:p>
+            <a:pPr indent="-342900">
+              <a:lnSpc>
+                <a:spcPct val="90000"/>
+              </a:lnSpc>
+              <a:spcBef>
+                <a:spcPts val="0"/>
+              </a:spcBef>
+              <a:buSzPct val="25000"/>
+            </a:pPr>
+            <a:endParaRPr lang="es-VE" sz="1850" dirty="0">
+              <a:latin typeface="Raleway" panose="020B0604020202020204" charset="0"/>
+            </a:endParaRPr>
+          </a:p>
+          <a:p>
+            <a:pPr indent="-342900">
+              <a:lnSpc>
+                <a:spcPct val="90000"/>
+              </a:lnSpc>
+              <a:spcBef>
+                <a:spcPts val="0"/>
+              </a:spcBef>
+              <a:buSzPct val="25000"/>
+            </a:pPr>
+            <a:r>
+              <a:rPr lang="es-VE" sz="1850" dirty="0">
+                <a:latin typeface="Raleway" panose="020B0604020202020204" charset="0"/>
+              </a:rPr>
+              <a:t>Contar la historia a través de un ejemplo. </a:t>
+            </a:r>
+          </a:p>
+          <a:p>
+            <a:pPr indent="-342900">
+              <a:lnSpc>
+                <a:spcPct val="90000"/>
+              </a:lnSpc>
+              <a:spcBef>
+                <a:spcPts val="0"/>
+              </a:spcBef>
+              <a:buSzPct val="25000"/>
+            </a:pPr>
+            <a:endParaRPr lang="es-VE" sz="1850" dirty="0">
+              <a:latin typeface="Raleway" panose="020B0604020202020204" charset="0"/>
+            </a:endParaRPr>
+          </a:p>
+          <a:p>
+            <a:pPr indent="-342900">
+              <a:lnSpc>
+                <a:spcPct val="90000"/>
+              </a:lnSpc>
+              <a:spcBef>
+                <a:spcPts val="0"/>
+              </a:spcBef>
+              <a:buSzPct val="25000"/>
+            </a:pPr>
+            <a:r>
+              <a:rPr lang="es-VE" sz="1850" dirty="0">
+                <a:latin typeface="Raleway" panose="020B0604020202020204" charset="0"/>
+              </a:rPr>
+              <a:t>Buscando consenso</a:t>
+            </a:r>
+          </a:p>
+          <a:p>
+            <a:pPr marL="0" indent="0">
+              <a:lnSpc>
+                <a:spcPct val="90000"/>
+              </a:lnSpc>
+              <a:spcBef>
+                <a:spcPts val="0"/>
+              </a:spcBef>
+              <a:buSzPct val="25000"/>
+              <a:buNone/>
+            </a:pPr>
+            <a:endParaRPr lang="es-VE" sz="1850" dirty="0">
+              <a:latin typeface="Raleway" panose="020B0604020202020204" charset="0"/>
+            </a:endParaRPr>
+          </a:p>
+          <a:p>
+            <a:pPr indent="-342900">
+              <a:lnSpc>
+                <a:spcPct val="90000"/>
+              </a:lnSpc>
+              <a:spcBef>
+                <a:spcPts val="0"/>
+              </a:spcBef>
+              <a:buSzPct val="25000"/>
+            </a:pPr>
+            <a:r>
+              <a:rPr lang="es-VE" sz="1850" dirty="0">
+                <a:latin typeface="Raleway" panose="020B0604020202020204" charset="0"/>
+              </a:rPr>
+              <a:t>Generando polémica. </a:t>
+            </a:r>
+          </a:p>
+          <a:p>
+            <a:pPr indent="-342900">
+              <a:lnSpc>
+                <a:spcPct val="90000"/>
+              </a:lnSpc>
+              <a:spcBef>
+                <a:spcPts val="0"/>
+              </a:spcBef>
+              <a:buSzPct val="25000"/>
+            </a:pPr>
+            <a:endParaRPr lang="es-VE" sz="1850" dirty="0">
+              <a:latin typeface="Raleway" panose="020B0604020202020204" charset="0"/>
+            </a:endParaRPr>
+          </a:p>
+        </p:txBody>
+      </p:sp>
+      <p:sp>
+        <p:nvSpPr>
+          <p:cNvPr id="394" name="Shape 394"/>
+          <p:cNvSpPr txBox="1">
+            <a:spLocks noGrp="1"/>
+          </p:cNvSpPr>
+          <p:nvPr>
+            <p:ph type="title"/>
+          </p:nvPr>
+        </p:nvSpPr>
+        <p:spPr>
+          <a:xfrm>
+            <a:off x="666539" y="209956"/>
+            <a:ext cx="6139614" cy="428400"/>
+          </a:xfrm>
+          <a:prstGeom prst="rect">
+            <a:avLst/>
+          </a:prstGeom>
+          <a:noFill/>
+          <a:ln>
+            <a:noFill/>
+          </a:ln>
+        </p:spPr>
+        <p:txBody>
+          <a:bodyPr lIns="91425" tIns="45700" rIns="91425" bIns="45700" anchor="ctr" anchorCtr="0">
+            <a:noAutofit/>
+          </a:bodyPr>
+          <a:lstStyle/>
+          <a:p>
+            <a:pPr marL="0" marR="0" lvl="0" indent="0" algn="l" rtl="0">
+              <a:spcBef>
+                <a:spcPts val="0"/>
+              </a:spcBef>
+              <a:buClr>
+                <a:srgbClr val="F7B600"/>
+              </a:buClr>
+              <a:buSzPct val="25000"/>
+              <a:buFont typeface="Arial"/>
+              <a:buNone/>
+            </a:pPr>
+            <a:r>
+              <a:rPr lang="es-VE" sz="1200" dirty="0">
+                <a:solidFill>
+                  <a:srgbClr val="F7B600"/>
+                </a:solidFill>
+                <a:latin typeface="Montserrat"/>
+                <a:ea typeface="Montserrat"/>
+                <a:cs typeface="Montserrat"/>
+                <a:sym typeface="Montserrat"/>
+              </a:rPr>
+              <a:t>7</a:t>
+            </a:r>
+            <a:r>
+              <a:rPr lang="es-VE" sz="1200" i="0" u="none" strike="noStrike" cap="none" dirty="0">
+                <a:solidFill>
+                  <a:srgbClr val="F7B600"/>
+                </a:solidFill>
+                <a:latin typeface="Montserrat"/>
+                <a:ea typeface="Montserrat"/>
+                <a:cs typeface="Montserrat"/>
+                <a:sym typeface="Montserrat"/>
+              </a:rPr>
+              <a:t>.3 Cómo comunicar una historia usando el Tablero de Información</a:t>
+            </a:r>
+          </a:p>
+        </p:txBody>
+      </p:sp>
+      <p:pic>
+        <p:nvPicPr>
+          <p:cNvPr id="395" name="Shape 395" descr="isotipo codeacademy.png"/>
+          <p:cNvPicPr preferRelativeResize="0"/>
+          <p:nvPr/>
+        </p:nvPicPr>
+        <p:blipFill rotWithShape="1">
+          <a:blip r:embed="rId3">
+            <a:alphaModFix/>
+          </a:blip>
+          <a:srcRect/>
+          <a:stretch/>
+        </p:blipFill>
+        <p:spPr>
+          <a:xfrm>
+            <a:off x="131781" y="126082"/>
+            <a:ext cx="548100" cy="548100"/>
+          </a:xfrm>
+          <a:prstGeom prst="rect">
+            <a:avLst/>
+          </a:prstGeom>
+          <a:noFill/>
+          <a:ln>
+            <a:noFill/>
+          </a:ln>
+        </p:spPr>
+      </p:pic>
+      <p:sp>
+        <p:nvSpPr>
+          <p:cNvPr id="396" name="Shape 396"/>
+          <p:cNvSpPr txBox="1"/>
+          <p:nvPr/>
+        </p:nvSpPr>
+        <p:spPr>
+          <a:xfrm>
+            <a:off x="626882" y="674182"/>
+            <a:ext cx="7598005" cy="646200"/>
           </a:xfrm>
           <a:prstGeom prst="rect">
             <a:avLst/>
@@ -10122,31 +14122,153 @@
           <a:lstStyle/>
           <a:p>
             <a:pPr marL="0" marR="0" lvl="0" indent="0" algn="l" rtl="0">
-              <a:lnSpc>
-                <a:spcPct val="90000"/>
-              </a:lnSpc>
-              <a:spcBef>
-                <a:spcPts val="0"/>
-              </a:spcBef>
-              <a:buClr>
-                <a:schemeClr val="dk1"/>
-              </a:buClr>
+              <a:spcBef>
+                <a:spcPts val="0"/>
+              </a:spcBef>
               <a:buSzPct val="25000"/>
-              <a:buFont typeface="Arial"/>
               <a:buNone/>
             </a:pPr>
             <a:r>
-              <a:rPr lang="es-VE" sz="1850" b="0" i="0" u="none" strike="noStrike" cap="none" dirty="0">
-                <a:solidFill>
-                  <a:schemeClr val="dk1"/>
-                </a:solidFill>
+              <a:rPr lang="es-GT" sz="3600" b="0" i="0" u="none" strike="noStrike" cap="none" dirty="0">
+                <a:solidFill>
+                  <a:srgbClr val="F7B600"/>
+                </a:solidFill>
+                <a:latin typeface="Raleway"/>
+                <a:ea typeface="Raleway"/>
+                <a:cs typeface="Raleway"/>
+                <a:sym typeface="Raleway"/>
               </a:rPr>
-              <a:t>Texto</a:t>
+              <a:t>Enfoques posibles para tu historia</a:t>
             </a:r>
-            <a:endParaRPr lang="es-VE" sz="1850" dirty="0"/>
           </a:p>
         </p:txBody>
       </p:sp>
+      <p:sp>
+        <p:nvSpPr>
+          <p:cNvPr id="2" name="Isosceles Triangle 1">
+            <a:extLst>
+              <a:ext uri="{FF2B5EF4-FFF2-40B4-BE49-F238E27FC236}">
+                <a16:creationId xmlns:a16="http://schemas.microsoft.com/office/drawing/2014/main" id="{6570BC24-2AF4-41B5-BF7A-25E0446AC939}"/>
+              </a:ext>
+            </a:extLst>
+          </p:cNvPr>
+          <p:cNvSpPr/>
+          <p:nvPr/>
+        </p:nvSpPr>
+        <p:spPr>
+          <a:xfrm>
+            <a:off x="1480008" y="1513003"/>
+            <a:ext cx="1121790" cy="4784102"/>
+          </a:xfrm>
+          <a:prstGeom prst="triangle">
+            <a:avLst/>
+          </a:prstGeom>
+          <a:solidFill>
+            <a:srgbClr val="F7B617"/>
+          </a:solidFill>
+          <a:ln>
+            <a:solidFill>
+              <a:srgbClr val="2B2B2B"/>
+            </a:solidFill>
+          </a:ln>
+        </p:spPr>
+        <p:style>
+          <a:lnRef idx="2">
+            <a:schemeClr val="accent1">
+              <a:shade val="50000"/>
+            </a:schemeClr>
+          </a:lnRef>
+          <a:fillRef idx="1">
+            <a:schemeClr val="accent1"/>
+          </a:fillRef>
+          <a:effectRef idx="0">
+            <a:schemeClr val="accent1"/>
+          </a:effectRef>
+          <a:fontRef idx="minor">
+            <a:schemeClr val="lt1"/>
+          </a:fontRef>
+        </p:style>
+        <p:txBody>
+          <a:bodyPr rtlCol="0" anchor="ctr"/>
+          <a:lstStyle/>
+          <a:p>
+            <a:pPr algn="ctr"/>
+            <a:endParaRPr lang="en-US" dirty="0">
+              <a:latin typeface="Raleway" panose="020B0604020202020204" charset="0"/>
+            </a:endParaRPr>
+          </a:p>
+        </p:txBody>
+      </p:sp>
+      <p:sp>
+        <p:nvSpPr>
+          <p:cNvPr id="3" name="TextBox 2">
+            <a:extLst>
+              <a:ext uri="{FF2B5EF4-FFF2-40B4-BE49-F238E27FC236}">
+                <a16:creationId xmlns:a16="http://schemas.microsoft.com/office/drawing/2014/main" id="{6EBB45B8-9799-4B57-8512-C082985AB73E}"/>
+              </a:ext>
+            </a:extLst>
+          </p:cNvPr>
+          <p:cNvSpPr txBox="1"/>
+          <p:nvPr/>
+        </p:nvSpPr>
+        <p:spPr>
+          <a:xfrm rot="16200000">
+            <a:off x="688157" y="4091233"/>
+            <a:ext cx="2625365" cy="307777"/>
+          </a:xfrm>
+          <a:prstGeom prst="rect">
+            <a:avLst/>
+          </a:prstGeom>
+          <a:noFill/>
+        </p:spPr>
+        <p:txBody>
+          <a:bodyPr wrap="square" rtlCol="0">
+            <a:spAutoFit/>
+          </a:bodyPr>
+          <a:lstStyle/>
+          <a:p>
+            <a:r>
+              <a:rPr lang="es-VE" b="1" dirty="0">
+                <a:latin typeface="Raleway" panose="020B0604020202020204" charset="0"/>
+              </a:rPr>
+              <a:t>Nivel de Emocionalidad </a:t>
+            </a:r>
+            <a:endParaRPr lang="en-US" b="1" dirty="0">
+              <a:latin typeface="Raleway" panose="020B0604020202020204" charset="0"/>
+            </a:endParaRPr>
+          </a:p>
+        </p:txBody>
+      </p:sp>
+    </p:spTree>
+    <p:extLst>
+      <p:ext uri="{BB962C8B-B14F-4D97-AF65-F5344CB8AC3E}">
+        <p14:creationId xmlns:p14="http://schemas.microsoft.com/office/powerpoint/2010/main" val="1370753235"/>
+      </p:ext>
+    </p:extLst>
+  </p:cSld>
+  <p:clrMapOvr>
+    <a:masterClrMapping/>
+  </p:clrMapOvr>
+</p:sld>
+</file>
+
+<file path=ppt/slides/slide3.xml><?xml version="1.0" encoding="utf-8"?>
+<p:sld xmlns:a="http://schemas.openxmlformats.org/drawingml/2006/main" xmlns:r="http://schemas.openxmlformats.org/officeDocument/2006/relationships" xmlns:p="http://schemas.openxmlformats.org/presentationml/2006/main">
+  <p:cSld>
+    <p:spTree>
+      <p:nvGrpSpPr>
+        <p:cNvPr id="1" name="Shape 392"/>
+        <p:cNvGrpSpPr/>
+        <p:nvPr/>
+      </p:nvGrpSpPr>
+      <p:grpSpPr>
+        <a:xfrm>
+          <a:off x="0" y="0"/>
+          <a:ext cx="0" cy="0"/>
+          <a:chOff x="0" y="0"/>
+          <a:chExt cx="0" cy="0"/>
+        </a:xfrm>
+      </p:grpSpPr>
       <p:sp>
         <p:nvSpPr>
           <p:cNvPr id="394" name="Shape 394"/>
@@ -10283,7 +14405,7 @@
                 <a:cs typeface="Raleway"/>
                 <a:sym typeface="Raleway"/>
               </a:rPr>
-              <a:t>Título</a:t>
+              <a:t>Pasos para preparar tu historia</a:t>
             </a:r>
             <a:endParaRPr lang="es-GT" sz="3600" b="0" i="0" u="none" strike="noStrike" cap="none" dirty="0">
               <a:solidFill>
@@ -10297,10 +14419,497 @@
           </a:p>
         </p:txBody>
       </p:sp>
+      <p:graphicFrame>
+        <p:nvGraphicFramePr>
+          <p:cNvPr id="4" name="Diagram 3">
+            <a:extLst>
+              <a:ext uri="{FF2B5EF4-FFF2-40B4-BE49-F238E27FC236}">
+                <a16:creationId xmlns:a16="http://schemas.microsoft.com/office/drawing/2014/main" id="{53DCCF4C-A3F2-4D91-9EC4-A8CE89EA3B43}"/>
+              </a:ext>
+            </a:extLst>
+          </p:cNvPr>
+          <p:cNvGraphicFramePr/>
+          <p:nvPr>
+            <p:extLst>
+              <p:ext uri="{D42A27DB-BD31-4B8C-83A1-F6EECF244321}">
+                <p14:modId xmlns:p14="http://schemas.microsoft.com/office/powerpoint/2010/main" val="316829007"/>
+              </p:ext>
+            </p:extLst>
+          </p:nvPr>
+        </p:nvGraphicFramePr>
+        <p:xfrm>
+          <a:off x="263756" y="1814659"/>
+          <a:ext cx="8093106" cy="4477732"/>
+        </p:xfrm>
+        <a:graphic>
+          <a:graphicData uri="http://schemas.openxmlformats.org/drawingml/2006/diagram">
+            <dgm:relIds xmlns:dgm="http://schemas.openxmlformats.org/drawingml/2006/diagram" xmlns:r="http://schemas.openxmlformats.org/officeDocument/2006/relationships" r:dm="rId4" r:lo="rId5" r:qs="rId6" r:cs="rId7"/>
+          </a:graphicData>
+        </a:graphic>
+      </p:graphicFrame>
     </p:spTree>
     <p:extLst>
       <p:ext uri="{BB962C8B-B14F-4D97-AF65-F5344CB8AC3E}">
         <p14:creationId xmlns:p14="http://schemas.microsoft.com/office/powerpoint/2010/main" val="1269151904"/>
+      </p:ext>
+    </p:extLst>
+  </p:cSld>
+  <p:clrMapOvr>
+    <a:masterClrMapping/>
+  </p:clrMapOvr>
+</p:sld>
+</file>
+
+<file path=ppt/slides/slide4.xml><?xml version="1.0" encoding="utf-8"?>
+<p:sld xmlns:a="http://schemas.openxmlformats.org/drawingml/2006/main" xmlns:r="http://schemas.openxmlformats.org/officeDocument/2006/relationships" xmlns:p="http://schemas.openxmlformats.org/presentationml/2006/main">
+  <p:cSld>
+    <p:spTree>
+      <p:nvGrpSpPr>
+        <p:cNvPr id="1" name="Shape 392"/>
+        <p:cNvGrpSpPr/>
+        <p:nvPr/>
+      </p:nvGrpSpPr>
+      <p:grpSpPr>
+        <a:xfrm>
+          <a:off x="0" y="0"/>
+          <a:ext cx="0" cy="0"/>
+          <a:chOff x="0" y="0"/>
+          <a:chExt cx="0" cy="0"/>
+        </a:xfrm>
+      </p:grpSpPr>
+      <p:sp>
+        <p:nvSpPr>
+          <p:cNvPr id="393" name="Shape 393"/>
+          <p:cNvSpPr txBox="1">
+            <a:spLocks noGrp="1"/>
+          </p:cNvSpPr>
+          <p:nvPr>
+            <p:ph type="body" idx="1"/>
+          </p:nvPr>
+        </p:nvSpPr>
+        <p:spPr>
+          <a:xfrm>
+            <a:off x="457200" y="1628481"/>
+            <a:ext cx="8229600" cy="4526100"/>
+          </a:xfrm>
+          <a:prstGeom prst="rect">
+            <a:avLst/>
+          </a:prstGeom>
+          <a:noFill/>
+          <a:ln>
+            <a:noFill/>
+          </a:ln>
+        </p:spPr>
+        <p:txBody>
+          <a:bodyPr lIns="91425" tIns="45700" rIns="91425" bIns="45700" anchor="t" anchorCtr="0">
+            <a:noAutofit/>
+          </a:bodyPr>
+          <a:lstStyle/>
+          <a:p>
+            <a:pPr marL="0" marR="0" lvl="0" indent="0" algn="l" rtl="0">
+              <a:lnSpc>
+                <a:spcPct val="90000"/>
+              </a:lnSpc>
+              <a:spcBef>
+                <a:spcPts val="0"/>
+              </a:spcBef>
+              <a:buClr>
+                <a:schemeClr val="dk1"/>
+              </a:buClr>
+              <a:buSzPct val="25000"/>
+              <a:buFont typeface="Arial"/>
+              <a:buNone/>
+            </a:pPr>
+            <a:r>
+              <a:rPr lang="es-VE" sz="1850" b="0" i="0" u="none" strike="noStrike" cap="none" dirty="0">
+                <a:solidFill>
+                  <a:schemeClr val="dk1"/>
+                </a:solidFill>
+                <a:latin typeface="Raleway" panose="020B0604020202020204" charset="0"/>
+              </a:rPr>
+              <a:t>¿Respondiste aunque sea parcialmente la pregunta que te formulaste al principio?</a:t>
+            </a:r>
+          </a:p>
+          <a:p>
+            <a:pPr marL="0" marR="0" lvl="0" indent="0" algn="l" rtl="0">
+              <a:lnSpc>
+                <a:spcPct val="90000"/>
+              </a:lnSpc>
+              <a:spcBef>
+                <a:spcPts val="0"/>
+              </a:spcBef>
+              <a:buClr>
+                <a:schemeClr val="dk1"/>
+              </a:buClr>
+              <a:buSzPct val="25000"/>
+              <a:buFont typeface="Arial"/>
+              <a:buNone/>
+            </a:pPr>
+            <a:endParaRPr lang="es-VE" sz="1850" b="0" i="0" u="none" strike="noStrike" cap="none" dirty="0">
+              <a:solidFill>
+                <a:schemeClr val="dk1"/>
+              </a:solidFill>
+              <a:latin typeface="Raleway" panose="020B0604020202020204" charset="0"/>
+            </a:endParaRPr>
+          </a:p>
+          <a:p>
+            <a:pPr marL="0" marR="0" lvl="0" indent="0" algn="l" rtl="0">
+              <a:lnSpc>
+                <a:spcPct val="90000"/>
+              </a:lnSpc>
+              <a:spcBef>
+                <a:spcPts val="0"/>
+              </a:spcBef>
+              <a:buClr>
+                <a:schemeClr val="dk1"/>
+              </a:buClr>
+              <a:buSzPct val="25000"/>
+              <a:buFont typeface="Arial"/>
+              <a:buNone/>
+            </a:pPr>
+            <a:r>
+              <a:rPr lang="es-VE" sz="1850" dirty="0">
+                <a:latin typeface="Raleway" panose="020B0604020202020204" charset="0"/>
+              </a:rPr>
+              <a:t>¿Ya sabes cómo va a fluir tu historia?</a:t>
+            </a:r>
+          </a:p>
+          <a:p>
+            <a:pPr marL="0" marR="0" lvl="0" indent="0" algn="l" rtl="0">
+              <a:lnSpc>
+                <a:spcPct val="90000"/>
+              </a:lnSpc>
+              <a:spcBef>
+                <a:spcPts val="0"/>
+              </a:spcBef>
+              <a:buClr>
+                <a:schemeClr val="dk1"/>
+              </a:buClr>
+              <a:buSzPct val="25000"/>
+              <a:buFont typeface="Arial"/>
+              <a:buNone/>
+            </a:pPr>
+            <a:endParaRPr lang="es-VE" sz="1850" dirty="0">
+              <a:latin typeface="Raleway" panose="020B0604020202020204" charset="0"/>
+            </a:endParaRPr>
+          </a:p>
+          <a:p>
+            <a:pPr marL="0" marR="0" lvl="0" indent="0" algn="l" rtl="0">
+              <a:lnSpc>
+                <a:spcPct val="90000"/>
+              </a:lnSpc>
+              <a:spcBef>
+                <a:spcPts val="0"/>
+              </a:spcBef>
+              <a:buClr>
+                <a:schemeClr val="dk1"/>
+              </a:buClr>
+              <a:buSzPct val="25000"/>
+              <a:buFont typeface="Arial"/>
+              <a:buNone/>
+            </a:pPr>
+            <a:r>
+              <a:rPr lang="es-VE" sz="1850" dirty="0">
+                <a:latin typeface="Raleway" panose="020B0604020202020204" charset="0"/>
+              </a:rPr>
+              <a:t>¿Conoces bien a tu audiencia?: </a:t>
+            </a:r>
+          </a:p>
+          <a:p>
+            <a:pPr marL="0" marR="0" lvl="0" indent="0" algn="l" rtl="0">
+              <a:lnSpc>
+                <a:spcPct val="90000"/>
+              </a:lnSpc>
+              <a:spcBef>
+                <a:spcPts val="0"/>
+              </a:spcBef>
+              <a:buClr>
+                <a:schemeClr val="dk1"/>
+              </a:buClr>
+              <a:buSzPct val="25000"/>
+              <a:buFont typeface="Arial"/>
+              <a:buNone/>
+            </a:pPr>
+            <a:r>
+              <a:rPr lang="es-VE" sz="1850" dirty="0">
+                <a:latin typeface="Raleway" panose="020B0604020202020204" charset="0"/>
+              </a:rPr>
+              <a:t>	¿Qué les gusta? </a:t>
+            </a:r>
+          </a:p>
+          <a:p>
+            <a:pPr marL="0" marR="0" lvl="0" indent="0" algn="l" rtl="0">
+              <a:lnSpc>
+                <a:spcPct val="90000"/>
+              </a:lnSpc>
+              <a:spcBef>
+                <a:spcPts val="0"/>
+              </a:spcBef>
+              <a:buClr>
+                <a:schemeClr val="dk1"/>
+              </a:buClr>
+              <a:buSzPct val="25000"/>
+              <a:buFont typeface="Arial"/>
+              <a:buNone/>
+            </a:pPr>
+            <a:r>
+              <a:rPr lang="es-VE" sz="1850" dirty="0">
+                <a:latin typeface="Raleway" panose="020B0604020202020204" charset="0"/>
+              </a:rPr>
+              <a:t>	¿Qué lenguaje usan? </a:t>
+            </a:r>
+          </a:p>
+          <a:p>
+            <a:pPr marL="0" marR="0" lvl="0" indent="0" algn="l" rtl="0">
+              <a:lnSpc>
+                <a:spcPct val="90000"/>
+              </a:lnSpc>
+              <a:spcBef>
+                <a:spcPts val="0"/>
+              </a:spcBef>
+              <a:buClr>
+                <a:schemeClr val="dk1"/>
+              </a:buClr>
+              <a:buSzPct val="25000"/>
+              <a:buFont typeface="Arial"/>
+              <a:buNone/>
+            </a:pPr>
+            <a:r>
+              <a:rPr lang="es-VE" sz="1850" dirty="0">
+                <a:latin typeface="Raleway" panose="020B0604020202020204" charset="0"/>
+              </a:rPr>
+              <a:t>	¿Qué posición tienen frente a tu historia? (En contra, a favor, neutral)</a:t>
+            </a:r>
+          </a:p>
+          <a:p>
+            <a:pPr marL="0" marR="0" lvl="0" indent="0" algn="l" rtl="0">
+              <a:lnSpc>
+                <a:spcPct val="90000"/>
+              </a:lnSpc>
+              <a:spcBef>
+                <a:spcPts val="0"/>
+              </a:spcBef>
+              <a:buClr>
+                <a:schemeClr val="dk1"/>
+              </a:buClr>
+              <a:buSzPct val="25000"/>
+              <a:buFont typeface="Arial"/>
+              <a:buNone/>
+            </a:pPr>
+            <a:endParaRPr lang="es-VE" sz="1850" dirty="0">
+              <a:latin typeface="Raleway" panose="020B0604020202020204" charset="0"/>
+            </a:endParaRPr>
+          </a:p>
+          <a:p>
+            <a:pPr marL="0" marR="0" lvl="0" indent="0" algn="l" rtl="0">
+              <a:lnSpc>
+                <a:spcPct val="90000"/>
+              </a:lnSpc>
+              <a:spcBef>
+                <a:spcPts val="0"/>
+              </a:spcBef>
+              <a:buClr>
+                <a:schemeClr val="dk1"/>
+              </a:buClr>
+              <a:buSzPct val="25000"/>
+              <a:buFont typeface="Arial"/>
+              <a:buNone/>
+            </a:pPr>
+            <a:r>
+              <a:rPr lang="es-VE" sz="1850" dirty="0">
+                <a:latin typeface="Raleway" panose="020B0604020202020204" charset="0"/>
+              </a:rPr>
+              <a:t>¿Qué enfoque piensas darle a tu historia?</a:t>
+            </a:r>
+          </a:p>
+          <a:p>
+            <a:pPr marL="0" marR="0" lvl="0" indent="0" algn="l" rtl="0">
+              <a:lnSpc>
+                <a:spcPct val="90000"/>
+              </a:lnSpc>
+              <a:spcBef>
+                <a:spcPts val="0"/>
+              </a:spcBef>
+              <a:buClr>
+                <a:schemeClr val="dk1"/>
+              </a:buClr>
+              <a:buSzPct val="25000"/>
+              <a:buFont typeface="Arial"/>
+              <a:buNone/>
+            </a:pPr>
+            <a:endParaRPr lang="es-VE" sz="1850" dirty="0">
+              <a:latin typeface="Raleway" panose="020B0604020202020204" charset="0"/>
+            </a:endParaRPr>
+          </a:p>
+          <a:p>
+            <a:pPr marL="0" marR="0" lvl="0" indent="0" algn="l" rtl="0">
+              <a:lnSpc>
+                <a:spcPct val="90000"/>
+              </a:lnSpc>
+              <a:spcBef>
+                <a:spcPts val="0"/>
+              </a:spcBef>
+              <a:buClr>
+                <a:schemeClr val="dk1"/>
+              </a:buClr>
+              <a:buSzPct val="25000"/>
+              <a:buFont typeface="Arial"/>
+              <a:buNone/>
+            </a:pPr>
+            <a:r>
+              <a:rPr lang="es-VE" sz="1850" dirty="0">
+                <a:latin typeface="Raleway" panose="020B0604020202020204" charset="0"/>
+              </a:rPr>
+              <a:t>¿Ya la practicaste en voz alta?</a:t>
+            </a:r>
+          </a:p>
+        </p:txBody>
+      </p:sp>
+      <p:sp>
+        <p:nvSpPr>
+          <p:cNvPr id="394" name="Shape 394"/>
+          <p:cNvSpPr txBox="1">
+            <a:spLocks noGrp="1"/>
+          </p:cNvSpPr>
+          <p:nvPr>
+            <p:ph type="title"/>
+          </p:nvPr>
+        </p:nvSpPr>
+        <p:spPr>
+          <a:xfrm>
+            <a:off x="666539" y="209956"/>
+            <a:ext cx="6139614" cy="428400"/>
+          </a:xfrm>
+          <a:prstGeom prst="rect">
+            <a:avLst/>
+          </a:prstGeom>
+          <a:noFill/>
+          <a:ln>
+            <a:noFill/>
+          </a:ln>
+        </p:spPr>
+        <p:txBody>
+          <a:bodyPr lIns="91425" tIns="45700" rIns="91425" bIns="45700" anchor="ctr" anchorCtr="0">
+            <a:noAutofit/>
+          </a:bodyPr>
+          <a:lstStyle/>
+          <a:p>
+            <a:pPr marL="0" marR="0" lvl="0" indent="0" algn="l" rtl="0">
+              <a:spcBef>
+                <a:spcPts val="0"/>
+              </a:spcBef>
+              <a:buClr>
+                <a:srgbClr val="F7B600"/>
+              </a:buClr>
+              <a:buSzPct val="25000"/>
+              <a:buFont typeface="Arial"/>
+              <a:buNone/>
+            </a:pPr>
+            <a:r>
+              <a:rPr lang="es-VE" sz="1200" dirty="0">
+                <a:solidFill>
+                  <a:srgbClr val="F7B600"/>
+                </a:solidFill>
+                <a:latin typeface="Montserrat"/>
+                <a:ea typeface="Montserrat"/>
+                <a:cs typeface="Montserrat"/>
+                <a:sym typeface="Montserrat"/>
+              </a:rPr>
+              <a:t>7</a:t>
+            </a:r>
+            <a:r>
+              <a:rPr lang="es-VE" sz="1200" i="0" u="none" strike="noStrike" cap="none" dirty="0">
+                <a:solidFill>
+                  <a:srgbClr val="F7B600"/>
+                </a:solidFill>
+                <a:latin typeface="Montserrat"/>
+                <a:ea typeface="Montserrat"/>
+                <a:cs typeface="Montserrat"/>
+                <a:sym typeface="Montserrat"/>
+              </a:rPr>
+              <a:t>.3 Cómo comunicar una historia usando el Tablero de Información</a:t>
+            </a:r>
+          </a:p>
+        </p:txBody>
+      </p:sp>
+      <p:pic>
+        <p:nvPicPr>
+          <p:cNvPr id="395" name="Shape 395" descr="isotipo codeacademy.png"/>
+          <p:cNvPicPr preferRelativeResize="0"/>
+          <p:nvPr/>
+        </p:nvPicPr>
+        <p:blipFill rotWithShape="1">
+          <a:blip r:embed="rId3">
+            <a:alphaModFix/>
+          </a:blip>
+          <a:srcRect/>
+          <a:stretch/>
+        </p:blipFill>
+        <p:spPr>
+          <a:xfrm>
+            <a:off x="131781" y="126082"/>
+            <a:ext cx="548100" cy="548100"/>
+          </a:xfrm>
+          <a:prstGeom prst="rect">
+            <a:avLst/>
+          </a:prstGeom>
+          <a:noFill/>
+          <a:ln>
+            <a:noFill/>
+          </a:ln>
+        </p:spPr>
+      </p:pic>
+      <p:sp>
+        <p:nvSpPr>
+          <p:cNvPr id="396" name="Shape 396"/>
+          <p:cNvSpPr txBox="1"/>
+          <p:nvPr/>
+        </p:nvSpPr>
+        <p:spPr>
+          <a:xfrm>
+            <a:off x="626882" y="674182"/>
+            <a:ext cx="7598005" cy="646200"/>
+          </a:xfrm>
+          <a:prstGeom prst="rect">
+            <a:avLst/>
+          </a:prstGeom>
+          <a:noFill/>
+          <a:ln>
+            <a:noFill/>
+          </a:ln>
+        </p:spPr>
+        <p:txBody>
+          <a:bodyPr lIns="91425" tIns="45700" rIns="91425" bIns="45700" anchor="t" anchorCtr="0">
+            <a:noAutofit/>
+          </a:bodyPr>
+          <a:lstStyle/>
+          <a:p>
+            <a:pPr marL="0" marR="0" lvl="0" indent="0" algn="l" rtl="0">
+              <a:spcBef>
+                <a:spcPts val="0"/>
+              </a:spcBef>
+              <a:buSzPct val="25000"/>
+              <a:buNone/>
+            </a:pPr>
+            <a:r>
+              <a:rPr lang="es-GT" sz="3600" b="0" i="0" u="none" strike="noStrike" cap="none" dirty="0">
+                <a:solidFill>
+                  <a:srgbClr val="F7B600"/>
+                </a:solidFill>
+                <a:latin typeface="Raleway"/>
+                <a:ea typeface="Raleway"/>
+                <a:cs typeface="Raleway"/>
+                <a:sym typeface="Raleway"/>
+              </a:rPr>
+              <a:t>Lista de chequeo</a:t>
+            </a:r>
+          </a:p>
+        </p:txBody>
+      </p:sp>
+    </p:spTree>
+    <p:extLst>
+      <p:ext uri="{BB962C8B-B14F-4D97-AF65-F5344CB8AC3E}">
+        <p14:creationId xmlns:p14="http://schemas.microsoft.com/office/powerpoint/2010/main" val="2397597833"/>
       </p:ext>
     </p:extLst>
   </p:cSld>
